--- a/Team Happiness.pptx
+++ b/Team Happiness.pptx
@@ -45,7 +45,7 @@
       </p:grpSpPr>
       <p:sp>
         <p:nvSpPr>
-          <p:cNvPr id="78" name="PlaceHolder 1"/>
+          <p:cNvPr id="72" name="PlaceHolder 1"/>
           <p:cNvSpPr>
             <a:spLocks noGrp="1"/>
           </p:cNvSpPr>
@@ -95,7 +95,7 @@
       </p:sp>
       <p:sp>
         <p:nvSpPr>
-          <p:cNvPr id="79" name="PlaceHolder 2"/>
+          <p:cNvPr id="73" name="PlaceHolder 2"/>
           <p:cNvSpPr>
             <a:spLocks noGrp="1"/>
           </p:cNvSpPr>
@@ -145,7 +145,7 @@
       </p:sp>
       <p:sp>
         <p:nvSpPr>
-          <p:cNvPr id="80" name="PlaceHolder 3"/>
+          <p:cNvPr id="74" name="PlaceHolder 3"/>
           <p:cNvSpPr>
             <a:spLocks noGrp="1"/>
           </p:cNvSpPr>
@@ -196,7 +196,7 @@
       </p:sp>
       <p:sp>
         <p:nvSpPr>
-          <p:cNvPr id="81" name="PlaceHolder 4"/>
+          <p:cNvPr id="75" name="PlaceHolder 4"/>
           <p:cNvSpPr>
             <a:spLocks noGrp="1"/>
           </p:cNvSpPr>
@@ -246,7 +246,7 @@
       </p:sp>
       <p:sp>
         <p:nvSpPr>
-          <p:cNvPr id="82" name="PlaceHolder 5"/>
+          <p:cNvPr id="76" name="PlaceHolder 5"/>
           <p:cNvSpPr>
             <a:spLocks noGrp="1"/>
           </p:cNvSpPr>
@@ -267,7 +267,7 @@
           <a:bodyPr lIns="0" rIns="0" tIns="0" bIns="0" anchor="b"/>
           <a:p>
             <a:pPr algn="r"/>
-            <a:fld id="{B09E5F7D-8407-4EED-880B-0921CE121E5A}" type="slidenum">
+            <a:fld id="{2C52AD26-4803-479D-A7B5-47847CE1163C}" type="slidenum">
               <a:rPr b="0" lang="en-GB" sz="1400" spc="-1" strike="noStrike">
                 <a:solidFill>
                   <a:srgbClr val="000000"/>
@@ -320,7 +320,7 @@
       </p:grpSpPr>
       <p:sp>
         <p:nvSpPr>
-          <p:cNvPr id="118" name="PlaceHolder 1"/>
+          <p:cNvPr id="112" name="PlaceHolder 1"/>
           <p:cNvSpPr>
             <a:spLocks noGrp="1"/>
           </p:cNvSpPr>
@@ -331,14 +331,14 @@
         <p:spPr>
           <a:xfrm>
             <a:off x="685800" y="4343400"/>
-            <a:ext cx="5486040" cy="4114440"/>
-          </a:xfrm>
-          <a:prstGeom prst="rect">
-            <a:avLst/>
-          </a:prstGeom>
-        </p:spPr>
-        <p:txBody>
-          <a:bodyPr/>
+            <a:ext cx="5485320" cy="4113720"/>
+          </a:xfrm>
+          <a:prstGeom prst="rect">
+            <a:avLst/>
+          </a:prstGeom>
+        </p:spPr>
+        <p:txBody>
+          <a:bodyPr lIns="0" rIns="0" tIns="0" bIns="0"/>
           <a:p>
             <a:endParaRPr b="0" lang="en-GB" sz="2000" spc="-1" strike="noStrike">
               <a:solidFill>
@@ -356,14 +356,14 @@
       </p:sp>
       <p:sp>
         <p:nvSpPr>
-          <p:cNvPr id="119" name="TextShape 2"/>
-          <p:cNvSpPr txBox="1"/>
+          <p:cNvPr id="113" name="CustomShape 2"/>
+          <p:cNvSpPr/>
           <p:nvPr/>
         </p:nvSpPr>
         <p:spPr>
           <a:xfrm>
             <a:off x="3884760" y="8685360"/>
-            <a:ext cx="2971440" cy="456840"/>
+            <a:ext cx="2970720" cy="456120"/>
           </a:xfrm>
           <a:prstGeom prst="rect">
             <a:avLst/>
@@ -373,15 +373,21 @@
             <a:noFill/>
           </a:ln>
         </p:spPr>
-        <p:txBody>
-          <a:bodyPr anchor="b"/>
+        <p:style>
+          <a:lnRef idx="0"/>
+          <a:fillRef idx="0"/>
+          <a:effectRef idx="0"/>
+          <a:fontRef idx="minor"/>
+        </p:style>
+        <p:txBody>
+          <a:bodyPr lIns="90000" rIns="90000" tIns="45000" bIns="45000" anchor="b"/>
           <a:p>
             <a:pPr algn="r">
               <a:lnSpc>
                 <a:spcPct val="100000"/>
               </a:lnSpc>
             </a:pPr>
-            <a:fld id="{5E34DA03-E287-4F4F-8DDE-A4582E4DEDB1}" type="slidenum">
+            <a:fld id="{62B38AE5-9228-4278-AC0A-9E256715F2B1}" type="slidenum">
               <a:rPr b="0" lang="en-GB" sz="1200" spc="-1" strike="noStrike">
                 <a:solidFill>
                   <a:srgbClr val="000000"/>
@@ -396,16 +402,16 @@
               </a:rPr>
               <a:t>&lt;number&gt;</a:t>
             </a:fld>
-            <a:endParaRPr b="0" lang="en-GB" sz="1200" spc="-1" strike="noStrike">
-              <a:solidFill>
-                <a:srgbClr val="000000"/>
-              </a:solidFill>
-              <a:uFill>
-                <a:solidFill>
-                  <a:srgbClr val="ffffff"/>
-                </a:solidFill>
-              </a:uFill>
-              <a:latin typeface="Times New Roman"/>
+            <a:endParaRPr b="0" lang="en-GB" sz="1800" spc="-1" strike="noStrike">
+              <a:solidFill>
+                <a:srgbClr val="000000"/>
+              </a:solidFill>
+              <a:uFill>
+                <a:solidFill>
+                  <a:srgbClr val="ffffff"/>
+                </a:solidFill>
+              </a:uFill>
+              <a:latin typeface="Arial"/>
             </a:endParaRPr>
           </a:p>
         </p:txBody>
@@ -434,7 +440,7 @@
       </p:grpSpPr>
       <p:sp>
         <p:nvSpPr>
-          <p:cNvPr id="120" name="PlaceHolder 1"/>
+          <p:cNvPr id="114" name="PlaceHolder 1"/>
           <p:cNvSpPr>
             <a:spLocks noGrp="1"/>
           </p:cNvSpPr>
@@ -445,14 +451,14 @@
         <p:spPr>
           <a:xfrm>
             <a:off x="685800" y="4343400"/>
-            <a:ext cx="5486040" cy="4114440"/>
-          </a:xfrm>
-          <a:prstGeom prst="rect">
-            <a:avLst/>
-          </a:prstGeom>
-        </p:spPr>
-        <p:txBody>
-          <a:bodyPr/>
+            <a:ext cx="5485320" cy="4113720"/>
+          </a:xfrm>
+          <a:prstGeom prst="rect">
+            <a:avLst/>
+          </a:prstGeom>
+        </p:spPr>
+        <p:txBody>
+          <a:bodyPr lIns="0" rIns="0" tIns="0" bIns="0"/>
           <a:p>
             <a:endParaRPr b="0" lang="en-GB" sz="2000" spc="-1" strike="noStrike">
               <a:solidFill>
@@ -470,14 +476,14 @@
       </p:sp>
       <p:sp>
         <p:nvSpPr>
-          <p:cNvPr id="121" name="TextShape 2"/>
-          <p:cNvSpPr txBox="1"/>
+          <p:cNvPr id="115" name="CustomShape 2"/>
+          <p:cNvSpPr/>
           <p:nvPr/>
         </p:nvSpPr>
         <p:spPr>
           <a:xfrm>
             <a:off x="3884760" y="8685360"/>
-            <a:ext cx="2971440" cy="456840"/>
+            <a:ext cx="2970720" cy="456120"/>
           </a:xfrm>
           <a:prstGeom prst="rect">
             <a:avLst/>
@@ -487,15 +493,21 @@
             <a:noFill/>
           </a:ln>
         </p:spPr>
-        <p:txBody>
-          <a:bodyPr anchor="b"/>
+        <p:style>
+          <a:lnRef idx="0"/>
+          <a:fillRef idx="0"/>
+          <a:effectRef idx="0"/>
+          <a:fontRef idx="minor"/>
+        </p:style>
+        <p:txBody>
+          <a:bodyPr lIns="90000" rIns="90000" tIns="45000" bIns="45000" anchor="b"/>
           <a:p>
             <a:pPr algn="r">
               <a:lnSpc>
                 <a:spcPct val="100000"/>
               </a:lnSpc>
             </a:pPr>
-            <a:fld id="{EF397B2E-4906-483C-B76A-3301E43E7088}" type="slidenum">
+            <a:fld id="{D4EDB2D3-F5E0-402C-AB02-E168D05223EE}" type="slidenum">
               <a:rPr b="0" lang="en-GB" sz="1200" spc="-1" strike="noStrike">
                 <a:solidFill>
                   <a:srgbClr val="000000"/>
@@ -510,16 +522,16 @@
               </a:rPr>
               <a:t>&lt;number&gt;</a:t>
             </a:fld>
-            <a:endParaRPr b="0" lang="en-GB" sz="1200" spc="-1" strike="noStrike">
-              <a:solidFill>
-                <a:srgbClr val="000000"/>
-              </a:solidFill>
-              <a:uFill>
-                <a:solidFill>
-                  <a:srgbClr val="ffffff"/>
-                </a:solidFill>
-              </a:uFill>
-              <a:latin typeface="Times New Roman"/>
+            <a:endParaRPr b="0" lang="en-GB" sz="1800" spc="-1" strike="noStrike">
+              <a:solidFill>
+                <a:srgbClr val="000000"/>
+              </a:solidFill>
+              <a:uFill>
+                <a:solidFill>
+                  <a:srgbClr val="ffffff"/>
+                </a:solidFill>
+              </a:uFill>
+              <a:latin typeface="Arial"/>
             </a:endParaRPr>
           </a:p>
         </p:txBody>
@@ -570,7 +582,7 @@
       </p:grpSpPr>
       <p:sp>
         <p:nvSpPr>
-          <p:cNvPr id="26" name="PlaceHolder 1"/>
+          <p:cNvPr id="23" name="PlaceHolder 1"/>
           <p:cNvSpPr>
             <a:spLocks noGrp="1"/>
           </p:cNvSpPr>
@@ -580,8 +592,8 @@
         </p:nvSpPr>
         <p:spPr>
           <a:xfrm>
-            <a:off x="457200" y="274680"/>
-            <a:ext cx="8229240" cy="1142640"/>
+            <a:off x="457200" y="273600"/>
+            <a:ext cx="8229240" cy="1144800"/>
           </a:xfrm>
           <a:prstGeom prst="rect">
             <a:avLst/>
@@ -590,23 +602,24 @@
         <p:txBody>
           <a:bodyPr lIns="0" rIns="0" tIns="0" bIns="0" anchor="ctr"/>
           <a:p>
-            <a:endParaRPr b="0" lang="en-US" sz="1800" spc="-1" strike="noStrike">
-              <a:solidFill>
-                <a:srgbClr val="000000"/>
-              </a:solidFill>
-              <a:uFill>
-                <a:solidFill>
-                  <a:srgbClr val="ffffff"/>
-                </a:solidFill>
-              </a:uFill>
-              <a:latin typeface="Calibri"/>
-            </a:endParaRPr>
-          </a:p>
-        </p:txBody>
-      </p:sp>
-      <p:sp>
-        <p:nvSpPr>
-          <p:cNvPr id="27" name="PlaceHolder 2"/>
+            <a:pPr algn="ctr"/>
+            <a:endParaRPr b="0" lang="en-GB" sz="4400" spc="-1" strike="noStrike">
+              <a:solidFill>
+                <a:srgbClr val="000000"/>
+              </a:solidFill>
+              <a:uFill>
+                <a:solidFill>
+                  <a:srgbClr val="ffffff"/>
+                </a:solidFill>
+              </a:uFill>
+              <a:latin typeface="Arial"/>
+            </a:endParaRPr>
+          </a:p>
+        </p:txBody>
+      </p:sp>
+      <p:sp>
+        <p:nvSpPr>
+          <p:cNvPr id="24" name="PlaceHolder 2"/>
           <p:cNvSpPr>
             <a:spLocks noGrp="1"/>
           </p:cNvSpPr>
@@ -616,8 +629,8 @@
         </p:nvSpPr>
         <p:spPr>
           <a:xfrm>
-            <a:off x="457200" y="1600200"/>
-            <a:ext cx="8229240" cy="2158560"/>
+            <a:off x="457200" y="1604520"/>
+            <a:ext cx="8229240" cy="1896840"/>
           </a:xfrm>
           <a:prstGeom prst="rect">
             <a:avLst/>
@@ -626,23 +639,23 @@
         <p:txBody>
           <a:bodyPr lIns="0" rIns="0" tIns="0" bIns="0"/>
           <a:p>
-            <a:endParaRPr b="0" lang="en-US" sz="3200" spc="-1" strike="noStrike">
-              <a:solidFill>
-                <a:srgbClr val="000000"/>
-              </a:solidFill>
-              <a:uFill>
-                <a:solidFill>
-                  <a:srgbClr val="ffffff"/>
-                </a:solidFill>
-              </a:uFill>
-              <a:latin typeface="Calibri"/>
-            </a:endParaRPr>
-          </a:p>
-        </p:txBody>
-      </p:sp>
-      <p:sp>
-        <p:nvSpPr>
-          <p:cNvPr id="28" name="PlaceHolder 3"/>
+            <a:endParaRPr b="0" lang="en-GB" sz="3200" spc="-1" strike="noStrike">
+              <a:solidFill>
+                <a:srgbClr val="000000"/>
+              </a:solidFill>
+              <a:uFill>
+                <a:solidFill>
+                  <a:srgbClr val="ffffff"/>
+                </a:solidFill>
+              </a:uFill>
+              <a:latin typeface="Arial"/>
+            </a:endParaRPr>
+          </a:p>
+        </p:txBody>
+      </p:sp>
+      <p:sp>
+        <p:nvSpPr>
+          <p:cNvPr id="25" name="PlaceHolder 3"/>
           <p:cNvSpPr>
             <a:spLocks noGrp="1"/>
           </p:cNvSpPr>
@@ -652,8 +665,8 @@
         </p:nvSpPr>
         <p:spPr>
           <a:xfrm>
-            <a:off x="457200" y="3964320"/>
-            <a:ext cx="8229240" cy="2158560"/>
+            <a:off x="457200" y="3682080"/>
+            <a:ext cx="8229240" cy="1896840"/>
           </a:xfrm>
           <a:prstGeom prst="rect">
             <a:avLst/>
@@ -662,16 +675,16 @@
         <p:txBody>
           <a:bodyPr lIns="0" rIns="0" tIns="0" bIns="0"/>
           <a:p>
-            <a:endParaRPr b="0" lang="en-US" sz="3200" spc="-1" strike="noStrike">
-              <a:solidFill>
-                <a:srgbClr val="000000"/>
-              </a:solidFill>
-              <a:uFill>
-                <a:solidFill>
-                  <a:srgbClr val="ffffff"/>
-                </a:solidFill>
-              </a:uFill>
-              <a:latin typeface="Calibri"/>
+            <a:endParaRPr b="0" lang="en-GB" sz="3200" spc="-1" strike="noStrike">
+              <a:solidFill>
+                <a:srgbClr val="000000"/>
+              </a:solidFill>
+              <a:uFill>
+                <a:solidFill>
+                  <a:srgbClr val="ffffff"/>
+                </a:solidFill>
+              </a:uFill>
+              <a:latin typeface="Arial"/>
             </a:endParaRPr>
           </a:p>
         </p:txBody>
@@ -700,7 +713,7 @@
       </p:grpSpPr>
       <p:sp>
         <p:nvSpPr>
-          <p:cNvPr id="29" name="PlaceHolder 1"/>
+          <p:cNvPr id="26" name="PlaceHolder 1"/>
           <p:cNvSpPr>
             <a:spLocks noGrp="1"/>
           </p:cNvSpPr>
@@ -710,8 +723,8 @@
         </p:nvSpPr>
         <p:spPr>
           <a:xfrm>
-            <a:off x="457200" y="274680"/>
-            <a:ext cx="8229240" cy="1142640"/>
+            <a:off x="457200" y="273600"/>
+            <a:ext cx="8229240" cy="1144800"/>
           </a:xfrm>
           <a:prstGeom prst="rect">
             <a:avLst/>
@@ -720,23 +733,24 @@
         <p:txBody>
           <a:bodyPr lIns="0" rIns="0" tIns="0" bIns="0" anchor="ctr"/>
           <a:p>
-            <a:endParaRPr b="0" lang="en-US" sz="1800" spc="-1" strike="noStrike">
-              <a:solidFill>
-                <a:srgbClr val="000000"/>
-              </a:solidFill>
-              <a:uFill>
-                <a:solidFill>
-                  <a:srgbClr val="ffffff"/>
-                </a:solidFill>
-              </a:uFill>
-              <a:latin typeface="Calibri"/>
-            </a:endParaRPr>
-          </a:p>
-        </p:txBody>
-      </p:sp>
-      <p:sp>
-        <p:nvSpPr>
-          <p:cNvPr id="30" name="PlaceHolder 2"/>
+            <a:pPr algn="ctr"/>
+            <a:endParaRPr b="0" lang="en-GB" sz="4400" spc="-1" strike="noStrike">
+              <a:solidFill>
+                <a:srgbClr val="000000"/>
+              </a:solidFill>
+              <a:uFill>
+                <a:solidFill>
+                  <a:srgbClr val="ffffff"/>
+                </a:solidFill>
+              </a:uFill>
+              <a:latin typeface="Arial"/>
+            </a:endParaRPr>
+          </a:p>
+        </p:txBody>
+      </p:sp>
+      <p:sp>
+        <p:nvSpPr>
+          <p:cNvPr id="27" name="PlaceHolder 2"/>
           <p:cNvSpPr>
             <a:spLocks noGrp="1"/>
           </p:cNvSpPr>
@@ -746,8 +760,8 @@
         </p:nvSpPr>
         <p:spPr>
           <a:xfrm>
-            <a:off x="457200" y="1600200"/>
-            <a:ext cx="4015800" cy="2158560"/>
+            <a:off x="457200" y="1604520"/>
+            <a:ext cx="4015800" cy="1896840"/>
           </a:xfrm>
           <a:prstGeom prst="rect">
             <a:avLst/>
@@ -756,23 +770,23 @@
         <p:txBody>
           <a:bodyPr lIns="0" rIns="0" tIns="0" bIns="0"/>
           <a:p>
-            <a:endParaRPr b="0" lang="en-US" sz="3200" spc="-1" strike="noStrike">
-              <a:solidFill>
-                <a:srgbClr val="000000"/>
-              </a:solidFill>
-              <a:uFill>
-                <a:solidFill>
-                  <a:srgbClr val="ffffff"/>
-                </a:solidFill>
-              </a:uFill>
-              <a:latin typeface="Calibri"/>
-            </a:endParaRPr>
-          </a:p>
-        </p:txBody>
-      </p:sp>
-      <p:sp>
-        <p:nvSpPr>
-          <p:cNvPr id="31" name="PlaceHolder 3"/>
+            <a:endParaRPr b="0" lang="en-GB" sz="3200" spc="-1" strike="noStrike">
+              <a:solidFill>
+                <a:srgbClr val="000000"/>
+              </a:solidFill>
+              <a:uFill>
+                <a:solidFill>
+                  <a:srgbClr val="ffffff"/>
+                </a:solidFill>
+              </a:uFill>
+              <a:latin typeface="Arial"/>
+            </a:endParaRPr>
+          </a:p>
+        </p:txBody>
+      </p:sp>
+      <p:sp>
+        <p:nvSpPr>
+          <p:cNvPr id="28" name="PlaceHolder 3"/>
           <p:cNvSpPr>
             <a:spLocks noGrp="1"/>
           </p:cNvSpPr>
@@ -782,8 +796,8 @@
         </p:nvSpPr>
         <p:spPr>
           <a:xfrm>
-            <a:off x="4674240" y="1600200"/>
-            <a:ext cx="4015800" cy="2158560"/>
+            <a:off x="4674240" y="1604520"/>
+            <a:ext cx="4015800" cy="1896840"/>
           </a:xfrm>
           <a:prstGeom prst="rect">
             <a:avLst/>
@@ -792,23 +806,23 @@
         <p:txBody>
           <a:bodyPr lIns="0" rIns="0" tIns="0" bIns="0"/>
           <a:p>
-            <a:endParaRPr b="0" lang="en-US" sz="3200" spc="-1" strike="noStrike">
-              <a:solidFill>
-                <a:srgbClr val="000000"/>
-              </a:solidFill>
-              <a:uFill>
-                <a:solidFill>
-                  <a:srgbClr val="ffffff"/>
-                </a:solidFill>
-              </a:uFill>
-              <a:latin typeface="Calibri"/>
-            </a:endParaRPr>
-          </a:p>
-        </p:txBody>
-      </p:sp>
-      <p:sp>
-        <p:nvSpPr>
-          <p:cNvPr id="32" name="PlaceHolder 4"/>
+            <a:endParaRPr b="0" lang="en-GB" sz="3200" spc="-1" strike="noStrike">
+              <a:solidFill>
+                <a:srgbClr val="000000"/>
+              </a:solidFill>
+              <a:uFill>
+                <a:solidFill>
+                  <a:srgbClr val="ffffff"/>
+                </a:solidFill>
+              </a:uFill>
+              <a:latin typeface="Arial"/>
+            </a:endParaRPr>
+          </a:p>
+        </p:txBody>
+      </p:sp>
+      <p:sp>
+        <p:nvSpPr>
+          <p:cNvPr id="29" name="PlaceHolder 4"/>
           <p:cNvSpPr>
             <a:spLocks noGrp="1"/>
           </p:cNvSpPr>
@@ -818,8 +832,8 @@
         </p:nvSpPr>
         <p:spPr>
           <a:xfrm>
-            <a:off x="4674240" y="3964320"/>
-            <a:ext cx="4015800" cy="2158560"/>
+            <a:off x="4674240" y="3682080"/>
+            <a:ext cx="4015800" cy="1896840"/>
           </a:xfrm>
           <a:prstGeom prst="rect">
             <a:avLst/>
@@ -828,23 +842,23 @@
         <p:txBody>
           <a:bodyPr lIns="0" rIns="0" tIns="0" bIns="0"/>
           <a:p>
-            <a:endParaRPr b="0" lang="en-US" sz="3200" spc="-1" strike="noStrike">
-              <a:solidFill>
-                <a:srgbClr val="000000"/>
-              </a:solidFill>
-              <a:uFill>
-                <a:solidFill>
-                  <a:srgbClr val="ffffff"/>
-                </a:solidFill>
-              </a:uFill>
-              <a:latin typeface="Calibri"/>
-            </a:endParaRPr>
-          </a:p>
-        </p:txBody>
-      </p:sp>
-      <p:sp>
-        <p:nvSpPr>
-          <p:cNvPr id="33" name="PlaceHolder 5"/>
+            <a:endParaRPr b="0" lang="en-GB" sz="3200" spc="-1" strike="noStrike">
+              <a:solidFill>
+                <a:srgbClr val="000000"/>
+              </a:solidFill>
+              <a:uFill>
+                <a:solidFill>
+                  <a:srgbClr val="ffffff"/>
+                </a:solidFill>
+              </a:uFill>
+              <a:latin typeface="Arial"/>
+            </a:endParaRPr>
+          </a:p>
+        </p:txBody>
+      </p:sp>
+      <p:sp>
+        <p:nvSpPr>
+          <p:cNvPr id="30" name="PlaceHolder 5"/>
           <p:cNvSpPr>
             <a:spLocks noGrp="1"/>
           </p:cNvSpPr>
@@ -854,8 +868,8 @@
         </p:nvSpPr>
         <p:spPr>
           <a:xfrm>
-            <a:off x="457200" y="3964320"/>
-            <a:ext cx="4015800" cy="2158560"/>
+            <a:off x="457200" y="3682080"/>
+            <a:ext cx="4015800" cy="1896840"/>
           </a:xfrm>
           <a:prstGeom prst="rect">
             <a:avLst/>
@@ -864,16 +878,16 @@
         <p:txBody>
           <a:bodyPr lIns="0" rIns="0" tIns="0" bIns="0"/>
           <a:p>
-            <a:endParaRPr b="0" lang="en-US" sz="3200" spc="-1" strike="noStrike">
-              <a:solidFill>
-                <a:srgbClr val="000000"/>
-              </a:solidFill>
-              <a:uFill>
-                <a:solidFill>
-                  <a:srgbClr val="ffffff"/>
-                </a:solidFill>
-              </a:uFill>
-              <a:latin typeface="Calibri"/>
+            <a:endParaRPr b="0" lang="en-GB" sz="3200" spc="-1" strike="noStrike">
+              <a:solidFill>
+                <a:srgbClr val="000000"/>
+              </a:solidFill>
+              <a:uFill>
+                <a:solidFill>
+                  <a:srgbClr val="ffffff"/>
+                </a:solidFill>
+              </a:uFill>
+              <a:latin typeface="Arial"/>
             </a:endParaRPr>
           </a:p>
         </p:txBody>
@@ -902,7 +916,7 @@
       </p:grpSpPr>
       <p:sp>
         <p:nvSpPr>
-          <p:cNvPr id="34" name="PlaceHolder 1"/>
+          <p:cNvPr id="31" name="PlaceHolder 1"/>
           <p:cNvSpPr>
             <a:spLocks noGrp="1"/>
           </p:cNvSpPr>
@@ -912,8 +926,8 @@
         </p:nvSpPr>
         <p:spPr>
           <a:xfrm>
-            <a:off x="457200" y="274680"/>
-            <a:ext cx="8229240" cy="1142640"/>
+            <a:off x="457200" y="273600"/>
+            <a:ext cx="8229240" cy="1144800"/>
           </a:xfrm>
           <a:prstGeom prst="rect">
             <a:avLst/>
@@ -922,23 +936,24 @@
         <p:txBody>
           <a:bodyPr lIns="0" rIns="0" tIns="0" bIns="0" anchor="ctr"/>
           <a:p>
-            <a:endParaRPr b="0" lang="en-US" sz="1800" spc="-1" strike="noStrike">
-              <a:solidFill>
-                <a:srgbClr val="000000"/>
-              </a:solidFill>
-              <a:uFill>
-                <a:solidFill>
-                  <a:srgbClr val="ffffff"/>
-                </a:solidFill>
-              </a:uFill>
-              <a:latin typeface="Calibri"/>
-            </a:endParaRPr>
-          </a:p>
-        </p:txBody>
-      </p:sp>
-      <p:sp>
-        <p:nvSpPr>
-          <p:cNvPr id="35" name="PlaceHolder 2"/>
+            <a:pPr algn="ctr"/>
+            <a:endParaRPr b="0" lang="en-GB" sz="4400" spc="-1" strike="noStrike">
+              <a:solidFill>
+                <a:srgbClr val="000000"/>
+              </a:solidFill>
+              <a:uFill>
+                <a:solidFill>
+                  <a:srgbClr val="ffffff"/>
+                </a:solidFill>
+              </a:uFill>
+              <a:latin typeface="Arial"/>
+            </a:endParaRPr>
+          </a:p>
+        </p:txBody>
+      </p:sp>
+      <p:sp>
+        <p:nvSpPr>
+          <p:cNvPr id="32" name="PlaceHolder 2"/>
           <p:cNvSpPr>
             <a:spLocks noGrp="1"/>
           </p:cNvSpPr>
@@ -948,8 +963,8 @@
         </p:nvSpPr>
         <p:spPr>
           <a:xfrm>
-            <a:off x="457200" y="1600200"/>
-            <a:ext cx="8229240" cy="4525560"/>
+            <a:off x="457200" y="1604520"/>
+            <a:ext cx="8229240" cy="3977280"/>
           </a:xfrm>
           <a:prstGeom prst="rect">
             <a:avLst/>
@@ -958,23 +973,23 @@
         <p:txBody>
           <a:bodyPr lIns="0" rIns="0" tIns="0" bIns="0"/>
           <a:p>
-            <a:endParaRPr b="0" lang="en-US" sz="3200" spc="-1" strike="noStrike">
-              <a:solidFill>
-                <a:srgbClr val="000000"/>
-              </a:solidFill>
-              <a:uFill>
-                <a:solidFill>
-                  <a:srgbClr val="ffffff"/>
-                </a:solidFill>
-              </a:uFill>
-              <a:latin typeface="Calibri"/>
-            </a:endParaRPr>
-          </a:p>
-        </p:txBody>
-      </p:sp>
-      <p:sp>
-        <p:nvSpPr>
-          <p:cNvPr id="36" name="PlaceHolder 3"/>
+            <a:endParaRPr b="0" lang="en-GB" sz="3200" spc="-1" strike="noStrike">
+              <a:solidFill>
+                <a:srgbClr val="000000"/>
+              </a:solidFill>
+              <a:uFill>
+                <a:solidFill>
+                  <a:srgbClr val="ffffff"/>
+                </a:solidFill>
+              </a:uFill>
+              <a:latin typeface="Arial"/>
+            </a:endParaRPr>
+          </a:p>
+        </p:txBody>
+      </p:sp>
+      <p:sp>
+        <p:nvSpPr>
+          <p:cNvPr id="33" name="PlaceHolder 3"/>
           <p:cNvSpPr>
             <a:spLocks noGrp="1"/>
           </p:cNvSpPr>
@@ -984,8 +999,8 @@
         </p:nvSpPr>
         <p:spPr>
           <a:xfrm>
-            <a:off x="457200" y="1600200"/>
-            <a:ext cx="8229240" cy="4525560"/>
+            <a:off x="457200" y="1604520"/>
+            <a:ext cx="8229240" cy="3977280"/>
           </a:xfrm>
           <a:prstGeom prst="rect">
             <a:avLst/>
@@ -994,23 +1009,23 @@
         <p:txBody>
           <a:bodyPr lIns="0" rIns="0" tIns="0" bIns="0"/>
           <a:p>
-            <a:endParaRPr b="0" lang="en-US" sz="3200" spc="-1" strike="noStrike">
-              <a:solidFill>
-                <a:srgbClr val="000000"/>
-              </a:solidFill>
-              <a:uFill>
-                <a:solidFill>
-                  <a:srgbClr val="ffffff"/>
-                </a:solidFill>
-              </a:uFill>
-              <a:latin typeface="Calibri"/>
+            <a:endParaRPr b="0" lang="en-GB" sz="3200" spc="-1" strike="noStrike">
+              <a:solidFill>
+                <a:srgbClr val="000000"/>
+              </a:solidFill>
+              <a:uFill>
+                <a:solidFill>
+                  <a:srgbClr val="ffffff"/>
+                </a:solidFill>
+              </a:uFill>
+              <a:latin typeface="Arial"/>
             </a:endParaRPr>
           </a:p>
         </p:txBody>
       </p:sp>
       <p:pic>
         <p:nvPicPr>
-          <p:cNvPr id="37" name="" descr=""/>
+          <p:cNvPr id="34" name="" descr=""/>
           <p:cNvPicPr/>
           <p:nvPr/>
         </p:nvPicPr>
@@ -1020,8 +1035,8 @@
         </p:blipFill>
         <p:spPr>
           <a:xfrm>
-            <a:off x="1735560" y="1599840"/>
-            <a:ext cx="5671800" cy="4525560"/>
+            <a:off x="2079000" y="1604520"/>
+            <a:ext cx="4984920" cy="3977280"/>
           </a:xfrm>
           <a:prstGeom prst="rect">
             <a:avLst/>
@@ -1033,7 +1048,7 @@
       </p:pic>
       <p:pic>
         <p:nvPicPr>
-          <p:cNvPr id="38" name="" descr=""/>
+          <p:cNvPr id="35" name="" descr=""/>
           <p:cNvPicPr/>
           <p:nvPr/>
         </p:nvPicPr>
@@ -1043,8 +1058,8 @@
         </p:blipFill>
         <p:spPr>
           <a:xfrm>
-            <a:off x="1735560" y="1599840"/>
-            <a:ext cx="5671800" cy="4525560"/>
+            <a:off x="2079000" y="1604520"/>
+            <a:ext cx="4984920" cy="3977280"/>
           </a:xfrm>
           <a:prstGeom prst="rect">
             <a:avLst/>
@@ -1100,7 +1115,7 @@
       </p:grpSpPr>
       <p:sp>
         <p:nvSpPr>
-          <p:cNvPr id="44" name="PlaceHolder 1"/>
+          <p:cNvPr id="38" name="PlaceHolder 1"/>
           <p:cNvSpPr>
             <a:spLocks noGrp="1"/>
           </p:cNvSpPr>
@@ -1110,8 +1125,8 @@
         </p:nvSpPr>
         <p:spPr>
           <a:xfrm>
-            <a:off x="457200" y="274680"/>
-            <a:ext cx="8229240" cy="1142640"/>
+            <a:off x="457200" y="273600"/>
+            <a:ext cx="8229240" cy="1144800"/>
           </a:xfrm>
           <a:prstGeom prst="rect">
             <a:avLst/>
@@ -1120,23 +1135,24 @@
         <p:txBody>
           <a:bodyPr lIns="0" rIns="0" tIns="0" bIns="0" anchor="ctr"/>
           <a:p>
-            <a:endParaRPr b="0" lang="en-US" sz="1800" spc="-1" strike="noStrike">
-              <a:solidFill>
-                <a:srgbClr val="000000"/>
-              </a:solidFill>
-              <a:uFill>
-                <a:solidFill>
-                  <a:srgbClr val="ffffff"/>
-                </a:solidFill>
-              </a:uFill>
-              <a:latin typeface="Calibri"/>
-            </a:endParaRPr>
-          </a:p>
-        </p:txBody>
-      </p:sp>
-      <p:sp>
-        <p:nvSpPr>
-          <p:cNvPr id="45" name="PlaceHolder 2"/>
+            <a:pPr algn="ctr"/>
+            <a:endParaRPr b="0" lang="en-GB" sz="4400" spc="-1" strike="noStrike">
+              <a:solidFill>
+                <a:srgbClr val="000000"/>
+              </a:solidFill>
+              <a:uFill>
+                <a:solidFill>
+                  <a:srgbClr val="ffffff"/>
+                </a:solidFill>
+              </a:uFill>
+              <a:latin typeface="Arial"/>
+            </a:endParaRPr>
+          </a:p>
+        </p:txBody>
+      </p:sp>
+      <p:sp>
+        <p:nvSpPr>
+          <p:cNvPr id="39" name="PlaceHolder 2"/>
           <p:cNvSpPr>
             <a:spLocks noGrp="1"/>
           </p:cNvSpPr>
@@ -1146,8 +1162,8 @@
         </p:nvSpPr>
         <p:spPr>
           <a:xfrm>
-            <a:off x="457200" y="1600200"/>
-            <a:ext cx="8229240" cy="4525560"/>
+            <a:off x="457200" y="1604520"/>
+            <a:ext cx="8229240" cy="3977280"/>
           </a:xfrm>
           <a:prstGeom prst="rect">
             <a:avLst/>
@@ -1195,7 +1211,7 @@
       </p:grpSpPr>
       <p:sp>
         <p:nvSpPr>
-          <p:cNvPr id="46" name="PlaceHolder 1"/>
+          <p:cNvPr id="40" name="PlaceHolder 1"/>
           <p:cNvSpPr>
             <a:spLocks noGrp="1"/>
           </p:cNvSpPr>
@@ -1205,8 +1221,8 @@
         </p:nvSpPr>
         <p:spPr>
           <a:xfrm>
-            <a:off x="457200" y="274680"/>
-            <a:ext cx="8229240" cy="1142640"/>
+            <a:off x="457200" y="273600"/>
+            <a:ext cx="8229240" cy="1144800"/>
           </a:xfrm>
           <a:prstGeom prst="rect">
             <a:avLst/>
@@ -1215,23 +1231,24 @@
         <p:txBody>
           <a:bodyPr lIns="0" rIns="0" tIns="0" bIns="0" anchor="ctr"/>
           <a:p>
-            <a:endParaRPr b="0" lang="en-US" sz="1800" spc="-1" strike="noStrike">
-              <a:solidFill>
-                <a:srgbClr val="000000"/>
-              </a:solidFill>
-              <a:uFill>
-                <a:solidFill>
-                  <a:srgbClr val="ffffff"/>
-                </a:solidFill>
-              </a:uFill>
-              <a:latin typeface="Calibri"/>
-            </a:endParaRPr>
-          </a:p>
-        </p:txBody>
-      </p:sp>
-      <p:sp>
-        <p:nvSpPr>
-          <p:cNvPr id="47" name="PlaceHolder 2"/>
+            <a:pPr algn="ctr"/>
+            <a:endParaRPr b="0" lang="en-GB" sz="4400" spc="-1" strike="noStrike">
+              <a:solidFill>
+                <a:srgbClr val="000000"/>
+              </a:solidFill>
+              <a:uFill>
+                <a:solidFill>
+                  <a:srgbClr val="ffffff"/>
+                </a:solidFill>
+              </a:uFill>
+              <a:latin typeface="Arial"/>
+            </a:endParaRPr>
+          </a:p>
+        </p:txBody>
+      </p:sp>
+      <p:sp>
+        <p:nvSpPr>
+          <p:cNvPr id="41" name="PlaceHolder 2"/>
           <p:cNvSpPr>
             <a:spLocks noGrp="1"/>
           </p:cNvSpPr>
@@ -1241,8 +1258,8 @@
         </p:nvSpPr>
         <p:spPr>
           <a:xfrm>
-            <a:off x="457200" y="1600200"/>
-            <a:ext cx="8229240" cy="4525560"/>
+            <a:off x="457200" y="1604520"/>
+            <a:ext cx="8229240" cy="3977280"/>
           </a:xfrm>
           <a:prstGeom prst="rect">
             <a:avLst/>
@@ -1251,16 +1268,16 @@
         <p:txBody>
           <a:bodyPr lIns="0" rIns="0" tIns="0" bIns="0"/>
           <a:p>
-            <a:endParaRPr b="0" lang="en-US" sz="3200" spc="-1" strike="noStrike">
-              <a:solidFill>
-                <a:srgbClr val="000000"/>
-              </a:solidFill>
-              <a:uFill>
-                <a:solidFill>
-                  <a:srgbClr val="ffffff"/>
-                </a:solidFill>
-              </a:uFill>
-              <a:latin typeface="Calibri"/>
+            <a:endParaRPr b="0" lang="en-GB" sz="3200" spc="-1" strike="noStrike">
+              <a:solidFill>
+                <a:srgbClr val="000000"/>
+              </a:solidFill>
+              <a:uFill>
+                <a:solidFill>
+                  <a:srgbClr val="ffffff"/>
+                </a:solidFill>
+              </a:uFill>
+              <a:latin typeface="Arial"/>
             </a:endParaRPr>
           </a:p>
         </p:txBody>
@@ -1289,7 +1306,7 @@
       </p:grpSpPr>
       <p:sp>
         <p:nvSpPr>
-          <p:cNvPr id="48" name="PlaceHolder 1"/>
+          <p:cNvPr id="42" name="PlaceHolder 1"/>
           <p:cNvSpPr>
             <a:spLocks noGrp="1"/>
           </p:cNvSpPr>
@@ -1299,8 +1316,8 @@
         </p:nvSpPr>
         <p:spPr>
           <a:xfrm>
-            <a:off x="457200" y="274680"/>
-            <a:ext cx="8229240" cy="1142640"/>
+            <a:off x="457200" y="273600"/>
+            <a:ext cx="8229240" cy="1144800"/>
           </a:xfrm>
           <a:prstGeom prst="rect">
             <a:avLst/>
@@ -1309,23 +1326,24 @@
         <p:txBody>
           <a:bodyPr lIns="0" rIns="0" tIns="0" bIns="0" anchor="ctr"/>
           <a:p>
-            <a:endParaRPr b="0" lang="en-US" sz="1800" spc="-1" strike="noStrike">
-              <a:solidFill>
-                <a:srgbClr val="000000"/>
-              </a:solidFill>
-              <a:uFill>
-                <a:solidFill>
-                  <a:srgbClr val="ffffff"/>
-                </a:solidFill>
-              </a:uFill>
-              <a:latin typeface="Calibri"/>
-            </a:endParaRPr>
-          </a:p>
-        </p:txBody>
-      </p:sp>
-      <p:sp>
-        <p:nvSpPr>
-          <p:cNvPr id="49" name="PlaceHolder 2"/>
+            <a:pPr algn="ctr"/>
+            <a:endParaRPr b="0" lang="en-GB" sz="4400" spc="-1" strike="noStrike">
+              <a:solidFill>
+                <a:srgbClr val="000000"/>
+              </a:solidFill>
+              <a:uFill>
+                <a:solidFill>
+                  <a:srgbClr val="ffffff"/>
+                </a:solidFill>
+              </a:uFill>
+              <a:latin typeface="Arial"/>
+            </a:endParaRPr>
+          </a:p>
+        </p:txBody>
+      </p:sp>
+      <p:sp>
+        <p:nvSpPr>
+          <p:cNvPr id="43" name="PlaceHolder 2"/>
           <p:cNvSpPr>
             <a:spLocks noGrp="1"/>
           </p:cNvSpPr>
@@ -1335,8 +1353,8 @@
         </p:nvSpPr>
         <p:spPr>
           <a:xfrm>
-            <a:off x="457200" y="1600200"/>
-            <a:ext cx="4015800" cy="4525560"/>
+            <a:off x="457200" y="1604520"/>
+            <a:ext cx="4015800" cy="3977280"/>
           </a:xfrm>
           <a:prstGeom prst="rect">
             <a:avLst/>
@@ -1345,23 +1363,23 @@
         <p:txBody>
           <a:bodyPr lIns="0" rIns="0" tIns="0" bIns="0"/>
           <a:p>
-            <a:endParaRPr b="0" lang="en-US" sz="3200" spc="-1" strike="noStrike">
-              <a:solidFill>
-                <a:srgbClr val="000000"/>
-              </a:solidFill>
-              <a:uFill>
-                <a:solidFill>
-                  <a:srgbClr val="ffffff"/>
-                </a:solidFill>
-              </a:uFill>
-              <a:latin typeface="Calibri"/>
-            </a:endParaRPr>
-          </a:p>
-        </p:txBody>
-      </p:sp>
-      <p:sp>
-        <p:nvSpPr>
-          <p:cNvPr id="50" name="PlaceHolder 3"/>
+            <a:endParaRPr b="0" lang="en-GB" sz="3200" spc="-1" strike="noStrike">
+              <a:solidFill>
+                <a:srgbClr val="000000"/>
+              </a:solidFill>
+              <a:uFill>
+                <a:solidFill>
+                  <a:srgbClr val="ffffff"/>
+                </a:solidFill>
+              </a:uFill>
+              <a:latin typeface="Arial"/>
+            </a:endParaRPr>
+          </a:p>
+        </p:txBody>
+      </p:sp>
+      <p:sp>
+        <p:nvSpPr>
+          <p:cNvPr id="44" name="PlaceHolder 3"/>
           <p:cNvSpPr>
             <a:spLocks noGrp="1"/>
           </p:cNvSpPr>
@@ -1371,8 +1389,8 @@
         </p:nvSpPr>
         <p:spPr>
           <a:xfrm>
-            <a:off x="4674240" y="1600200"/>
-            <a:ext cx="4015800" cy="4525560"/>
+            <a:off x="4674240" y="1604520"/>
+            <a:ext cx="4015800" cy="3977280"/>
           </a:xfrm>
           <a:prstGeom prst="rect">
             <a:avLst/>
@@ -1381,16 +1399,16 @@
         <p:txBody>
           <a:bodyPr lIns="0" rIns="0" tIns="0" bIns="0"/>
           <a:p>
-            <a:endParaRPr b="0" lang="en-US" sz="3200" spc="-1" strike="noStrike">
-              <a:solidFill>
-                <a:srgbClr val="000000"/>
-              </a:solidFill>
-              <a:uFill>
-                <a:solidFill>
-                  <a:srgbClr val="ffffff"/>
-                </a:solidFill>
-              </a:uFill>
-              <a:latin typeface="Calibri"/>
+            <a:endParaRPr b="0" lang="en-GB" sz="3200" spc="-1" strike="noStrike">
+              <a:solidFill>
+                <a:srgbClr val="000000"/>
+              </a:solidFill>
+              <a:uFill>
+                <a:solidFill>
+                  <a:srgbClr val="ffffff"/>
+                </a:solidFill>
+              </a:uFill>
+              <a:latin typeface="Arial"/>
             </a:endParaRPr>
           </a:p>
         </p:txBody>
@@ -1419,7 +1437,7 @@
       </p:grpSpPr>
       <p:sp>
         <p:nvSpPr>
-          <p:cNvPr id="51" name="PlaceHolder 1"/>
+          <p:cNvPr id="45" name="PlaceHolder 1"/>
           <p:cNvSpPr>
             <a:spLocks noGrp="1"/>
           </p:cNvSpPr>
@@ -1429,8 +1447,8 @@
         </p:nvSpPr>
         <p:spPr>
           <a:xfrm>
-            <a:off x="457200" y="274680"/>
-            <a:ext cx="8229240" cy="1142640"/>
+            <a:off x="457200" y="273600"/>
+            <a:ext cx="8229240" cy="1144800"/>
           </a:xfrm>
           <a:prstGeom prst="rect">
             <a:avLst/>
@@ -1439,16 +1457,17 @@
         <p:txBody>
           <a:bodyPr lIns="0" rIns="0" tIns="0" bIns="0" anchor="ctr"/>
           <a:p>
-            <a:endParaRPr b="0" lang="en-US" sz="1800" spc="-1" strike="noStrike">
-              <a:solidFill>
-                <a:srgbClr val="000000"/>
-              </a:solidFill>
-              <a:uFill>
-                <a:solidFill>
-                  <a:srgbClr val="ffffff"/>
-                </a:solidFill>
-              </a:uFill>
-              <a:latin typeface="Calibri"/>
+            <a:pPr algn="ctr"/>
+            <a:endParaRPr b="0" lang="en-GB" sz="4400" spc="-1" strike="noStrike">
+              <a:solidFill>
+                <a:srgbClr val="000000"/>
+              </a:solidFill>
+              <a:uFill>
+                <a:solidFill>
+                  <a:srgbClr val="ffffff"/>
+                </a:solidFill>
+              </a:uFill>
+              <a:latin typeface="Arial"/>
             </a:endParaRPr>
           </a:p>
         </p:txBody>
@@ -1477,7 +1496,7 @@
       </p:grpSpPr>
       <p:sp>
         <p:nvSpPr>
-          <p:cNvPr id="52" name="PlaceHolder 1"/>
+          <p:cNvPr id="46" name="PlaceHolder 1"/>
           <p:cNvSpPr>
             <a:spLocks noGrp="1"/>
           </p:cNvSpPr>
@@ -1487,8 +1506,8 @@
         </p:nvSpPr>
         <p:spPr>
           <a:xfrm>
-            <a:off x="457200" y="274680"/>
-            <a:ext cx="8229240" cy="5297760"/>
+            <a:off x="457200" y="273600"/>
+            <a:ext cx="8229240" cy="5307840"/>
           </a:xfrm>
           <a:prstGeom prst="rect">
             <a:avLst/>
@@ -1536,7 +1555,7 @@
       </p:grpSpPr>
       <p:sp>
         <p:nvSpPr>
-          <p:cNvPr id="53" name="PlaceHolder 1"/>
+          <p:cNvPr id="47" name="PlaceHolder 1"/>
           <p:cNvSpPr>
             <a:spLocks noGrp="1"/>
           </p:cNvSpPr>
@@ -1546,8 +1565,8 @@
         </p:nvSpPr>
         <p:spPr>
           <a:xfrm>
-            <a:off x="457200" y="274680"/>
-            <a:ext cx="8229240" cy="1142640"/>
+            <a:off x="457200" y="273600"/>
+            <a:ext cx="8229240" cy="1144800"/>
           </a:xfrm>
           <a:prstGeom prst="rect">
             <a:avLst/>
@@ -1556,23 +1575,24 @@
         <p:txBody>
           <a:bodyPr lIns="0" rIns="0" tIns="0" bIns="0" anchor="ctr"/>
           <a:p>
-            <a:endParaRPr b="0" lang="en-US" sz="1800" spc="-1" strike="noStrike">
-              <a:solidFill>
-                <a:srgbClr val="000000"/>
-              </a:solidFill>
-              <a:uFill>
-                <a:solidFill>
-                  <a:srgbClr val="ffffff"/>
-                </a:solidFill>
-              </a:uFill>
-              <a:latin typeface="Calibri"/>
-            </a:endParaRPr>
-          </a:p>
-        </p:txBody>
-      </p:sp>
-      <p:sp>
-        <p:nvSpPr>
-          <p:cNvPr id="54" name="PlaceHolder 2"/>
+            <a:pPr algn="ctr"/>
+            <a:endParaRPr b="0" lang="en-GB" sz="4400" spc="-1" strike="noStrike">
+              <a:solidFill>
+                <a:srgbClr val="000000"/>
+              </a:solidFill>
+              <a:uFill>
+                <a:solidFill>
+                  <a:srgbClr val="ffffff"/>
+                </a:solidFill>
+              </a:uFill>
+              <a:latin typeface="Arial"/>
+            </a:endParaRPr>
+          </a:p>
+        </p:txBody>
+      </p:sp>
+      <p:sp>
+        <p:nvSpPr>
+          <p:cNvPr id="48" name="PlaceHolder 2"/>
           <p:cNvSpPr>
             <a:spLocks noGrp="1"/>
           </p:cNvSpPr>
@@ -1582,8 +1602,8 @@
         </p:nvSpPr>
         <p:spPr>
           <a:xfrm>
-            <a:off x="457200" y="1600200"/>
-            <a:ext cx="4015800" cy="2158560"/>
+            <a:off x="457200" y="1604520"/>
+            <a:ext cx="4015800" cy="1896840"/>
           </a:xfrm>
           <a:prstGeom prst="rect">
             <a:avLst/>
@@ -1592,23 +1612,23 @@
         <p:txBody>
           <a:bodyPr lIns="0" rIns="0" tIns="0" bIns="0"/>
           <a:p>
-            <a:endParaRPr b="0" lang="en-US" sz="3200" spc="-1" strike="noStrike">
-              <a:solidFill>
-                <a:srgbClr val="000000"/>
-              </a:solidFill>
-              <a:uFill>
-                <a:solidFill>
-                  <a:srgbClr val="ffffff"/>
-                </a:solidFill>
-              </a:uFill>
-              <a:latin typeface="Calibri"/>
-            </a:endParaRPr>
-          </a:p>
-        </p:txBody>
-      </p:sp>
-      <p:sp>
-        <p:nvSpPr>
-          <p:cNvPr id="55" name="PlaceHolder 3"/>
+            <a:endParaRPr b="0" lang="en-GB" sz="3200" spc="-1" strike="noStrike">
+              <a:solidFill>
+                <a:srgbClr val="000000"/>
+              </a:solidFill>
+              <a:uFill>
+                <a:solidFill>
+                  <a:srgbClr val="ffffff"/>
+                </a:solidFill>
+              </a:uFill>
+              <a:latin typeface="Arial"/>
+            </a:endParaRPr>
+          </a:p>
+        </p:txBody>
+      </p:sp>
+      <p:sp>
+        <p:nvSpPr>
+          <p:cNvPr id="49" name="PlaceHolder 3"/>
           <p:cNvSpPr>
             <a:spLocks noGrp="1"/>
           </p:cNvSpPr>
@@ -1618,8 +1638,8 @@
         </p:nvSpPr>
         <p:spPr>
           <a:xfrm>
-            <a:off x="457200" y="3964320"/>
-            <a:ext cx="4015800" cy="2158560"/>
+            <a:off x="457200" y="3682080"/>
+            <a:ext cx="4015800" cy="1896840"/>
           </a:xfrm>
           <a:prstGeom prst="rect">
             <a:avLst/>
@@ -1628,23 +1648,23 @@
         <p:txBody>
           <a:bodyPr lIns="0" rIns="0" tIns="0" bIns="0"/>
           <a:p>
-            <a:endParaRPr b="0" lang="en-US" sz="3200" spc="-1" strike="noStrike">
-              <a:solidFill>
-                <a:srgbClr val="000000"/>
-              </a:solidFill>
-              <a:uFill>
-                <a:solidFill>
-                  <a:srgbClr val="ffffff"/>
-                </a:solidFill>
-              </a:uFill>
-              <a:latin typeface="Calibri"/>
-            </a:endParaRPr>
-          </a:p>
-        </p:txBody>
-      </p:sp>
-      <p:sp>
-        <p:nvSpPr>
-          <p:cNvPr id="56" name="PlaceHolder 4"/>
+            <a:endParaRPr b="0" lang="en-GB" sz="3200" spc="-1" strike="noStrike">
+              <a:solidFill>
+                <a:srgbClr val="000000"/>
+              </a:solidFill>
+              <a:uFill>
+                <a:solidFill>
+                  <a:srgbClr val="ffffff"/>
+                </a:solidFill>
+              </a:uFill>
+              <a:latin typeface="Arial"/>
+            </a:endParaRPr>
+          </a:p>
+        </p:txBody>
+      </p:sp>
+      <p:sp>
+        <p:nvSpPr>
+          <p:cNvPr id="50" name="PlaceHolder 4"/>
           <p:cNvSpPr>
             <a:spLocks noGrp="1"/>
           </p:cNvSpPr>
@@ -1654,8 +1674,8 @@
         </p:nvSpPr>
         <p:spPr>
           <a:xfrm>
-            <a:off x="4674240" y="1600200"/>
-            <a:ext cx="4015800" cy="4525560"/>
+            <a:off x="4674240" y="1604520"/>
+            <a:ext cx="4015800" cy="3977280"/>
           </a:xfrm>
           <a:prstGeom prst="rect">
             <a:avLst/>
@@ -1664,16 +1684,16 @@
         <p:txBody>
           <a:bodyPr lIns="0" rIns="0" tIns="0" bIns="0"/>
           <a:p>
-            <a:endParaRPr b="0" lang="en-US" sz="3200" spc="-1" strike="noStrike">
-              <a:solidFill>
-                <a:srgbClr val="000000"/>
-              </a:solidFill>
-              <a:uFill>
-                <a:solidFill>
-                  <a:srgbClr val="ffffff"/>
-                </a:solidFill>
-              </a:uFill>
-              <a:latin typeface="Calibri"/>
+            <a:endParaRPr b="0" lang="en-GB" sz="3200" spc="-1" strike="noStrike">
+              <a:solidFill>
+                <a:srgbClr val="000000"/>
+              </a:solidFill>
+              <a:uFill>
+                <a:solidFill>
+                  <a:srgbClr val="ffffff"/>
+                </a:solidFill>
+              </a:uFill>
+              <a:latin typeface="Arial"/>
             </a:endParaRPr>
           </a:p>
         </p:txBody>
@@ -1702,7 +1722,7 @@
       </p:grpSpPr>
       <p:sp>
         <p:nvSpPr>
-          <p:cNvPr id="5" name="PlaceHolder 1"/>
+          <p:cNvPr id="2" name="PlaceHolder 1"/>
           <p:cNvSpPr>
             <a:spLocks noGrp="1"/>
           </p:cNvSpPr>
@@ -1712,8 +1732,8 @@
         </p:nvSpPr>
         <p:spPr>
           <a:xfrm>
-            <a:off x="457200" y="274680"/>
-            <a:ext cx="8229240" cy="1142640"/>
+            <a:off x="457200" y="273600"/>
+            <a:ext cx="8229240" cy="1144800"/>
           </a:xfrm>
           <a:prstGeom prst="rect">
             <a:avLst/>
@@ -1722,23 +1742,24 @@
         <p:txBody>
           <a:bodyPr lIns="0" rIns="0" tIns="0" bIns="0" anchor="ctr"/>
           <a:p>
-            <a:endParaRPr b="0" lang="en-US" sz="1800" spc="-1" strike="noStrike">
-              <a:solidFill>
-                <a:srgbClr val="000000"/>
-              </a:solidFill>
-              <a:uFill>
-                <a:solidFill>
-                  <a:srgbClr val="ffffff"/>
-                </a:solidFill>
-              </a:uFill>
-              <a:latin typeface="Calibri"/>
-            </a:endParaRPr>
-          </a:p>
-        </p:txBody>
-      </p:sp>
-      <p:sp>
-        <p:nvSpPr>
-          <p:cNvPr id="6" name="PlaceHolder 2"/>
+            <a:pPr algn="ctr"/>
+            <a:endParaRPr b="0" lang="en-GB" sz="4400" spc="-1" strike="noStrike">
+              <a:solidFill>
+                <a:srgbClr val="000000"/>
+              </a:solidFill>
+              <a:uFill>
+                <a:solidFill>
+                  <a:srgbClr val="ffffff"/>
+                </a:solidFill>
+              </a:uFill>
+              <a:latin typeface="Arial"/>
+            </a:endParaRPr>
+          </a:p>
+        </p:txBody>
+      </p:sp>
+      <p:sp>
+        <p:nvSpPr>
+          <p:cNvPr id="3" name="PlaceHolder 2"/>
           <p:cNvSpPr>
             <a:spLocks noGrp="1"/>
           </p:cNvSpPr>
@@ -1748,8 +1769,8 @@
         </p:nvSpPr>
         <p:spPr>
           <a:xfrm>
-            <a:off x="457200" y="1600200"/>
-            <a:ext cx="8229240" cy="4525560"/>
+            <a:off x="457200" y="1604520"/>
+            <a:ext cx="8229240" cy="3977280"/>
           </a:xfrm>
           <a:prstGeom prst="rect">
             <a:avLst/>
@@ -1797,7 +1818,7 @@
       </p:grpSpPr>
       <p:sp>
         <p:nvSpPr>
-          <p:cNvPr id="57" name="PlaceHolder 1"/>
+          <p:cNvPr id="51" name="PlaceHolder 1"/>
           <p:cNvSpPr>
             <a:spLocks noGrp="1"/>
           </p:cNvSpPr>
@@ -1807,8 +1828,8 @@
         </p:nvSpPr>
         <p:spPr>
           <a:xfrm>
-            <a:off x="457200" y="274680"/>
-            <a:ext cx="8229240" cy="1142640"/>
+            <a:off x="457200" y="273600"/>
+            <a:ext cx="8229240" cy="1144800"/>
           </a:xfrm>
           <a:prstGeom prst="rect">
             <a:avLst/>
@@ -1817,23 +1838,24 @@
         <p:txBody>
           <a:bodyPr lIns="0" rIns="0" tIns="0" bIns="0" anchor="ctr"/>
           <a:p>
-            <a:endParaRPr b="0" lang="en-US" sz="1800" spc="-1" strike="noStrike">
-              <a:solidFill>
-                <a:srgbClr val="000000"/>
-              </a:solidFill>
-              <a:uFill>
-                <a:solidFill>
-                  <a:srgbClr val="ffffff"/>
-                </a:solidFill>
-              </a:uFill>
-              <a:latin typeface="Calibri"/>
-            </a:endParaRPr>
-          </a:p>
-        </p:txBody>
-      </p:sp>
-      <p:sp>
-        <p:nvSpPr>
-          <p:cNvPr id="58" name="PlaceHolder 2"/>
+            <a:pPr algn="ctr"/>
+            <a:endParaRPr b="0" lang="en-GB" sz="4400" spc="-1" strike="noStrike">
+              <a:solidFill>
+                <a:srgbClr val="000000"/>
+              </a:solidFill>
+              <a:uFill>
+                <a:solidFill>
+                  <a:srgbClr val="ffffff"/>
+                </a:solidFill>
+              </a:uFill>
+              <a:latin typeface="Arial"/>
+            </a:endParaRPr>
+          </a:p>
+        </p:txBody>
+      </p:sp>
+      <p:sp>
+        <p:nvSpPr>
+          <p:cNvPr id="52" name="PlaceHolder 2"/>
           <p:cNvSpPr>
             <a:spLocks noGrp="1"/>
           </p:cNvSpPr>
@@ -1843,8 +1865,8 @@
         </p:nvSpPr>
         <p:spPr>
           <a:xfrm>
-            <a:off x="457200" y="1600200"/>
-            <a:ext cx="4015800" cy="4525560"/>
+            <a:off x="457200" y="1604520"/>
+            <a:ext cx="4015800" cy="3977280"/>
           </a:xfrm>
           <a:prstGeom prst="rect">
             <a:avLst/>
@@ -1853,23 +1875,23 @@
         <p:txBody>
           <a:bodyPr lIns="0" rIns="0" tIns="0" bIns="0"/>
           <a:p>
-            <a:endParaRPr b="0" lang="en-US" sz="3200" spc="-1" strike="noStrike">
-              <a:solidFill>
-                <a:srgbClr val="000000"/>
-              </a:solidFill>
-              <a:uFill>
-                <a:solidFill>
-                  <a:srgbClr val="ffffff"/>
-                </a:solidFill>
-              </a:uFill>
-              <a:latin typeface="Calibri"/>
-            </a:endParaRPr>
-          </a:p>
-        </p:txBody>
-      </p:sp>
-      <p:sp>
-        <p:nvSpPr>
-          <p:cNvPr id="59" name="PlaceHolder 3"/>
+            <a:endParaRPr b="0" lang="en-GB" sz="3200" spc="-1" strike="noStrike">
+              <a:solidFill>
+                <a:srgbClr val="000000"/>
+              </a:solidFill>
+              <a:uFill>
+                <a:solidFill>
+                  <a:srgbClr val="ffffff"/>
+                </a:solidFill>
+              </a:uFill>
+              <a:latin typeface="Arial"/>
+            </a:endParaRPr>
+          </a:p>
+        </p:txBody>
+      </p:sp>
+      <p:sp>
+        <p:nvSpPr>
+          <p:cNvPr id="53" name="PlaceHolder 3"/>
           <p:cNvSpPr>
             <a:spLocks noGrp="1"/>
           </p:cNvSpPr>
@@ -1879,8 +1901,8 @@
         </p:nvSpPr>
         <p:spPr>
           <a:xfrm>
-            <a:off x="4674240" y="1600200"/>
-            <a:ext cx="4015800" cy="2158560"/>
+            <a:off x="4674240" y="1604520"/>
+            <a:ext cx="4015800" cy="1896840"/>
           </a:xfrm>
           <a:prstGeom prst="rect">
             <a:avLst/>
@@ -1889,23 +1911,23 @@
         <p:txBody>
           <a:bodyPr lIns="0" rIns="0" tIns="0" bIns="0"/>
           <a:p>
-            <a:endParaRPr b="0" lang="en-US" sz="3200" spc="-1" strike="noStrike">
-              <a:solidFill>
-                <a:srgbClr val="000000"/>
-              </a:solidFill>
-              <a:uFill>
-                <a:solidFill>
-                  <a:srgbClr val="ffffff"/>
-                </a:solidFill>
-              </a:uFill>
-              <a:latin typeface="Calibri"/>
-            </a:endParaRPr>
-          </a:p>
-        </p:txBody>
-      </p:sp>
-      <p:sp>
-        <p:nvSpPr>
-          <p:cNvPr id="60" name="PlaceHolder 4"/>
+            <a:endParaRPr b="0" lang="en-GB" sz="3200" spc="-1" strike="noStrike">
+              <a:solidFill>
+                <a:srgbClr val="000000"/>
+              </a:solidFill>
+              <a:uFill>
+                <a:solidFill>
+                  <a:srgbClr val="ffffff"/>
+                </a:solidFill>
+              </a:uFill>
+              <a:latin typeface="Arial"/>
+            </a:endParaRPr>
+          </a:p>
+        </p:txBody>
+      </p:sp>
+      <p:sp>
+        <p:nvSpPr>
+          <p:cNvPr id="54" name="PlaceHolder 4"/>
           <p:cNvSpPr>
             <a:spLocks noGrp="1"/>
           </p:cNvSpPr>
@@ -1915,8 +1937,8 @@
         </p:nvSpPr>
         <p:spPr>
           <a:xfrm>
-            <a:off x="4674240" y="3964320"/>
-            <a:ext cx="4015800" cy="2158560"/>
+            <a:off x="4674240" y="3682080"/>
+            <a:ext cx="4015800" cy="1896840"/>
           </a:xfrm>
           <a:prstGeom prst="rect">
             <a:avLst/>
@@ -1925,16 +1947,16 @@
         <p:txBody>
           <a:bodyPr lIns="0" rIns="0" tIns="0" bIns="0"/>
           <a:p>
-            <a:endParaRPr b="0" lang="en-US" sz="3200" spc="-1" strike="noStrike">
-              <a:solidFill>
-                <a:srgbClr val="000000"/>
-              </a:solidFill>
-              <a:uFill>
-                <a:solidFill>
-                  <a:srgbClr val="ffffff"/>
-                </a:solidFill>
-              </a:uFill>
-              <a:latin typeface="Calibri"/>
+            <a:endParaRPr b="0" lang="en-GB" sz="3200" spc="-1" strike="noStrike">
+              <a:solidFill>
+                <a:srgbClr val="000000"/>
+              </a:solidFill>
+              <a:uFill>
+                <a:solidFill>
+                  <a:srgbClr val="ffffff"/>
+                </a:solidFill>
+              </a:uFill>
+              <a:latin typeface="Arial"/>
             </a:endParaRPr>
           </a:p>
         </p:txBody>
@@ -1963,7 +1985,7 @@
       </p:grpSpPr>
       <p:sp>
         <p:nvSpPr>
-          <p:cNvPr id="61" name="PlaceHolder 1"/>
+          <p:cNvPr id="55" name="PlaceHolder 1"/>
           <p:cNvSpPr>
             <a:spLocks noGrp="1"/>
           </p:cNvSpPr>
@@ -1973,8 +1995,8 @@
         </p:nvSpPr>
         <p:spPr>
           <a:xfrm>
-            <a:off x="457200" y="274680"/>
-            <a:ext cx="8229240" cy="1142640"/>
+            <a:off x="457200" y="273600"/>
+            <a:ext cx="8229240" cy="1144800"/>
           </a:xfrm>
           <a:prstGeom prst="rect">
             <a:avLst/>
@@ -1983,23 +2005,24 @@
         <p:txBody>
           <a:bodyPr lIns="0" rIns="0" tIns="0" bIns="0" anchor="ctr"/>
           <a:p>
-            <a:endParaRPr b="0" lang="en-US" sz="1800" spc="-1" strike="noStrike">
-              <a:solidFill>
-                <a:srgbClr val="000000"/>
-              </a:solidFill>
-              <a:uFill>
-                <a:solidFill>
-                  <a:srgbClr val="ffffff"/>
-                </a:solidFill>
-              </a:uFill>
-              <a:latin typeface="Calibri"/>
-            </a:endParaRPr>
-          </a:p>
-        </p:txBody>
-      </p:sp>
-      <p:sp>
-        <p:nvSpPr>
-          <p:cNvPr id="62" name="PlaceHolder 2"/>
+            <a:pPr algn="ctr"/>
+            <a:endParaRPr b="0" lang="en-GB" sz="4400" spc="-1" strike="noStrike">
+              <a:solidFill>
+                <a:srgbClr val="000000"/>
+              </a:solidFill>
+              <a:uFill>
+                <a:solidFill>
+                  <a:srgbClr val="ffffff"/>
+                </a:solidFill>
+              </a:uFill>
+              <a:latin typeface="Arial"/>
+            </a:endParaRPr>
+          </a:p>
+        </p:txBody>
+      </p:sp>
+      <p:sp>
+        <p:nvSpPr>
+          <p:cNvPr id="56" name="PlaceHolder 2"/>
           <p:cNvSpPr>
             <a:spLocks noGrp="1"/>
           </p:cNvSpPr>
@@ -2009,8 +2032,8 @@
         </p:nvSpPr>
         <p:spPr>
           <a:xfrm>
-            <a:off x="457200" y="1600200"/>
-            <a:ext cx="4015800" cy="2158560"/>
+            <a:off x="457200" y="1604520"/>
+            <a:ext cx="4015800" cy="1896840"/>
           </a:xfrm>
           <a:prstGeom prst="rect">
             <a:avLst/>
@@ -2019,23 +2042,23 @@
         <p:txBody>
           <a:bodyPr lIns="0" rIns="0" tIns="0" bIns="0"/>
           <a:p>
-            <a:endParaRPr b="0" lang="en-US" sz="3200" spc="-1" strike="noStrike">
-              <a:solidFill>
-                <a:srgbClr val="000000"/>
-              </a:solidFill>
-              <a:uFill>
-                <a:solidFill>
-                  <a:srgbClr val="ffffff"/>
-                </a:solidFill>
-              </a:uFill>
-              <a:latin typeface="Calibri"/>
-            </a:endParaRPr>
-          </a:p>
-        </p:txBody>
-      </p:sp>
-      <p:sp>
-        <p:nvSpPr>
-          <p:cNvPr id="63" name="PlaceHolder 3"/>
+            <a:endParaRPr b="0" lang="en-GB" sz="3200" spc="-1" strike="noStrike">
+              <a:solidFill>
+                <a:srgbClr val="000000"/>
+              </a:solidFill>
+              <a:uFill>
+                <a:solidFill>
+                  <a:srgbClr val="ffffff"/>
+                </a:solidFill>
+              </a:uFill>
+              <a:latin typeface="Arial"/>
+            </a:endParaRPr>
+          </a:p>
+        </p:txBody>
+      </p:sp>
+      <p:sp>
+        <p:nvSpPr>
+          <p:cNvPr id="57" name="PlaceHolder 3"/>
           <p:cNvSpPr>
             <a:spLocks noGrp="1"/>
           </p:cNvSpPr>
@@ -2045,8 +2068,8 @@
         </p:nvSpPr>
         <p:spPr>
           <a:xfrm>
-            <a:off x="4674240" y="1600200"/>
-            <a:ext cx="4015800" cy="2158560"/>
+            <a:off x="4674240" y="1604520"/>
+            <a:ext cx="4015800" cy="1896840"/>
           </a:xfrm>
           <a:prstGeom prst="rect">
             <a:avLst/>
@@ -2055,23 +2078,23 @@
         <p:txBody>
           <a:bodyPr lIns="0" rIns="0" tIns="0" bIns="0"/>
           <a:p>
-            <a:endParaRPr b="0" lang="en-US" sz="3200" spc="-1" strike="noStrike">
-              <a:solidFill>
-                <a:srgbClr val="000000"/>
-              </a:solidFill>
-              <a:uFill>
-                <a:solidFill>
-                  <a:srgbClr val="ffffff"/>
-                </a:solidFill>
-              </a:uFill>
-              <a:latin typeface="Calibri"/>
-            </a:endParaRPr>
-          </a:p>
-        </p:txBody>
-      </p:sp>
-      <p:sp>
-        <p:nvSpPr>
-          <p:cNvPr id="64" name="PlaceHolder 4"/>
+            <a:endParaRPr b="0" lang="en-GB" sz="3200" spc="-1" strike="noStrike">
+              <a:solidFill>
+                <a:srgbClr val="000000"/>
+              </a:solidFill>
+              <a:uFill>
+                <a:solidFill>
+                  <a:srgbClr val="ffffff"/>
+                </a:solidFill>
+              </a:uFill>
+              <a:latin typeface="Arial"/>
+            </a:endParaRPr>
+          </a:p>
+        </p:txBody>
+      </p:sp>
+      <p:sp>
+        <p:nvSpPr>
+          <p:cNvPr id="58" name="PlaceHolder 4"/>
           <p:cNvSpPr>
             <a:spLocks noGrp="1"/>
           </p:cNvSpPr>
@@ -2081,8 +2104,8 @@
         </p:nvSpPr>
         <p:spPr>
           <a:xfrm>
-            <a:off x="457200" y="3964320"/>
-            <a:ext cx="8229240" cy="2158560"/>
+            <a:off x="457200" y="3682080"/>
+            <a:ext cx="8229240" cy="1896840"/>
           </a:xfrm>
           <a:prstGeom prst="rect">
             <a:avLst/>
@@ -2091,16 +2114,16 @@
         <p:txBody>
           <a:bodyPr lIns="0" rIns="0" tIns="0" bIns="0"/>
           <a:p>
-            <a:endParaRPr b="0" lang="en-US" sz="3200" spc="-1" strike="noStrike">
-              <a:solidFill>
-                <a:srgbClr val="000000"/>
-              </a:solidFill>
-              <a:uFill>
-                <a:solidFill>
-                  <a:srgbClr val="ffffff"/>
-                </a:solidFill>
-              </a:uFill>
-              <a:latin typeface="Calibri"/>
+            <a:endParaRPr b="0" lang="en-GB" sz="3200" spc="-1" strike="noStrike">
+              <a:solidFill>
+                <a:srgbClr val="000000"/>
+              </a:solidFill>
+              <a:uFill>
+                <a:solidFill>
+                  <a:srgbClr val="ffffff"/>
+                </a:solidFill>
+              </a:uFill>
+              <a:latin typeface="Arial"/>
             </a:endParaRPr>
           </a:p>
         </p:txBody>
@@ -2129,7 +2152,7 @@
       </p:grpSpPr>
       <p:sp>
         <p:nvSpPr>
-          <p:cNvPr id="65" name="PlaceHolder 1"/>
+          <p:cNvPr id="59" name="PlaceHolder 1"/>
           <p:cNvSpPr>
             <a:spLocks noGrp="1"/>
           </p:cNvSpPr>
@@ -2139,8 +2162,8 @@
         </p:nvSpPr>
         <p:spPr>
           <a:xfrm>
-            <a:off x="457200" y="274680"/>
-            <a:ext cx="8229240" cy="1142640"/>
+            <a:off x="457200" y="273600"/>
+            <a:ext cx="8229240" cy="1144800"/>
           </a:xfrm>
           <a:prstGeom prst="rect">
             <a:avLst/>
@@ -2149,23 +2172,24 @@
         <p:txBody>
           <a:bodyPr lIns="0" rIns="0" tIns="0" bIns="0" anchor="ctr"/>
           <a:p>
-            <a:endParaRPr b="0" lang="en-US" sz="1800" spc="-1" strike="noStrike">
-              <a:solidFill>
-                <a:srgbClr val="000000"/>
-              </a:solidFill>
-              <a:uFill>
-                <a:solidFill>
-                  <a:srgbClr val="ffffff"/>
-                </a:solidFill>
-              </a:uFill>
-              <a:latin typeface="Calibri"/>
-            </a:endParaRPr>
-          </a:p>
-        </p:txBody>
-      </p:sp>
-      <p:sp>
-        <p:nvSpPr>
-          <p:cNvPr id="66" name="PlaceHolder 2"/>
+            <a:pPr algn="ctr"/>
+            <a:endParaRPr b="0" lang="en-GB" sz="4400" spc="-1" strike="noStrike">
+              <a:solidFill>
+                <a:srgbClr val="000000"/>
+              </a:solidFill>
+              <a:uFill>
+                <a:solidFill>
+                  <a:srgbClr val="ffffff"/>
+                </a:solidFill>
+              </a:uFill>
+              <a:latin typeface="Arial"/>
+            </a:endParaRPr>
+          </a:p>
+        </p:txBody>
+      </p:sp>
+      <p:sp>
+        <p:nvSpPr>
+          <p:cNvPr id="60" name="PlaceHolder 2"/>
           <p:cNvSpPr>
             <a:spLocks noGrp="1"/>
           </p:cNvSpPr>
@@ -2175,8 +2199,8 @@
         </p:nvSpPr>
         <p:spPr>
           <a:xfrm>
-            <a:off x="457200" y="1600200"/>
-            <a:ext cx="8229240" cy="2158560"/>
+            <a:off x="457200" y="1604520"/>
+            <a:ext cx="8229240" cy="1896840"/>
           </a:xfrm>
           <a:prstGeom prst="rect">
             <a:avLst/>
@@ -2185,23 +2209,23 @@
         <p:txBody>
           <a:bodyPr lIns="0" rIns="0" tIns="0" bIns="0"/>
           <a:p>
-            <a:endParaRPr b="0" lang="en-US" sz="3200" spc="-1" strike="noStrike">
-              <a:solidFill>
-                <a:srgbClr val="000000"/>
-              </a:solidFill>
-              <a:uFill>
-                <a:solidFill>
-                  <a:srgbClr val="ffffff"/>
-                </a:solidFill>
-              </a:uFill>
-              <a:latin typeface="Calibri"/>
-            </a:endParaRPr>
-          </a:p>
-        </p:txBody>
-      </p:sp>
-      <p:sp>
-        <p:nvSpPr>
-          <p:cNvPr id="67" name="PlaceHolder 3"/>
+            <a:endParaRPr b="0" lang="en-GB" sz="3200" spc="-1" strike="noStrike">
+              <a:solidFill>
+                <a:srgbClr val="000000"/>
+              </a:solidFill>
+              <a:uFill>
+                <a:solidFill>
+                  <a:srgbClr val="ffffff"/>
+                </a:solidFill>
+              </a:uFill>
+              <a:latin typeface="Arial"/>
+            </a:endParaRPr>
+          </a:p>
+        </p:txBody>
+      </p:sp>
+      <p:sp>
+        <p:nvSpPr>
+          <p:cNvPr id="61" name="PlaceHolder 3"/>
           <p:cNvSpPr>
             <a:spLocks noGrp="1"/>
           </p:cNvSpPr>
@@ -2211,8 +2235,8 @@
         </p:nvSpPr>
         <p:spPr>
           <a:xfrm>
-            <a:off x="457200" y="3964320"/>
-            <a:ext cx="8229240" cy="2158560"/>
+            <a:off x="457200" y="3682080"/>
+            <a:ext cx="8229240" cy="1896840"/>
           </a:xfrm>
           <a:prstGeom prst="rect">
             <a:avLst/>
@@ -2221,16 +2245,16 @@
         <p:txBody>
           <a:bodyPr lIns="0" rIns="0" tIns="0" bIns="0"/>
           <a:p>
-            <a:endParaRPr b="0" lang="en-US" sz="3200" spc="-1" strike="noStrike">
-              <a:solidFill>
-                <a:srgbClr val="000000"/>
-              </a:solidFill>
-              <a:uFill>
-                <a:solidFill>
-                  <a:srgbClr val="ffffff"/>
-                </a:solidFill>
-              </a:uFill>
-              <a:latin typeface="Calibri"/>
+            <a:endParaRPr b="0" lang="en-GB" sz="3200" spc="-1" strike="noStrike">
+              <a:solidFill>
+                <a:srgbClr val="000000"/>
+              </a:solidFill>
+              <a:uFill>
+                <a:solidFill>
+                  <a:srgbClr val="ffffff"/>
+                </a:solidFill>
+              </a:uFill>
+              <a:latin typeface="Arial"/>
             </a:endParaRPr>
           </a:p>
         </p:txBody>
@@ -2259,7 +2283,7 @@
       </p:grpSpPr>
       <p:sp>
         <p:nvSpPr>
-          <p:cNvPr id="68" name="PlaceHolder 1"/>
+          <p:cNvPr id="62" name="PlaceHolder 1"/>
           <p:cNvSpPr>
             <a:spLocks noGrp="1"/>
           </p:cNvSpPr>
@@ -2269,8 +2293,8 @@
         </p:nvSpPr>
         <p:spPr>
           <a:xfrm>
-            <a:off x="457200" y="274680"/>
-            <a:ext cx="8229240" cy="1142640"/>
+            <a:off x="457200" y="273600"/>
+            <a:ext cx="8229240" cy="1144800"/>
           </a:xfrm>
           <a:prstGeom prst="rect">
             <a:avLst/>
@@ -2279,23 +2303,24 @@
         <p:txBody>
           <a:bodyPr lIns="0" rIns="0" tIns="0" bIns="0" anchor="ctr"/>
           <a:p>
-            <a:endParaRPr b="0" lang="en-US" sz="1800" spc="-1" strike="noStrike">
-              <a:solidFill>
-                <a:srgbClr val="000000"/>
-              </a:solidFill>
-              <a:uFill>
-                <a:solidFill>
-                  <a:srgbClr val="ffffff"/>
-                </a:solidFill>
-              </a:uFill>
-              <a:latin typeface="Calibri"/>
-            </a:endParaRPr>
-          </a:p>
-        </p:txBody>
-      </p:sp>
-      <p:sp>
-        <p:nvSpPr>
-          <p:cNvPr id="69" name="PlaceHolder 2"/>
+            <a:pPr algn="ctr"/>
+            <a:endParaRPr b="0" lang="en-GB" sz="4400" spc="-1" strike="noStrike">
+              <a:solidFill>
+                <a:srgbClr val="000000"/>
+              </a:solidFill>
+              <a:uFill>
+                <a:solidFill>
+                  <a:srgbClr val="ffffff"/>
+                </a:solidFill>
+              </a:uFill>
+              <a:latin typeface="Arial"/>
+            </a:endParaRPr>
+          </a:p>
+        </p:txBody>
+      </p:sp>
+      <p:sp>
+        <p:nvSpPr>
+          <p:cNvPr id="63" name="PlaceHolder 2"/>
           <p:cNvSpPr>
             <a:spLocks noGrp="1"/>
           </p:cNvSpPr>
@@ -2305,8 +2330,8 @@
         </p:nvSpPr>
         <p:spPr>
           <a:xfrm>
-            <a:off x="457200" y="1600200"/>
-            <a:ext cx="4015800" cy="2158560"/>
+            <a:off x="457200" y="1604520"/>
+            <a:ext cx="4015800" cy="1896840"/>
           </a:xfrm>
           <a:prstGeom prst="rect">
             <a:avLst/>
@@ -2315,23 +2340,23 @@
         <p:txBody>
           <a:bodyPr lIns="0" rIns="0" tIns="0" bIns="0"/>
           <a:p>
-            <a:endParaRPr b="0" lang="en-US" sz="3200" spc="-1" strike="noStrike">
-              <a:solidFill>
-                <a:srgbClr val="000000"/>
-              </a:solidFill>
-              <a:uFill>
-                <a:solidFill>
-                  <a:srgbClr val="ffffff"/>
-                </a:solidFill>
-              </a:uFill>
-              <a:latin typeface="Calibri"/>
-            </a:endParaRPr>
-          </a:p>
-        </p:txBody>
-      </p:sp>
-      <p:sp>
-        <p:nvSpPr>
-          <p:cNvPr id="70" name="PlaceHolder 3"/>
+            <a:endParaRPr b="0" lang="en-GB" sz="3200" spc="-1" strike="noStrike">
+              <a:solidFill>
+                <a:srgbClr val="000000"/>
+              </a:solidFill>
+              <a:uFill>
+                <a:solidFill>
+                  <a:srgbClr val="ffffff"/>
+                </a:solidFill>
+              </a:uFill>
+              <a:latin typeface="Arial"/>
+            </a:endParaRPr>
+          </a:p>
+        </p:txBody>
+      </p:sp>
+      <p:sp>
+        <p:nvSpPr>
+          <p:cNvPr id="64" name="PlaceHolder 3"/>
           <p:cNvSpPr>
             <a:spLocks noGrp="1"/>
           </p:cNvSpPr>
@@ -2341,8 +2366,8 @@
         </p:nvSpPr>
         <p:spPr>
           <a:xfrm>
-            <a:off x="4674240" y="1600200"/>
-            <a:ext cx="4015800" cy="2158560"/>
+            <a:off x="4674240" y="1604520"/>
+            <a:ext cx="4015800" cy="1896840"/>
           </a:xfrm>
           <a:prstGeom prst="rect">
             <a:avLst/>
@@ -2351,23 +2376,23 @@
         <p:txBody>
           <a:bodyPr lIns="0" rIns="0" tIns="0" bIns="0"/>
           <a:p>
-            <a:endParaRPr b="0" lang="en-US" sz="3200" spc="-1" strike="noStrike">
-              <a:solidFill>
-                <a:srgbClr val="000000"/>
-              </a:solidFill>
-              <a:uFill>
-                <a:solidFill>
-                  <a:srgbClr val="ffffff"/>
-                </a:solidFill>
-              </a:uFill>
-              <a:latin typeface="Calibri"/>
-            </a:endParaRPr>
-          </a:p>
-        </p:txBody>
-      </p:sp>
-      <p:sp>
-        <p:nvSpPr>
-          <p:cNvPr id="71" name="PlaceHolder 4"/>
+            <a:endParaRPr b="0" lang="en-GB" sz="3200" spc="-1" strike="noStrike">
+              <a:solidFill>
+                <a:srgbClr val="000000"/>
+              </a:solidFill>
+              <a:uFill>
+                <a:solidFill>
+                  <a:srgbClr val="ffffff"/>
+                </a:solidFill>
+              </a:uFill>
+              <a:latin typeface="Arial"/>
+            </a:endParaRPr>
+          </a:p>
+        </p:txBody>
+      </p:sp>
+      <p:sp>
+        <p:nvSpPr>
+          <p:cNvPr id="65" name="PlaceHolder 4"/>
           <p:cNvSpPr>
             <a:spLocks noGrp="1"/>
           </p:cNvSpPr>
@@ -2377,8 +2402,8 @@
         </p:nvSpPr>
         <p:spPr>
           <a:xfrm>
-            <a:off x="4674240" y="3964320"/>
-            <a:ext cx="4015800" cy="2158560"/>
+            <a:off x="4674240" y="3682080"/>
+            <a:ext cx="4015800" cy="1896840"/>
           </a:xfrm>
           <a:prstGeom prst="rect">
             <a:avLst/>
@@ -2387,23 +2412,23 @@
         <p:txBody>
           <a:bodyPr lIns="0" rIns="0" tIns="0" bIns="0"/>
           <a:p>
-            <a:endParaRPr b="0" lang="en-US" sz="3200" spc="-1" strike="noStrike">
-              <a:solidFill>
-                <a:srgbClr val="000000"/>
-              </a:solidFill>
-              <a:uFill>
-                <a:solidFill>
-                  <a:srgbClr val="ffffff"/>
-                </a:solidFill>
-              </a:uFill>
-              <a:latin typeface="Calibri"/>
-            </a:endParaRPr>
-          </a:p>
-        </p:txBody>
-      </p:sp>
-      <p:sp>
-        <p:nvSpPr>
-          <p:cNvPr id="72" name="PlaceHolder 5"/>
+            <a:endParaRPr b="0" lang="en-GB" sz="3200" spc="-1" strike="noStrike">
+              <a:solidFill>
+                <a:srgbClr val="000000"/>
+              </a:solidFill>
+              <a:uFill>
+                <a:solidFill>
+                  <a:srgbClr val="ffffff"/>
+                </a:solidFill>
+              </a:uFill>
+              <a:latin typeface="Arial"/>
+            </a:endParaRPr>
+          </a:p>
+        </p:txBody>
+      </p:sp>
+      <p:sp>
+        <p:nvSpPr>
+          <p:cNvPr id="66" name="PlaceHolder 5"/>
           <p:cNvSpPr>
             <a:spLocks noGrp="1"/>
           </p:cNvSpPr>
@@ -2413,8 +2438,8 @@
         </p:nvSpPr>
         <p:spPr>
           <a:xfrm>
-            <a:off x="457200" y="3964320"/>
-            <a:ext cx="4015800" cy="2158560"/>
+            <a:off x="457200" y="3682080"/>
+            <a:ext cx="4015800" cy="1896840"/>
           </a:xfrm>
           <a:prstGeom prst="rect">
             <a:avLst/>
@@ -2423,16 +2448,16 @@
         <p:txBody>
           <a:bodyPr lIns="0" rIns="0" tIns="0" bIns="0"/>
           <a:p>
-            <a:endParaRPr b="0" lang="en-US" sz="3200" spc="-1" strike="noStrike">
-              <a:solidFill>
-                <a:srgbClr val="000000"/>
-              </a:solidFill>
-              <a:uFill>
-                <a:solidFill>
-                  <a:srgbClr val="ffffff"/>
-                </a:solidFill>
-              </a:uFill>
-              <a:latin typeface="Calibri"/>
+            <a:endParaRPr b="0" lang="en-GB" sz="3200" spc="-1" strike="noStrike">
+              <a:solidFill>
+                <a:srgbClr val="000000"/>
+              </a:solidFill>
+              <a:uFill>
+                <a:solidFill>
+                  <a:srgbClr val="ffffff"/>
+                </a:solidFill>
+              </a:uFill>
+              <a:latin typeface="Arial"/>
             </a:endParaRPr>
           </a:p>
         </p:txBody>
@@ -2461,7 +2486,7 @@
       </p:grpSpPr>
       <p:sp>
         <p:nvSpPr>
-          <p:cNvPr id="73" name="PlaceHolder 1"/>
+          <p:cNvPr id="67" name="PlaceHolder 1"/>
           <p:cNvSpPr>
             <a:spLocks noGrp="1"/>
           </p:cNvSpPr>
@@ -2471,8 +2496,8 @@
         </p:nvSpPr>
         <p:spPr>
           <a:xfrm>
-            <a:off x="457200" y="274680"/>
-            <a:ext cx="8229240" cy="1142640"/>
+            <a:off x="457200" y="273600"/>
+            <a:ext cx="8229240" cy="1144800"/>
           </a:xfrm>
           <a:prstGeom prst="rect">
             <a:avLst/>
@@ -2481,23 +2506,24 @@
         <p:txBody>
           <a:bodyPr lIns="0" rIns="0" tIns="0" bIns="0" anchor="ctr"/>
           <a:p>
-            <a:endParaRPr b="0" lang="en-US" sz="1800" spc="-1" strike="noStrike">
-              <a:solidFill>
-                <a:srgbClr val="000000"/>
-              </a:solidFill>
-              <a:uFill>
-                <a:solidFill>
-                  <a:srgbClr val="ffffff"/>
-                </a:solidFill>
-              </a:uFill>
-              <a:latin typeface="Calibri"/>
-            </a:endParaRPr>
-          </a:p>
-        </p:txBody>
-      </p:sp>
-      <p:sp>
-        <p:nvSpPr>
-          <p:cNvPr id="74" name="PlaceHolder 2"/>
+            <a:pPr algn="ctr"/>
+            <a:endParaRPr b="0" lang="en-GB" sz="4400" spc="-1" strike="noStrike">
+              <a:solidFill>
+                <a:srgbClr val="000000"/>
+              </a:solidFill>
+              <a:uFill>
+                <a:solidFill>
+                  <a:srgbClr val="ffffff"/>
+                </a:solidFill>
+              </a:uFill>
+              <a:latin typeface="Arial"/>
+            </a:endParaRPr>
+          </a:p>
+        </p:txBody>
+      </p:sp>
+      <p:sp>
+        <p:nvSpPr>
+          <p:cNvPr id="68" name="PlaceHolder 2"/>
           <p:cNvSpPr>
             <a:spLocks noGrp="1"/>
           </p:cNvSpPr>
@@ -2507,8 +2533,8 @@
         </p:nvSpPr>
         <p:spPr>
           <a:xfrm>
-            <a:off x="457200" y="1600200"/>
-            <a:ext cx="8229240" cy="4525560"/>
+            <a:off x="457200" y="1604520"/>
+            <a:ext cx="8229240" cy="3977280"/>
           </a:xfrm>
           <a:prstGeom prst="rect">
             <a:avLst/>
@@ -2517,23 +2543,23 @@
         <p:txBody>
           <a:bodyPr lIns="0" rIns="0" tIns="0" bIns="0"/>
           <a:p>
-            <a:endParaRPr b="0" lang="en-US" sz="3200" spc="-1" strike="noStrike">
-              <a:solidFill>
-                <a:srgbClr val="000000"/>
-              </a:solidFill>
-              <a:uFill>
-                <a:solidFill>
-                  <a:srgbClr val="ffffff"/>
-                </a:solidFill>
-              </a:uFill>
-              <a:latin typeface="Calibri"/>
-            </a:endParaRPr>
-          </a:p>
-        </p:txBody>
-      </p:sp>
-      <p:sp>
-        <p:nvSpPr>
-          <p:cNvPr id="75" name="PlaceHolder 3"/>
+            <a:endParaRPr b="0" lang="en-GB" sz="3200" spc="-1" strike="noStrike">
+              <a:solidFill>
+                <a:srgbClr val="000000"/>
+              </a:solidFill>
+              <a:uFill>
+                <a:solidFill>
+                  <a:srgbClr val="ffffff"/>
+                </a:solidFill>
+              </a:uFill>
+              <a:latin typeface="Arial"/>
+            </a:endParaRPr>
+          </a:p>
+        </p:txBody>
+      </p:sp>
+      <p:sp>
+        <p:nvSpPr>
+          <p:cNvPr id="69" name="PlaceHolder 3"/>
           <p:cNvSpPr>
             <a:spLocks noGrp="1"/>
           </p:cNvSpPr>
@@ -2543,8 +2569,8 @@
         </p:nvSpPr>
         <p:spPr>
           <a:xfrm>
-            <a:off x="457200" y="1600200"/>
-            <a:ext cx="8229240" cy="4525560"/>
+            <a:off x="457200" y="1604520"/>
+            <a:ext cx="8229240" cy="3977280"/>
           </a:xfrm>
           <a:prstGeom prst="rect">
             <a:avLst/>
@@ -2553,23 +2579,23 @@
         <p:txBody>
           <a:bodyPr lIns="0" rIns="0" tIns="0" bIns="0"/>
           <a:p>
-            <a:endParaRPr b="0" lang="en-US" sz="3200" spc="-1" strike="noStrike">
-              <a:solidFill>
-                <a:srgbClr val="000000"/>
-              </a:solidFill>
-              <a:uFill>
-                <a:solidFill>
-                  <a:srgbClr val="ffffff"/>
-                </a:solidFill>
-              </a:uFill>
-              <a:latin typeface="Calibri"/>
+            <a:endParaRPr b="0" lang="en-GB" sz="3200" spc="-1" strike="noStrike">
+              <a:solidFill>
+                <a:srgbClr val="000000"/>
+              </a:solidFill>
+              <a:uFill>
+                <a:solidFill>
+                  <a:srgbClr val="ffffff"/>
+                </a:solidFill>
+              </a:uFill>
+              <a:latin typeface="Arial"/>
             </a:endParaRPr>
           </a:p>
         </p:txBody>
       </p:sp>
       <p:pic>
         <p:nvPicPr>
-          <p:cNvPr id="76" name="" descr=""/>
+          <p:cNvPr id="70" name="" descr=""/>
           <p:cNvPicPr/>
           <p:nvPr/>
         </p:nvPicPr>
@@ -2579,8 +2605,8 @@
         </p:blipFill>
         <p:spPr>
           <a:xfrm>
-            <a:off x="1735560" y="1599840"/>
-            <a:ext cx="5671800" cy="4525560"/>
+            <a:off x="2079000" y="1604520"/>
+            <a:ext cx="4984920" cy="3977280"/>
           </a:xfrm>
           <a:prstGeom prst="rect">
             <a:avLst/>
@@ -2592,7 +2618,7 @@
       </p:pic>
       <p:pic>
         <p:nvPicPr>
-          <p:cNvPr id="77" name="" descr=""/>
+          <p:cNvPr id="71" name="" descr=""/>
           <p:cNvPicPr/>
           <p:nvPr/>
         </p:nvPicPr>
@@ -2602,8 +2628,8 @@
         </p:blipFill>
         <p:spPr>
           <a:xfrm>
-            <a:off x="1735560" y="1599840"/>
-            <a:ext cx="5671800" cy="4525560"/>
+            <a:off x="2079000" y="1604520"/>
+            <a:ext cx="4984920" cy="3977280"/>
           </a:xfrm>
           <a:prstGeom prst="rect">
             <a:avLst/>
@@ -2637,7 +2663,7 @@
       </p:grpSpPr>
       <p:sp>
         <p:nvSpPr>
-          <p:cNvPr id="7" name="PlaceHolder 1"/>
+          <p:cNvPr id="4" name="PlaceHolder 1"/>
           <p:cNvSpPr>
             <a:spLocks noGrp="1"/>
           </p:cNvSpPr>
@@ -2647,8 +2673,8 @@
         </p:nvSpPr>
         <p:spPr>
           <a:xfrm>
-            <a:off x="457200" y="274680"/>
-            <a:ext cx="8229240" cy="1142640"/>
+            <a:off x="457200" y="273600"/>
+            <a:ext cx="8229240" cy="1144800"/>
           </a:xfrm>
           <a:prstGeom prst="rect">
             <a:avLst/>
@@ -2657,23 +2683,24 @@
         <p:txBody>
           <a:bodyPr lIns="0" rIns="0" tIns="0" bIns="0" anchor="ctr"/>
           <a:p>
-            <a:endParaRPr b="0" lang="en-US" sz="1800" spc="-1" strike="noStrike">
-              <a:solidFill>
-                <a:srgbClr val="000000"/>
-              </a:solidFill>
-              <a:uFill>
-                <a:solidFill>
-                  <a:srgbClr val="ffffff"/>
-                </a:solidFill>
-              </a:uFill>
-              <a:latin typeface="Calibri"/>
-            </a:endParaRPr>
-          </a:p>
-        </p:txBody>
-      </p:sp>
-      <p:sp>
-        <p:nvSpPr>
-          <p:cNvPr id="8" name="PlaceHolder 2"/>
+            <a:pPr algn="ctr"/>
+            <a:endParaRPr b="0" lang="en-GB" sz="4400" spc="-1" strike="noStrike">
+              <a:solidFill>
+                <a:srgbClr val="000000"/>
+              </a:solidFill>
+              <a:uFill>
+                <a:solidFill>
+                  <a:srgbClr val="ffffff"/>
+                </a:solidFill>
+              </a:uFill>
+              <a:latin typeface="Arial"/>
+            </a:endParaRPr>
+          </a:p>
+        </p:txBody>
+      </p:sp>
+      <p:sp>
+        <p:nvSpPr>
+          <p:cNvPr id="5" name="PlaceHolder 2"/>
           <p:cNvSpPr>
             <a:spLocks noGrp="1"/>
           </p:cNvSpPr>
@@ -2683,8 +2710,8 @@
         </p:nvSpPr>
         <p:spPr>
           <a:xfrm>
-            <a:off x="457200" y="1600200"/>
-            <a:ext cx="8229240" cy="4525560"/>
+            <a:off x="457200" y="1604520"/>
+            <a:ext cx="8229240" cy="3977280"/>
           </a:xfrm>
           <a:prstGeom prst="rect">
             <a:avLst/>
@@ -2693,16 +2720,16 @@
         <p:txBody>
           <a:bodyPr lIns="0" rIns="0" tIns="0" bIns="0"/>
           <a:p>
-            <a:endParaRPr b="0" lang="en-US" sz="3200" spc="-1" strike="noStrike">
-              <a:solidFill>
-                <a:srgbClr val="000000"/>
-              </a:solidFill>
-              <a:uFill>
-                <a:solidFill>
-                  <a:srgbClr val="ffffff"/>
-                </a:solidFill>
-              </a:uFill>
-              <a:latin typeface="Calibri"/>
+            <a:endParaRPr b="0" lang="en-GB" sz="3200" spc="-1" strike="noStrike">
+              <a:solidFill>
+                <a:srgbClr val="000000"/>
+              </a:solidFill>
+              <a:uFill>
+                <a:solidFill>
+                  <a:srgbClr val="ffffff"/>
+                </a:solidFill>
+              </a:uFill>
+              <a:latin typeface="Arial"/>
             </a:endParaRPr>
           </a:p>
         </p:txBody>
@@ -2731,7 +2758,7 @@
       </p:grpSpPr>
       <p:sp>
         <p:nvSpPr>
-          <p:cNvPr id="9" name="PlaceHolder 1"/>
+          <p:cNvPr id="6" name="PlaceHolder 1"/>
           <p:cNvSpPr>
             <a:spLocks noGrp="1"/>
           </p:cNvSpPr>
@@ -2741,8 +2768,8 @@
         </p:nvSpPr>
         <p:spPr>
           <a:xfrm>
-            <a:off x="457200" y="274680"/>
-            <a:ext cx="8229240" cy="1142640"/>
+            <a:off x="457200" y="273600"/>
+            <a:ext cx="8229240" cy="1144800"/>
           </a:xfrm>
           <a:prstGeom prst="rect">
             <a:avLst/>
@@ -2751,23 +2778,24 @@
         <p:txBody>
           <a:bodyPr lIns="0" rIns="0" tIns="0" bIns="0" anchor="ctr"/>
           <a:p>
-            <a:endParaRPr b="0" lang="en-US" sz="1800" spc="-1" strike="noStrike">
-              <a:solidFill>
-                <a:srgbClr val="000000"/>
-              </a:solidFill>
-              <a:uFill>
-                <a:solidFill>
-                  <a:srgbClr val="ffffff"/>
-                </a:solidFill>
-              </a:uFill>
-              <a:latin typeface="Calibri"/>
-            </a:endParaRPr>
-          </a:p>
-        </p:txBody>
-      </p:sp>
-      <p:sp>
-        <p:nvSpPr>
-          <p:cNvPr id="10" name="PlaceHolder 2"/>
+            <a:pPr algn="ctr"/>
+            <a:endParaRPr b="0" lang="en-GB" sz="4400" spc="-1" strike="noStrike">
+              <a:solidFill>
+                <a:srgbClr val="000000"/>
+              </a:solidFill>
+              <a:uFill>
+                <a:solidFill>
+                  <a:srgbClr val="ffffff"/>
+                </a:solidFill>
+              </a:uFill>
+              <a:latin typeface="Arial"/>
+            </a:endParaRPr>
+          </a:p>
+        </p:txBody>
+      </p:sp>
+      <p:sp>
+        <p:nvSpPr>
+          <p:cNvPr id="7" name="PlaceHolder 2"/>
           <p:cNvSpPr>
             <a:spLocks noGrp="1"/>
           </p:cNvSpPr>
@@ -2777,8 +2805,8 @@
         </p:nvSpPr>
         <p:spPr>
           <a:xfrm>
-            <a:off x="457200" y="1600200"/>
-            <a:ext cx="4015800" cy="4525560"/>
+            <a:off x="457200" y="1604520"/>
+            <a:ext cx="4015800" cy="3977280"/>
           </a:xfrm>
           <a:prstGeom prst="rect">
             <a:avLst/>
@@ -2787,23 +2815,23 @@
         <p:txBody>
           <a:bodyPr lIns="0" rIns="0" tIns="0" bIns="0"/>
           <a:p>
-            <a:endParaRPr b="0" lang="en-US" sz="3200" spc="-1" strike="noStrike">
-              <a:solidFill>
-                <a:srgbClr val="000000"/>
-              </a:solidFill>
-              <a:uFill>
-                <a:solidFill>
-                  <a:srgbClr val="ffffff"/>
-                </a:solidFill>
-              </a:uFill>
-              <a:latin typeface="Calibri"/>
-            </a:endParaRPr>
-          </a:p>
-        </p:txBody>
-      </p:sp>
-      <p:sp>
-        <p:nvSpPr>
-          <p:cNvPr id="11" name="PlaceHolder 3"/>
+            <a:endParaRPr b="0" lang="en-GB" sz="3200" spc="-1" strike="noStrike">
+              <a:solidFill>
+                <a:srgbClr val="000000"/>
+              </a:solidFill>
+              <a:uFill>
+                <a:solidFill>
+                  <a:srgbClr val="ffffff"/>
+                </a:solidFill>
+              </a:uFill>
+              <a:latin typeface="Arial"/>
+            </a:endParaRPr>
+          </a:p>
+        </p:txBody>
+      </p:sp>
+      <p:sp>
+        <p:nvSpPr>
+          <p:cNvPr id="8" name="PlaceHolder 3"/>
           <p:cNvSpPr>
             <a:spLocks noGrp="1"/>
           </p:cNvSpPr>
@@ -2813,8 +2841,8 @@
         </p:nvSpPr>
         <p:spPr>
           <a:xfrm>
-            <a:off x="4674240" y="1600200"/>
-            <a:ext cx="4015800" cy="4525560"/>
+            <a:off x="4674240" y="1604520"/>
+            <a:ext cx="4015800" cy="3977280"/>
           </a:xfrm>
           <a:prstGeom prst="rect">
             <a:avLst/>
@@ -2823,16 +2851,16 @@
         <p:txBody>
           <a:bodyPr lIns="0" rIns="0" tIns="0" bIns="0"/>
           <a:p>
-            <a:endParaRPr b="0" lang="en-US" sz="3200" spc="-1" strike="noStrike">
-              <a:solidFill>
-                <a:srgbClr val="000000"/>
-              </a:solidFill>
-              <a:uFill>
-                <a:solidFill>
-                  <a:srgbClr val="ffffff"/>
-                </a:solidFill>
-              </a:uFill>
-              <a:latin typeface="Calibri"/>
+            <a:endParaRPr b="0" lang="en-GB" sz="3200" spc="-1" strike="noStrike">
+              <a:solidFill>
+                <a:srgbClr val="000000"/>
+              </a:solidFill>
+              <a:uFill>
+                <a:solidFill>
+                  <a:srgbClr val="ffffff"/>
+                </a:solidFill>
+              </a:uFill>
+              <a:latin typeface="Arial"/>
             </a:endParaRPr>
           </a:p>
         </p:txBody>
@@ -2861,7 +2889,7 @@
       </p:grpSpPr>
       <p:sp>
         <p:nvSpPr>
-          <p:cNvPr id="12" name="PlaceHolder 1"/>
+          <p:cNvPr id="9" name="PlaceHolder 1"/>
           <p:cNvSpPr>
             <a:spLocks noGrp="1"/>
           </p:cNvSpPr>
@@ -2871,8 +2899,8 @@
         </p:nvSpPr>
         <p:spPr>
           <a:xfrm>
-            <a:off x="457200" y="274680"/>
-            <a:ext cx="8229240" cy="1142640"/>
+            <a:off x="457200" y="273600"/>
+            <a:ext cx="8229240" cy="1144800"/>
           </a:xfrm>
           <a:prstGeom prst="rect">
             <a:avLst/>
@@ -2881,16 +2909,17 @@
         <p:txBody>
           <a:bodyPr lIns="0" rIns="0" tIns="0" bIns="0" anchor="ctr"/>
           <a:p>
-            <a:endParaRPr b="0" lang="en-US" sz="1800" spc="-1" strike="noStrike">
-              <a:solidFill>
-                <a:srgbClr val="000000"/>
-              </a:solidFill>
-              <a:uFill>
-                <a:solidFill>
-                  <a:srgbClr val="ffffff"/>
-                </a:solidFill>
-              </a:uFill>
-              <a:latin typeface="Calibri"/>
+            <a:pPr algn="ctr"/>
+            <a:endParaRPr b="0" lang="en-GB" sz="4400" spc="-1" strike="noStrike">
+              <a:solidFill>
+                <a:srgbClr val="000000"/>
+              </a:solidFill>
+              <a:uFill>
+                <a:solidFill>
+                  <a:srgbClr val="ffffff"/>
+                </a:solidFill>
+              </a:uFill>
+              <a:latin typeface="Arial"/>
             </a:endParaRPr>
           </a:p>
         </p:txBody>
@@ -2919,7 +2948,7 @@
       </p:grpSpPr>
       <p:sp>
         <p:nvSpPr>
-          <p:cNvPr id="13" name="PlaceHolder 1"/>
+          <p:cNvPr id="10" name="PlaceHolder 1"/>
           <p:cNvSpPr>
             <a:spLocks noGrp="1"/>
           </p:cNvSpPr>
@@ -2929,8 +2958,8 @@
         </p:nvSpPr>
         <p:spPr>
           <a:xfrm>
-            <a:off x="457200" y="274680"/>
-            <a:ext cx="8229240" cy="5297760"/>
+            <a:off x="457200" y="273600"/>
+            <a:ext cx="8229240" cy="5307840"/>
           </a:xfrm>
           <a:prstGeom prst="rect">
             <a:avLst/>
@@ -2978,7 +3007,7 @@
       </p:grpSpPr>
       <p:sp>
         <p:nvSpPr>
-          <p:cNvPr id="14" name="PlaceHolder 1"/>
+          <p:cNvPr id="11" name="PlaceHolder 1"/>
           <p:cNvSpPr>
             <a:spLocks noGrp="1"/>
           </p:cNvSpPr>
@@ -2988,8 +3017,8 @@
         </p:nvSpPr>
         <p:spPr>
           <a:xfrm>
-            <a:off x="457200" y="274680"/>
-            <a:ext cx="8229240" cy="1142640"/>
+            <a:off x="457200" y="273600"/>
+            <a:ext cx="8229240" cy="1144800"/>
           </a:xfrm>
           <a:prstGeom prst="rect">
             <a:avLst/>
@@ -2998,23 +3027,24 @@
         <p:txBody>
           <a:bodyPr lIns="0" rIns="0" tIns="0" bIns="0" anchor="ctr"/>
           <a:p>
-            <a:endParaRPr b="0" lang="en-US" sz="1800" spc="-1" strike="noStrike">
-              <a:solidFill>
-                <a:srgbClr val="000000"/>
-              </a:solidFill>
-              <a:uFill>
-                <a:solidFill>
-                  <a:srgbClr val="ffffff"/>
-                </a:solidFill>
-              </a:uFill>
-              <a:latin typeface="Calibri"/>
-            </a:endParaRPr>
-          </a:p>
-        </p:txBody>
-      </p:sp>
-      <p:sp>
-        <p:nvSpPr>
-          <p:cNvPr id="15" name="PlaceHolder 2"/>
+            <a:pPr algn="ctr"/>
+            <a:endParaRPr b="0" lang="en-GB" sz="4400" spc="-1" strike="noStrike">
+              <a:solidFill>
+                <a:srgbClr val="000000"/>
+              </a:solidFill>
+              <a:uFill>
+                <a:solidFill>
+                  <a:srgbClr val="ffffff"/>
+                </a:solidFill>
+              </a:uFill>
+              <a:latin typeface="Arial"/>
+            </a:endParaRPr>
+          </a:p>
+        </p:txBody>
+      </p:sp>
+      <p:sp>
+        <p:nvSpPr>
+          <p:cNvPr id="12" name="PlaceHolder 2"/>
           <p:cNvSpPr>
             <a:spLocks noGrp="1"/>
           </p:cNvSpPr>
@@ -3024,8 +3054,8 @@
         </p:nvSpPr>
         <p:spPr>
           <a:xfrm>
-            <a:off x="457200" y="1600200"/>
-            <a:ext cx="4015800" cy="2158560"/>
+            <a:off x="457200" y="1604520"/>
+            <a:ext cx="4015800" cy="1896840"/>
           </a:xfrm>
           <a:prstGeom prst="rect">
             <a:avLst/>
@@ -3034,23 +3064,23 @@
         <p:txBody>
           <a:bodyPr lIns="0" rIns="0" tIns="0" bIns="0"/>
           <a:p>
-            <a:endParaRPr b="0" lang="en-US" sz="3200" spc="-1" strike="noStrike">
-              <a:solidFill>
-                <a:srgbClr val="000000"/>
-              </a:solidFill>
-              <a:uFill>
-                <a:solidFill>
-                  <a:srgbClr val="ffffff"/>
-                </a:solidFill>
-              </a:uFill>
-              <a:latin typeface="Calibri"/>
-            </a:endParaRPr>
-          </a:p>
-        </p:txBody>
-      </p:sp>
-      <p:sp>
-        <p:nvSpPr>
-          <p:cNvPr id="16" name="PlaceHolder 3"/>
+            <a:endParaRPr b="0" lang="en-GB" sz="3200" spc="-1" strike="noStrike">
+              <a:solidFill>
+                <a:srgbClr val="000000"/>
+              </a:solidFill>
+              <a:uFill>
+                <a:solidFill>
+                  <a:srgbClr val="ffffff"/>
+                </a:solidFill>
+              </a:uFill>
+              <a:latin typeface="Arial"/>
+            </a:endParaRPr>
+          </a:p>
+        </p:txBody>
+      </p:sp>
+      <p:sp>
+        <p:nvSpPr>
+          <p:cNvPr id="13" name="PlaceHolder 3"/>
           <p:cNvSpPr>
             <a:spLocks noGrp="1"/>
           </p:cNvSpPr>
@@ -3060,8 +3090,8 @@
         </p:nvSpPr>
         <p:spPr>
           <a:xfrm>
-            <a:off x="457200" y="3964320"/>
-            <a:ext cx="4015800" cy="2158560"/>
+            <a:off x="457200" y="3682080"/>
+            <a:ext cx="4015800" cy="1896840"/>
           </a:xfrm>
           <a:prstGeom prst="rect">
             <a:avLst/>
@@ -3070,23 +3100,23 @@
         <p:txBody>
           <a:bodyPr lIns="0" rIns="0" tIns="0" bIns="0"/>
           <a:p>
-            <a:endParaRPr b="0" lang="en-US" sz="3200" spc="-1" strike="noStrike">
-              <a:solidFill>
-                <a:srgbClr val="000000"/>
-              </a:solidFill>
-              <a:uFill>
-                <a:solidFill>
-                  <a:srgbClr val="ffffff"/>
-                </a:solidFill>
-              </a:uFill>
-              <a:latin typeface="Calibri"/>
-            </a:endParaRPr>
-          </a:p>
-        </p:txBody>
-      </p:sp>
-      <p:sp>
-        <p:nvSpPr>
-          <p:cNvPr id="17" name="PlaceHolder 4"/>
+            <a:endParaRPr b="0" lang="en-GB" sz="3200" spc="-1" strike="noStrike">
+              <a:solidFill>
+                <a:srgbClr val="000000"/>
+              </a:solidFill>
+              <a:uFill>
+                <a:solidFill>
+                  <a:srgbClr val="ffffff"/>
+                </a:solidFill>
+              </a:uFill>
+              <a:latin typeface="Arial"/>
+            </a:endParaRPr>
+          </a:p>
+        </p:txBody>
+      </p:sp>
+      <p:sp>
+        <p:nvSpPr>
+          <p:cNvPr id="14" name="PlaceHolder 4"/>
           <p:cNvSpPr>
             <a:spLocks noGrp="1"/>
           </p:cNvSpPr>
@@ -3096,8 +3126,8 @@
         </p:nvSpPr>
         <p:spPr>
           <a:xfrm>
-            <a:off x="4674240" y="1600200"/>
-            <a:ext cx="4015800" cy="4525560"/>
+            <a:off x="4674240" y="1604520"/>
+            <a:ext cx="4015800" cy="3977280"/>
           </a:xfrm>
           <a:prstGeom prst="rect">
             <a:avLst/>
@@ -3106,16 +3136,16 @@
         <p:txBody>
           <a:bodyPr lIns="0" rIns="0" tIns="0" bIns="0"/>
           <a:p>
-            <a:endParaRPr b="0" lang="en-US" sz="3200" spc="-1" strike="noStrike">
-              <a:solidFill>
-                <a:srgbClr val="000000"/>
-              </a:solidFill>
-              <a:uFill>
-                <a:solidFill>
-                  <a:srgbClr val="ffffff"/>
-                </a:solidFill>
-              </a:uFill>
-              <a:latin typeface="Calibri"/>
+            <a:endParaRPr b="0" lang="en-GB" sz="3200" spc="-1" strike="noStrike">
+              <a:solidFill>
+                <a:srgbClr val="000000"/>
+              </a:solidFill>
+              <a:uFill>
+                <a:solidFill>
+                  <a:srgbClr val="ffffff"/>
+                </a:solidFill>
+              </a:uFill>
+              <a:latin typeface="Arial"/>
             </a:endParaRPr>
           </a:p>
         </p:txBody>
@@ -3144,7 +3174,7 @@
       </p:grpSpPr>
       <p:sp>
         <p:nvSpPr>
-          <p:cNvPr id="18" name="PlaceHolder 1"/>
+          <p:cNvPr id="15" name="PlaceHolder 1"/>
           <p:cNvSpPr>
             <a:spLocks noGrp="1"/>
           </p:cNvSpPr>
@@ -3154,8 +3184,8 @@
         </p:nvSpPr>
         <p:spPr>
           <a:xfrm>
-            <a:off x="457200" y="274680"/>
-            <a:ext cx="8229240" cy="1142640"/>
+            <a:off x="457200" y="273600"/>
+            <a:ext cx="8229240" cy="1144800"/>
           </a:xfrm>
           <a:prstGeom prst="rect">
             <a:avLst/>
@@ -3164,23 +3194,24 @@
         <p:txBody>
           <a:bodyPr lIns="0" rIns="0" tIns="0" bIns="0" anchor="ctr"/>
           <a:p>
-            <a:endParaRPr b="0" lang="en-US" sz="1800" spc="-1" strike="noStrike">
-              <a:solidFill>
-                <a:srgbClr val="000000"/>
-              </a:solidFill>
-              <a:uFill>
-                <a:solidFill>
-                  <a:srgbClr val="ffffff"/>
-                </a:solidFill>
-              </a:uFill>
-              <a:latin typeface="Calibri"/>
-            </a:endParaRPr>
-          </a:p>
-        </p:txBody>
-      </p:sp>
-      <p:sp>
-        <p:nvSpPr>
-          <p:cNvPr id="19" name="PlaceHolder 2"/>
+            <a:pPr algn="ctr"/>
+            <a:endParaRPr b="0" lang="en-GB" sz="4400" spc="-1" strike="noStrike">
+              <a:solidFill>
+                <a:srgbClr val="000000"/>
+              </a:solidFill>
+              <a:uFill>
+                <a:solidFill>
+                  <a:srgbClr val="ffffff"/>
+                </a:solidFill>
+              </a:uFill>
+              <a:latin typeface="Arial"/>
+            </a:endParaRPr>
+          </a:p>
+        </p:txBody>
+      </p:sp>
+      <p:sp>
+        <p:nvSpPr>
+          <p:cNvPr id="16" name="PlaceHolder 2"/>
           <p:cNvSpPr>
             <a:spLocks noGrp="1"/>
           </p:cNvSpPr>
@@ -3190,8 +3221,8 @@
         </p:nvSpPr>
         <p:spPr>
           <a:xfrm>
-            <a:off x="457200" y="1600200"/>
-            <a:ext cx="4015800" cy="4525560"/>
+            <a:off x="457200" y="1604520"/>
+            <a:ext cx="4015800" cy="3977280"/>
           </a:xfrm>
           <a:prstGeom prst="rect">
             <a:avLst/>
@@ -3200,23 +3231,23 @@
         <p:txBody>
           <a:bodyPr lIns="0" rIns="0" tIns="0" bIns="0"/>
           <a:p>
-            <a:endParaRPr b="0" lang="en-US" sz="3200" spc="-1" strike="noStrike">
-              <a:solidFill>
-                <a:srgbClr val="000000"/>
-              </a:solidFill>
-              <a:uFill>
-                <a:solidFill>
-                  <a:srgbClr val="ffffff"/>
-                </a:solidFill>
-              </a:uFill>
-              <a:latin typeface="Calibri"/>
-            </a:endParaRPr>
-          </a:p>
-        </p:txBody>
-      </p:sp>
-      <p:sp>
-        <p:nvSpPr>
-          <p:cNvPr id="20" name="PlaceHolder 3"/>
+            <a:endParaRPr b="0" lang="en-GB" sz="3200" spc="-1" strike="noStrike">
+              <a:solidFill>
+                <a:srgbClr val="000000"/>
+              </a:solidFill>
+              <a:uFill>
+                <a:solidFill>
+                  <a:srgbClr val="ffffff"/>
+                </a:solidFill>
+              </a:uFill>
+              <a:latin typeface="Arial"/>
+            </a:endParaRPr>
+          </a:p>
+        </p:txBody>
+      </p:sp>
+      <p:sp>
+        <p:nvSpPr>
+          <p:cNvPr id="17" name="PlaceHolder 3"/>
           <p:cNvSpPr>
             <a:spLocks noGrp="1"/>
           </p:cNvSpPr>
@@ -3226,8 +3257,8 @@
         </p:nvSpPr>
         <p:spPr>
           <a:xfrm>
-            <a:off x="4674240" y="1600200"/>
-            <a:ext cx="4015800" cy="2158560"/>
+            <a:off x="4674240" y="1604520"/>
+            <a:ext cx="4015800" cy="1896840"/>
           </a:xfrm>
           <a:prstGeom prst="rect">
             <a:avLst/>
@@ -3236,23 +3267,23 @@
         <p:txBody>
           <a:bodyPr lIns="0" rIns="0" tIns="0" bIns="0"/>
           <a:p>
-            <a:endParaRPr b="0" lang="en-US" sz="3200" spc="-1" strike="noStrike">
-              <a:solidFill>
-                <a:srgbClr val="000000"/>
-              </a:solidFill>
-              <a:uFill>
-                <a:solidFill>
-                  <a:srgbClr val="ffffff"/>
-                </a:solidFill>
-              </a:uFill>
-              <a:latin typeface="Calibri"/>
-            </a:endParaRPr>
-          </a:p>
-        </p:txBody>
-      </p:sp>
-      <p:sp>
-        <p:nvSpPr>
-          <p:cNvPr id="21" name="PlaceHolder 4"/>
+            <a:endParaRPr b="0" lang="en-GB" sz="3200" spc="-1" strike="noStrike">
+              <a:solidFill>
+                <a:srgbClr val="000000"/>
+              </a:solidFill>
+              <a:uFill>
+                <a:solidFill>
+                  <a:srgbClr val="ffffff"/>
+                </a:solidFill>
+              </a:uFill>
+              <a:latin typeface="Arial"/>
+            </a:endParaRPr>
+          </a:p>
+        </p:txBody>
+      </p:sp>
+      <p:sp>
+        <p:nvSpPr>
+          <p:cNvPr id="18" name="PlaceHolder 4"/>
           <p:cNvSpPr>
             <a:spLocks noGrp="1"/>
           </p:cNvSpPr>
@@ -3262,8 +3293,8 @@
         </p:nvSpPr>
         <p:spPr>
           <a:xfrm>
-            <a:off x="4674240" y="3964320"/>
-            <a:ext cx="4015800" cy="2158560"/>
+            <a:off x="4674240" y="3682080"/>
+            <a:ext cx="4015800" cy="1896840"/>
           </a:xfrm>
           <a:prstGeom prst="rect">
             <a:avLst/>
@@ -3272,16 +3303,16 @@
         <p:txBody>
           <a:bodyPr lIns="0" rIns="0" tIns="0" bIns="0"/>
           <a:p>
-            <a:endParaRPr b="0" lang="en-US" sz="3200" spc="-1" strike="noStrike">
-              <a:solidFill>
-                <a:srgbClr val="000000"/>
-              </a:solidFill>
-              <a:uFill>
-                <a:solidFill>
-                  <a:srgbClr val="ffffff"/>
-                </a:solidFill>
-              </a:uFill>
-              <a:latin typeface="Calibri"/>
+            <a:endParaRPr b="0" lang="en-GB" sz="3200" spc="-1" strike="noStrike">
+              <a:solidFill>
+                <a:srgbClr val="000000"/>
+              </a:solidFill>
+              <a:uFill>
+                <a:solidFill>
+                  <a:srgbClr val="ffffff"/>
+                </a:solidFill>
+              </a:uFill>
+              <a:latin typeface="Arial"/>
             </a:endParaRPr>
           </a:p>
         </p:txBody>
@@ -3310,7 +3341,7 @@
       </p:grpSpPr>
       <p:sp>
         <p:nvSpPr>
-          <p:cNvPr id="22" name="PlaceHolder 1"/>
+          <p:cNvPr id="19" name="PlaceHolder 1"/>
           <p:cNvSpPr>
             <a:spLocks noGrp="1"/>
           </p:cNvSpPr>
@@ -3320,8 +3351,8 @@
         </p:nvSpPr>
         <p:spPr>
           <a:xfrm>
-            <a:off x="457200" y="274680"/>
-            <a:ext cx="8229240" cy="1142640"/>
+            <a:off x="457200" y="273600"/>
+            <a:ext cx="8229240" cy="1144800"/>
           </a:xfrm>
           <a:prstGeom prst="rect">
             <a:avLst/>
@@ -3330,23 +3361,24 @@
         <p:txBody>
           <a:bodyPr lIns="0" rIns="0" tIns="0" bIns="0" anchor="ctr"/>
           <a:p>
-            <a:endParaRPr b="0" lang="en-US" sz="1800" spc="-1" strike="noStrike">
-              <a:solidFill>
-                <a:srgbClr val="000000"/>
-              </a:solidFill>
-              <a:uFill>
-                <a:solidFill>
-                  <a:srgbClr val="ffffff"/>
-                </a:solidFill>
-              </a:uFill>
-              <a:latin typeface="Calibri"/>
-            </a:endParaRPr>
-          </a:p>
-        </p:txBody>
-      </p:sp>
-      <p:sp>
-        <p:nvSpPr>
-          <p:cNvPr id="23" name="PlaceHolder 2"/>
+            <a:pPr algn="ctr"/>
+            <a:endParaRPr b="0" lang="en-GB" sz="4400" spc="-1" strike="noStrike">
+              <a:solidFill>
+                <a:srgbClr val="000000"/>
+              </a:solidFill>
+              <a:uFill>
+                <a:solidFill>
+                  <a:srgbClr val="ffffff"/>
+                </a:solidFill>
+              </a:uFill>
+              <a:latin typeface="Arial"/>
+            </a:endParaRPr>
+          </a:p>
+        </p:txBody>
+      </p:sp>
+      <p:sp>
+        <p:nvSpPr>
+          <p:cNvPr id="20" name="PlaceHolder 2"/>
           <p:cNvSpPr>
             <a:spLocks noGrp="1"/>
           </p:cNvSpPr>
@@ -3356,8 +3388,8 @@
         </p:nvSpPr>
         <p:spPr>
           <a:xfrm>
-            <a:off x="457200" y="1600200"/>
-            <a:ext cx="4015800" cy="2158560"/>
+            <a:off x="457200" y="1604520"/>
+            <a:ext cx="4015800" cy="1896840"/>
           </a:xfrm>
           <a:prstGeom prst="rect">
             <a:avLst/>
@@ -3366,23 +3398,23 @@
         <p:txBody>
           <a:bodyPr lIns="0" rIns="0" tIns="0" bIns="0"/>
           <a:p>
-            <a:endParaRPr b="0" lang="en-US" sz="3200" spc="-1" strike="noStrike">
-              <a:solidFill>
-                <a:srgbClr val="000000"/>
-              </a:solidFill>
-              <a:uFill>
-                <a:solidFill>
-                  <a:srgbClr val="ffffff"/>
-                </a:solidFill>
-              </a:uFill>
-              <a:latin typeface="Calibri"/>
-            </a:endParaRPr>
-          </a:p>
-        </p:txBody>
-      </p:sp>
-      <p:sp>
-        <p:nvSpPr>
-          <p:cNvPr id="24" name="PlaceHolder 3"/>
+            <a:endParaRPr b="0" lang="en-GB" sz="3200" spc="-1" strike="noStrike">
+              <a:solidFill>
+                <a:srgbClr val="000000"/>
+              </a:solidFill>
+              <a:uFill>
+                <a:solidFill>
+                  <a:srgbClr val="ffffff"/>
+                </a:solidFill>
+              </a:uFill>
+              <a:latin typeface="Arial"/>
+            </a:endParaRPr>
+          </a:p>
+        </p:txBody>
+      </p:sp>
+      <p:sp>
+        <p:nvSpPr>
+          <p:cNvPr id="21" name="PlaceHolder 3"/>
           <p:cNvSpPr>
             <a:spLocks noGrp="1"/>
           </p:cNvSpPr>
@@ -3392,8 +3424,8 @@
         </p:nvSpPr>
         <p:spPr>
           <a:xfrm>
-            <a:off x="4674240" y="1600200"/>
-            <a:ext cx="4015800" cy="2158560"/>
+            <a:off x="4674240" y="1604520"/>
+            <a:ext cx="4015800" cy="1896840"/>
           </a:xfrm>
           <a:prstGeom prst="rect">
             <a:avLst/>
@@ -3402,23 +3434,23 @@
         <p:txBody>
           <a:bodyPr lIns="0" rIns="0" tIns="0" bIns="0"/>
           <a:p>
-            <a:endParaRPr b="0" lang="en-US" sz="3200" spc="-1" strike="noStrike">
-              <a:solidFill>
-                <a:srgbClr val="000000"/>
-              </a:solidFill>
-              <a:uFill>
-                <a:solidFill>
-                  <a:srgbClr val="ffffff"/>
-                </a:solidFill>
-              </a:uFill>
-              <a:latin typeface="Calibri"/>
-            </a:endParaRPr>
-          </a:p>
-        </p:txBody>
-      </p:sp>
-      <p:sp>
-        <p:nvSpPr>
-          <p:cNvPr id="25" name="PlaceHolder 4"/>
+            <a:endParaRPr b="0" lang="en-GB" sz="3200" spc="-1" strike="noStrike">
+              <a:solidFill>
+                <a:srgbClr val="000000"/>
+              </a:solidFill>
+              <a:uFill>
+                <a:solidFill>
+                  <a:srgbClr val="ffffff"/>
+                </a:solidFill>
+              </a:uFill>
+              <a:latin typeface="Arial"/>
+            </a:endParaRPr>
+          </a:p>
+        </p:txBody>
+      </p:sp>
+      <p:sp>
+        <p:nvSpPr>
+          <p:cNvPr id="22" name="PlaceHolder 4"/>
           <p:cNvSpPr>
             <a:spLocks noGrp="1"/>
           </p:cNvSpPr>
@@ -3428,8 +3460,8 @@
         </p:nvSpPr>
         <p:spPr>
           <a:xfrm>
-            <a:off x="457200" y="3964320"/>
-            <a:ext cx="8229240" cy="2158560"/>
+            <a:off x="457200" y="3682080"/>
+            <a:ext cx="8229240" cy="1896840"/>
           </a:xfrm>
           <a:prstGeom prst="rect">
             <a:avLst/>
@@ -3438,16 +3470,16 @@
         <p:txBody>
           <a:bodyPr lIns="0" rIns="0" tIns="0" bIns="0"/>
           <a:p>
-            <a:endParaRPr b="0" lang="en-US" sz="3200" spc="-1" strike="noStrike">
-              <a:solidFill>
-                <a:srgbClr val="000000"/>
-              </a:solidFill>
-              <a:uFill>
-                <a:solidFill>
-                  <a:srgbClr val="ffffff"/>
-                </a:solidFill>
-              </a:uFill>
-              <a:latin typeface="Calibri"/>
+            <a:endParaRPr b="0" lang="en-GB" sz="3200" spc="-1" strike="noStrike">
+              <a:solidFill>
+                <a:srgbClr val="000000"/>
+              </a:solidFill>
+              <a:uFill>
+                <a:solidFill>
+                  <a:srgbClr val="ffffff"/>
+                </a:solidFill>
+              </a:uFill>
+              <a:latin typeface="Arial"/>
             </a:endParaRPr>
           </a:p>
         </p:txBody>
@@ -3493,129 +3525,27 @@
         </p:nvSpPr>
         <p:spPr>
           <a:xfrm>
-            <a:off x="685800" y="2130480"/>
-            <a:ext cx="7772040" cy="1469520"/>
-          </a:xfrm>
-          <a:prstGeom prst="rect">
-            <a:avLst/>
-          </a:prstGeom>
-        </p:spPr>
-        <p:txBody>
-          <a:bodyPr anchor="ctr"/>
-          <a:p>
-            <a:pPr algn="ctr">
-              <a:lnSpc>
-                <a:spcPct val="100000"/>
-              </a:lnSpc>
-            </a:pPr>
-            <a:r>
-              <a:rPr b="0" lang="en-US" sz="4400" spc="-1" strike="noStrike">
-                <a:solidFill>
-                  <a:srgbClr val="000000"/>
-                </a:solidFill>
-                <a:uFill>
-                  <a:solidFill>
-                    <a:srgbClr val="ffffff"/>
-                  </a:solidFill>
-                </a:uFill>
-                <a:latin typeface="Calibri"/>
-              </a:rPr>
-              <a:t>Click </a:t>
-            </a:r>
-            <a:r>
-              <a:rPr b="0" lang="en-US" sz="4400" spc="-1" strike="noStrike">
-                <a:solidFill>
-                  <a:srgbClr val="000000"/>
-                </a:solidFill>
-                <a:uFill>
-                  <a:solidFill>
-                    <a:srgbClr val="ffffff"/>
-                  </a:solidFill>
-                </a:uFill>
-                <a:latin typeface="Calibri"/>
-              </a:rPr>
-              <a:t>to </a:t>
-            </a:r>
-            <a:r>
-              <a:rPr b="0" lang="en-US" sz="4400" spc="-1" strike="noStrike">
-                <a:solidFill>
-                  <a:srgbClr val="000000"/>
-                </a:solidFill>
-                <a:uFill>
-                  <a:solidFill>
-                    <a:srgbClr val="ffffff"/>
-                  </a:solidFill>
-                </a:uFill>
-                <a:latin typeface="Calibri"/>
-              </a:rPr>
-              <a:t>edit </a:t>
-            </a:r>
-            <a:r>
-              <a:rPr b="0" lang="en-US" sz="4400" spc="-1" strike="noStrike">
-                <a:solidFill>
-                  <a:srgbClr val="000000"/>
-                </a:solidFill>
-                <a:uFill>
-                  <a:solidFill>
-                    <a:srgbClr val="ffffff"/>
-                  </a:solidFill>
-                </a:uFill>
-                <a:latin typeface="Calibri"/>
-              </a:rPr>
-              <a:t>Mast</a:t>
-            </a:r>
-            <a:r>
-              <a:rPr b="0" lang="en-US" sz="4400" spc="-1" strike="noStrike">
-                <a:solidFill>
-                  <a:srgbClr val="000000"/>
-                </a:solidFill>
-                <a:uFill>
-                  <a:solidFill>
-                    <a:srgbClr val="ffffff"/>
-                  </a:solidFill>
-                </a:uFill>
-                <a:latin typeface="Calibri"/>
-              </a:rPr>
-              <a:t>er </a:t>
-            </a:r>
-            <a:r>
-              <a:rPr b="0" lang="en-US" sz="4400" spc="-1" strike="noStrike">
-                <a:solidFill>
-                  <a:srgbClr val="000000"/>
-                </a:solidFill>
-                <a:uFill>
-                  <a:solidFill>
-                    <a:srgbClr val="ffffff"/>
-                  </a:solidFill>
-                </a:uFill>
-                <a:latin typeface="Calibri"/>
-              </a:rPr>
-              <a:t>title </a:t>
-            </a:r>
-            <a:r>
-              <a:rPr b="0" lang="en-US" sz="4400" spc="-1" strike="noStrike">
-                <a:solidFill>
-                  <a:srgbClr val="000000"/>
-                </a:solidFill>
-                <a:uFill>
-                  <a:solidFill>
-                    <a:srgbClr val="ffffff"/>
-                  </a:solidFill>
-                </a:uFill>
-                <a:latin typeface="Calibri"/>
-              </a:rPr>
-              <a:t>style</a:t>
-            </a:r>
-            <a:endParaRPr b="0" lang="en-US" sz="1800" spc="-1" strike="noStrike">
-              <a:solidFill>
-                <a:srgbClr val="000000"/>
-              </a:solidFill>
-              <a:uFill>
-                <a:solidFill>
-                  <a:srgbClr val="ffffff"/>
-                </a:solidFill>
-              </a:uFill>
-              <a:latin typeface="Calibri"/>
+            <a:off x="457200" y="273600"/>
+            <a:ext cx="8228880" cy="1144440"/>
+          </a:xfrm>
+          <a:prstGeom prst="rect">
+            <a:avLst/>
+          </a:prstGeom>
+        </p:spPr>
+        <p:txBody>
+          <a:bodyPr lIns="0" rIns="0" tIns="0" bIns="0" anchor="ctr"/>
+          <a:p>
+            <a:pPr algn="ctr"/>
+            <a:endParaRPr b="0" lang="en-GB" sz="4400" spc="-1" strike="noStrike">
+              <a:solidFill>
+                <a:srgbClr val="000000"/>
+              </a:solidFill>
+              <a:uFill>
+                <a:solidFill>
+                  <a:srgbClr val="ffffff"/>
+                </a:solidFill>
+              </a:uFill>
+              <a:latin typeface="Arial"/>
             </a:endParaRPr>
           </a:p>
         </p:txBody>
@@ -3623,152 +3553,6 @@
       <p:sp>
         <p:nvSpPr>
           <p:cNvPr id="1" name="PlaceHolder 2"/>
-          <p:cNvSpPr>
-            <a:spLocks noGrp="1"/>
-          </p:cNvSpPr>
-          <p:nvPr>
-            <p:ph type="dt"/>
-          </p:nvPr>
-        </p:nvSpPr>
-        <p:spPr>
-          <a:xfrm>
-            <a:off x="457200" y="6356520"/>
-            <a:ext cx="2133360" cy="364680"/>
-          </a:xfrm>
-          <a:prstGeom prst="rect">
-            <a:avLst/>
-          </a:prstGeom>
-        </p:spPr>
-        <p:txBody>
-          <a:bodyPr anchor="ctr"/>
-          <a:p>
-            <a:pPr>
-              <a:lnSpc>
-                <a:spcPct val="100000"/>
-              </a:lnSpc>
-            </a:pPr>
-            <a:r>
-              <a:rPr b="0" lang="en-GB" sz="1200" spc="-1" strike="noStrike">
-                <a:solidFill>
-                  <a:srgbClr val="8b8b8b"/>
-                </a:solidFill>
-                <a:uFill>
-                  <a:solidFill>
-                    <a:srgbClr val="ffffff"/>
-                  </a:solidFill>
-                </a:uFill>
-                <a:latin typeface="Calibri"/>
-              </a:rPr>
-              <a:t>20/08/17</a:t>
-            </a:r>
-            <a:endParaRPr b="0" lang="en-GB" sz="1400" spc="-1" strike="noStrike">
-              <a:solidFill>
-                <a:srgbClr val="000000"/>
-              </a:solidFill>
-              <a:uFill>
-                <a:solidFill>
-                  <a:srgbClr val="ffffff"/>
-                </a:solidFill>
-              </a:uFill>
-              <a:latin typeface="Times New Roman"/>
-            </a:endParaRPr>
-          </a:p>
-        </p:txBody>
-      </p:sp>
-      <p:sp>
-        <p:nvSpPr>
-          <p:cNvPr id="2" name="PlaceHolder 3"/>
-          <p:cNvSpPr>
-            <a:spLocks noGrp="1"/>
-          </p:cNvSpPr>
-          <p:nvPr>
-            <p:ph type="ftr"/>
-          </p:nvPr>
-        </p:nvSpPr>
-        <p:spPr>
-          <a:xfrm>
-            <a:off x="3124080" y="6356520"/>
-            <a:ext cx="2895120" cy="364680"/>
-          </a:xfrm>
-          <a:prstGeom prst="rect">
-            <a:avLst/>
-          </a:prstGeom>
-        </p:spPr>
-        <p:txBody>
-          <a:bodyPr anchor="ctr"/>
-          <a:p>
-            <a:endParaRPr b="0" lang="en-GB" sz="2400" spc="-1" strike="noStrike">
-              <a:solidFill>
-                <a:srgbClr val="000000"/>
-              </a:solidFill>
-              <a:uFill>
-                <a:solidFill>
-                  <a:srgbClr val="ffffff"/>
-                </a:solidFill>
-              </a:uFill>
-              <a:latin typeface="Times New Roman"/>
-            </a:endParaRPr>
-          </a:p>
-        </p:txBody>
-      </p:sp>
-      <p:sp>
-        <p:nvSpPr>
-          <p:cNvPr id="3" name="PlaceHolder 4"/>
-          <p:cNvSpPr>
-            <a:spLocks noGrp="1"/>
-          </p:cNvSpPr>
-          <p:nvPr>
-            <p:ph type="sldNum"/>
-          </p:nvPr>
-        </p:nvSpPr>
-        <p:spPr>
-          <a:xfrm>
-            <a:off x="6553080" y="6356520"/>
-            <a:ext cx="2133360" cy="364680"/>
-          </a:xfrm>
-          <a:prstGeom prst="rect">
-            <a:avLst/>
-          </a:prstGeom>
-        </p:spPr>
-        <p:txBody>
-          <a:bodyPr anchor="ctr"/>
-          <a:p>
-            <a:pPr algn="r">
-              <a:lnSpc>
-                <a:spcPct val="100000"/>
-              </a:lnSpc>
-            </a:pPr>
-            <a:fld id="{C4D837E4-F8CB-4831-A6EB-5E8425C26B61}" type="slidenum">
-              <a:rPr b="0" lang="en-GB" sz="1200" spc="-1" strike="noStrike">
-                <a:solidFill>
-                  <a:srgbClr val="8b8b8b"/>
-                </a:solidFill>
-                <a:uFill>
-                  <a:solidFill>
-                    <a:srgbClr val="ffffff"/>
-                  </a:solidFill>
-                </a:uFill>
-                <a:latin typeface="Calibri"/>
-              </a:rPr>
-              <a:t>&lt;number&gt;</a:t>
-            </a:fld>
-            <a:endParaRPr b="0" lang="en-GB" sz="1400" spc="-1" strike="noStrike">
-              <a:solidFill>
-                <a:srgbClr val="000000"/>
-              </a:solidFill>
-              <a:uFill>
-                <a:solidFill>
-                  <a:srgbClr val="ffffff"/>
-                </a:solidFill>
-              </a:uFill>
-              <a:latin typeface="Times New Roman"/>
-            </a:endParaRPr>
-          </a:p>
-        </p:txBody>
-      </p:sp>
-      <p:sp>
-        <p:nvSpPr>
-          <p:cNvPr id="4" name="PlaceHolder 5"/>
           <p:cNvSpPr>
             <a:spLocks noGrp="1"/>
           </p:cNvSpPr>
@@ -3779,7 +3563,7 @@
         <p:spPr>
           <a:xfrm>
             <a:off x="457200" y="1604520"/>
-            <a:ext cx="8229240" cy="3977280"/>
+            <a:ext cx="8228880" cy="3976920"/>
           </a:xfrm>
           <a:prstGeom prst="rect">
             <a:avLst/>
@@ -3797,7 +3581,7 @@
               <a:buChar char=""/>
             </a:pPr>
             <a:r>
-              <a:rPr b="0" lang="en-US" sz="3200" spc="-1" strike="noStrike">
+              <a:rPr b="0" lang="en-GB" sz="1800" spc="-1" strike="noStrike">
                 <a:solidFill>
                   <a:srgbClr val="000000"/>
                 </a:solidFill>
@@ -3806,20 +3590,20 @@
                     <a:srgbClr val="ffffff"/>
                   </a:solidFill>
                 </a:uFill>
-                <a:latin typeface="Calibri"/>
+                <a:latin typeface="Arial"/>
               </a:rPr>
               <a:t>Click to edit the outline text format</a:t>
             </a:r>
-            <a:endParaRPr b="0" lang="en-US" sz="3200" spc="-1" strike="noStrike">
-              <a:solidFill>
-                <a:srgbClr val="000000"/>
-              </a:solidFill>
-              <a:uFill>
-                <a:solidFill>
-                  <a:srgbClr val="ffffff"/>
-                </a:solidFill>
-              </a:uFill>
-              <a:latin typeface="Calibri"/>
+            <a:endParaRPr b="0" lang="en-GB" sz="1800" spc="-1" strike="noStrike">
+              <a:solidFill>
+                <a:srgbClr val="000000"/>
+              </a:solidFill>
+              <a:uFill>
+                <a:solidFill>
+                  <a:srgbClr val="ffffff"/>
+                </a:solidFill>
+              </a:uFill>
+              <a:latin typeface="Arial"/>
             </a:endParaRPr>
           </a:p>
           <a:p>
@@ -3832,7 +3616,7 @@
               <a:buChar char=""/>
             </a:pPr>
             <a:r>
-              <a:rPr b="0" lang="en-US" sz="2400" spc="-1" strike="noStrike">
+              <a:rPr b="0" lang="en-GB" sz="1800" spc="-1" strike="noStrike">
                 <a:solidFill>
                   <a:srgbClr val="000000"/>
                 </a:solidFill>
@@ -3841,20 +3625,20 @@
                     <a:srgbClr val="ffffff"/>
                   </a:solidFill>
                 </a:uFill>
-                <a:latin typeface="Calibri"/>
+                <a:latin typeface="Arial"/>
               </a:rPr>
               <a:t>Second Outline Level</a:t>
             </a:r>
-            <a:endParaRPr b="0" lang="en-US" sz="2400" spc="-1" strike="noStrike">
-              <a:solidFill>
-                <a:srgbClr val="000000"/>
-              </a:solidFill>
-              <a:uFill>
-                <a:solidFill>
-                  <a:srgbClr val="ffffff"/>
-                </a:solidFill>
-              </a:uFill>
-              <a:latin typeface="Calibri"/>
+            <a:endParaRPr b="0" lang="en-GB" sz="1800" spc="-1" strike="noStrike">
+              <a:solidFill>
+                <a:srgbClr val="000000"/>
+              </a:solidFill>
+              <a:uFill>
+                <a:solidFill>
+                  <a:srgbClr val="ffffff"/>
+                </a:solidFill>
+              </a:uFill>
+              <a:latin typeface="Arial"/>
             </a:endParaRPr>
           </a:p>
           <a:p>
@@ -3867,7 +3651,7 @@
               <a:buChar char=""/>
             </a:pPr>
             <a:r>
-              <a:rPr b="0" lang="en-US" sz="2000" spc="-1" strike="noStrike">
+              <a:rPr b="0" lang="en-GB" sz="1800" spc="-1" strike="noStrike">
                 <a:solidFill>
                   <a:srgbClr val="000000"/>
                 </a:solidFill>
@@ -3876,20 +3660,20 @@
                     <a:srgbClr val="ffffff"/>
                   </a:solidFill>
                 </a:uFill>
-                <a:latin typeface="Calibri"/>
+                <a:latin typeface="Arial"/>
               </a:rPr>
               <a:t>Third Outline Level</a:t>
             </a:r>
-            <a:endParaRPr b="0" lang="en-US" sz="2000" spc="-1" strike="noStrike">
-              <a:solidFill>
-                <a:srgbClr val="000000"/>
-              </a:solidFill>
-              <a:uFill>
-                <a:solidFill>
-                  <a:srgbClr val="ffffff"/>
-                </a:solidFill>
-              </a:uFill>
-              <a:latin typeface="Calibri"/>
+            <a:endParaRPr b="0" lang="en-GB" sz="1800" spc="-1" strike="noStrike">
+              <a:solidFill>
+                <a:srgbClr val="000000"/>
+              </a:solidFill>
+              <a:uFill>
+                <a:solidFill>
+                  <a:srgbClr val="ffffff"/>
+                </a:solidFill>
+              </a:uFill>
+              <a:latin typeface="Arial"/>
             </a:endParaRPr>
           </a:p>
           <a:p>
@@ -3902,7 +3686,7 @@
               <a:buChar char=""/>
             </a:pPr>
             <a:r>
-              <a:rPr b="0" lang="en-US" sz="2000" spc="-1" strike="noStrike">
+              <a:rPr b="0" lang="en-GB" sz="1800" spc="-1" strike="noStrike">
                 <a:solidFill>
                   <a:srgbClr val="000000"/>
                 </a:solidFill>
@@ -3911,20 +3695,20 @@
                     <a:srgbClr val="ffffff"/>
                   </a:solidFill>
                 </a:uFill>
-                <a:latin typeface="Calibri"/>
+                <a:latin typeface="Arial"/>
               </a:rPr>
               <a:t>Fourth Outline Level</a:t>
             </a:r>
-            <a:endParaRPr b="0" lang="en-US" sz="2000" spc="-1" strike="noStrike">
-              <a:solidFill>
-                <a:srgbClr val="000000"/>
-              </a:solidFill>
-              <a:uFill>
-                <a:solidFill>
-                  <a:srgbClr val="ffffff"/>
-                </a:solidFill>
-              </a:uFill>
-              <a:latin typeface="Calibri"/>
+            <a:endParaRPr b="0" lang="en-GB" sz="1800" spc="-1" strike="noStrike">
+              <a:solidFill>
+                <a:srgbClr val="000000"/>
+              </a:solidFill>
+              <a:uFill>
+                <a:solidFill>
+                  <a:srgbClr val="ffffff"/>
+                </a:solidFill>
+              </a:uFill>
+              <a:latin typeface="Arial"/>
             </a:endParaRPr>
           </a:p>
           <a:p>
@@ -3937,7 +3721,7 @@
               <a:buChar char=""/>
             </a:pPr>
             <a:r>
-              <a:rPr b="0" lang="en-US" sz="2000" spc="-1" strike="noStrike">
+              <a:rPr b="0" lang="en-GB" sz="1800" spc="-1" strike="noStrike">
                 <a:solidFill>
                   <a:srgbClr val="000000"/>
                 </a:solidFill>
@@ -3946,20 +3730,20 @@
                     <a:srgbClr val="ffffff"/>
                   </a:solidFill>
                 </a:uFill>
-                <a:latin typeface="Calibri"/>
+                <a:latin typeface="Arial"/>
               </a:rPr>
               <a:t>Fifth Outline Level</a:t>
             </a:r>
-            <a:endParaRPr b="0" lang="en-US" sz="2000" spc="-1" strike="noStrike">
-              <a:solidFill>
-                <a:srgbClr val="000000"/>
-              </a:solidFill>
-              <a:uFill>
-                <a:solidFill>
-                  <a:srgbClr val="ffffff"/>
-                </a:solidFill>
-              </a:uFill>
-              <a:latin typeface="Calibri"/>
+            <a:endParaRPr b="0" lang="en-GB" sz="1800" spc="-1" strike="noStrike">
+              <a:solidFill>
+                <a:srgbClr val="000000"/>
+              </a:solidFill>
+              <a:uFill>
+                <a:solidFill>
+                  <a:srgbClr val="ffffff"/>
+                </a:solidFill>
+              </a:uFill>
+              <a:latin typeface="Arial"/>
             </a:endParaRPr>
           </a:p>
           <a:p>
@@ -3972,7 +3756,7 @@
               <a:buChar char=""/>
             </a:pPr>
             <a:r>
-              <a:rPr b="0" lang="en-US" sz="2000" spc="-1" strike="noStrike">
+              <a:rPr b="0" lang="en-GB" sz="1800" spc="-1" strike="noStrike">
                 <a:solidFill>
                   <a:srgbClr val="000000"/>
                 </a:solidFill>
@@ -3981,20 +3765,20 @@
                     <a:srgbClr val="ffffff"/>
                   </a:solidFill>
                 </a:uFill>
-                <a:latin typeface="Calibri"/>
+                <a:latin typeface="Arial"/>
               </a:rPr>
               <a:t>Sixth Outline Level</a:t>
             </a:r>
-            <a:endParaRPr b="0" lang="en-US" sz="2000" spc="-1" strike="noStrike">
-              <a:solidFill>
-                <a:srgbClr val="000000"/>
-              </a:solidFill>
-              <a:uFill>
-                <a:solidFill>
-                  <a:srgbClr val="ffffff"/>
-                </a:solidFill>
-              </a:uFill>
-              <a:latin typeface="Calibri"/>
+            <a:endParaRPr b="0" lang="en-GB" sz="1800" spc="-1" strike="noStrike">
+              <a:solidFill>
+                <a:srgbClr val="000000"/>
+              </a:solidFill>
+              <a:uFill>
+                <a:solidFill>
+                  <a:srgbClr val="ffffff"/>
+                </a:solidFill>
+              </a:uFill>
+              <a:latin typeface="Arial"/>
             </a:endParaRPr>
           </a:p>
           <a:p>
@@ -4007,7 +3791,7 @@
               <a:buChar char=""/>
             </a:pPr>
             <a:r>
-              <a:rPr b="0" lang="en-US" sz="2000" spc="-1" strike="noStrike">
+              <a:rPr b="0" lang="en-GB" sz="1800" spc="-1" strike="noStrike">
                 <a:solidFill>
                   <a:srgbClr val="000000"/>
                 </a:solidFill>
@@ -4016,20 +3800,20 @@
                     <a:srgbClr val="ffffff"/>
                   </a:solidFill>
                 </a:uFill>
-                <a:latin typeface="Calibri"/>
+                <a:latin typeface="Arial"/>
               </a:rPr>
               <a:t>Seventh Outline Level</a:t>
             </a:r>
-            <a:endParaRPr b="0" lang="en-US" sz="2000" spc="-1" strike="noStrike">
-              <a:solidFill>
-                <a:srgbClr val="000000"/>
-              </a:solidFill>
-              <a:uFill>
-                <a:solidFill>
-                  <a:srgbClr val="ffffff"/>
-                </a:solidFill>
-              </a:uFill>
-              <a:latin typeface="Calibri"/>
+            <a:endParaRPr b="0" lang="en-GB" sz="1800" spc="-1" strike="noStrike">
+              <a:solidFill>
+                <a:srgbClr val="000000"/>
+              </a:solidFill>
+              <a:uFill>
+                <a:solidFill>
+                  <a:srgbClr val="ffffff"/>
+                </a:solidFill>
+              </a:uFill>
+              <a:latin typeface="Arial"/>
             </a:endParaRPr>
           </a:p>
         </p:txBody>
@@ -4080,7 +3864,7 @@
       </p:grpSpPr>
       <p:sp>
         <p:nvSpPr>
-          <p:cNvPr id="39" name="PlaceHolder 1"/>
+          <p:cNvPr id="36" name="PlaceHolder 1"/>
           <p:cNvSpPr>
             <a:spLocks noGrp="1"/>
           </p:cNvSpPr>
@@ -4090,23 +3874,19 @@
         </p:nvSpPr>
         <p:spPr>
           <a:xfrm>
-            <a:off x="457200" y="274680"/>
-            <a:ext cx="8229240" cy="1142640"/>
-          </a:xfrm>
-          <a:prstGeom prst="rect">
-            <a:avLst/>
-          </a:prstGeom>
-        </p:spPr>
-        <p:txBody>
-          <a:bodyPr anchor="ctr"/>
-          <a:p>
-            <a:pPr algn="ctr">
-              <a:lnSpc>
-                <a:spcPct val="100000"/>
-              </a:lnSpc>
-            </a:pPr>
+            <a:off x="457200" y="273600"/>
+            <a:ext cx="8229240" cy="1144800"/>
+          </a:xfrm>
+          <a:prstGeom prst="rect">
+            <a:avLst/>
+          </a:prstGeom>
+        </p:spPr>
+        <p:txBody>
+          <a:bodyPr lIns="0" rIns="0" tIns="0" bIns="0" anchor="ctr"/>
+          <a:p>
+            <a:pPr algn="ctr"/>
             <a:r>
-              <a:rPr b="0" lang="en-US" sz="4400" spc="-1" strike="noStrike">
+              <a:rPr b="0" lang="en-GB" sz="4400" spc="-1" strike="noStrike">
                 <a:solidFill>
                   <a:srgbClr val="000000"/>
                 </a:solidFill>
@@ -4115,27 +3895,27 @@
                     <a:srgbClr val="ffffff"/>
                   </a:solidFill>
                 </a:uFill>
-                <a:latin typeface="Calibri"/>
+                <a:latin typeface="Arial"/>
               </a:rPr>
-              <a:t>Click to edit Master title style</a:t>
+              <a:t>Click to edit the title text format</a:t>
             </a:r>
-            <a:endParaRPr b="0" lang="en-US" sz="1800" spc="-1" strike="noStrike">
-              <a:solidFill>
-                <a:srgbClr val="000000"/>
-              </a:solidFill>
-              <a:uFill>
-                <a:solidFill>
-                  <a:srgbClr val="ffffff"/>
-                </a:solidFill>
-              </a:uFill>
-              <a:latin typeface="Calibri"/>
-            </a:endParaRPr>
-          </a:p>
-        </p:txBody>
-      </p:sp>
-      <p:sp>
-        <p:nvSpPr>
-          <p:cNvPr id="40" name="PlaceHolder 2"/>
+            <a:endParaRPr b="0" lang="en-GB" sz="4400" spc="-1" strike="noStrike">
+              <a:solidFill>
+                <a:srgbClr val="000000"/>
+              </a:solidFill>
+              <a:uFill>
+                <a:solidFill>
+                  <a:srgbClr val="ffffff"/>
+                </a:solidFill>
+              </a:uFill>
+              <a:latin typeface="Arial"/>
+            </a:endParaRPr>
+          </a:p>
+        </p:txBody>
+      </p:sp>
+      <p:sp>
+        <p:nvSpPr>
+          <p:cNvPr id="37" name="PlaceHolder 2"/>
           <p:cNvSpPr>
             <a:spLocks noGrp="1"/>
           </p:cNvSpPr>
@@ -4145,15 +3925,15 @@
         </p:nvSpPr>
         <p:spPr>
           <a:xfrm>
-            <a:off x="457200" y="1600200"/>
-            <a:ext cx="8229240" cy="4525560"/>
-          </a:xfrm>
-          <a:prstGeom prst="rect">
-            <a:avLst/>
-          </a:prstGeom>
-        </p:spPr>
-        <p:txBody>
-          <a:bodyPr/>
+            <a:off x="457200" y="1604520"/>
+            <a:ext cx="8229240" cy="3977280"/>
+          </a:xfrm>
+          <a:prstGeom prst="rect">
+            <a:avLst/>
+          </a:prstGeom>
+        </p:spPr>
+        <p:txBody>
+          <a:bodyPr lIns="0" rIns="0" tIns="0" bIns="0"/>
           <a:p>
             <a:pPr marL="432000" indent="-324000">
               <a:buClr>
@@ -4164,7 +3944,7 @@
               <a:buChar char=""/>
             </a:pPr>
             <a:r>
-              <a:rPr b="0" lang="en-US" sz="3200" spc="-1" strike="noStrike">
+              <a:rPr b="0" lang="en-GB" sz="3200" spc="-1" strike="noStrike">
                 <a:solidFill>
                   <a:srgbClr val="000000"/>
                 </a:solidFill>
@@ -4173,20 +3953,20 @@
                     <a:srgbClr val="ffffff"/>
                   </a:solidFill>
                 </a:uFill>
-                <a:latin typeface="Calibri"/>
+                <a:latin typeface="Arial"/>
               </a:rPr>
               <a:t>Click to edit the outline text format</a:t>
             </a:r>
-            <a:endParaRPr b="0" lang="en-US" sz="3200" spc="-1" strike="noStrike">
-              <a:solidFill>
-                <a:srgbClr val="000000"/>
-              </a:solidFill>
-              <a:uFill>
-                <a:solidFill>
-                  <a:srgbClr val="ffffff"/>
-                </a:solidFill>
-              </a:uFill>
-              <a:latin typeface="Calibri"/>
+            <a:endParaRPr b="0" lang="en-GB" sz="3200" spc="-1" strike="noStrike">
+              <a:solidFill>
+                <a:srgbClr val="000000"/>
+              </a:solidFill>
+              <a:uFill>
+                <a:solidFill>
+                  <a:srgbClr val="ffffff"/>
+                </a:solidFill>
+              </a:uFill>
+              <a:latin typeface="Arial"/>
             </a:endParaRPr>
           </a:p>
           <a:p>
@@ -4199,7 +3979,7 @@
               <a:buChar char=""/>
             </a:pPr>
             <a:r>
-              <a:rPr b="0" lang="en-US" sz="3200" spc="-1" strike="noStrike">
+              <a:rPr b="0" lang="en-GB" sz="2800" spc="-1" strike="noStrike">
                 <a:solidFill>
                   <a:srgbClr val="000000"/>
                 </a:solidFill>
@@ -4208,20 +3988,20 @@
                     <a:srgbClr val="ffffff"/>
                   </a:solidFill>
                 </a:uFill>
-                <a:latin typeface="Calibri"/>
+                <a:latin typeface="Arial"/>
               </a:rPr>
               <a:t>Second Outline Level</a:t>
             </a:r>
-            <a:endParaRPr b="0" lang="en-US" sz="3200" spc="-1" strike="noStrike">
-              <a:solidFill>
-                <a:srgbClr val="000000"/>
-              </a:solidFill>
-              <a:uFill>
-                <a:solidFill>
-                  <a:srgbClr val="ffffff"/>
-                </a:solidFill>
-              </a:uFill>
-              <a:latin typeface="Calibri"/>
+            <a:endParaRPr b="0" lang="en-GB" sz="2800" spc="-1" strike="noStrike">
+              <a:solidFill>
+                <a:srgbClr val="000000"/>
+              </a:solidFill>
+              <a:uFill>
+                <a:solidFill>
+                  <a:srgbClr val="ffffff"/>
+                </a:solidFill>
+              </a:uFill>
+              <a:latin typeface="Arial"/>
             </a:endParaRPr>
           </a:p>
           <a:p>
@@ -4234,7 +4014,7 @@
               <a:buChar char=""/>
             </a:pPr>
             <a:r>
-              <a:rPr b="0" lang="en-US" sz="3200" spc="-1" strike="noStrike">
+              <a:rPr b="0" lang="en-GB" sz="2400" spc="-1" strike="noStrike">
                 <a:solidFill>
                   <a:srgbClr val="000000"/>
                 </a:solidFill>
@@ -4243,20 +4023,20 @@
                     <a:srgbClr val="ffffff"/>
                   </a:solidFill>
                 </a:uFill>
-                <a:latin typeface="Calibri"/>
+                <a:latin typeface="Arial"/>
               </a:rPr>
               <a:t>Third Outline Level</a:t>
             </a:r>
-            <a:endParaRPr b="0" lang="en-US" sz="3200" spc="-1" strike="noStrike">
-              <a:solidFill>
-                <a:srgbClr val="000000"/>
-              </a:solidFill>
-              <a:uFill>
-                <a:solidFill>
-                  <a:srgbClr val="ffffff"/>
-                </a:solidFill>
-              </a:uFill>
-              <a:latin typeface="Calibri"/>
+            <a:endParaRPr b="0" lang="en-GB" sz="2400" spc="-1" strike="noStrike">
+              <a:solidFill>
+                <a:srgbClr val="000000"/>
+              </a:solidFill>
+              <a:uFill>
+                <a:solidFill>
+                  <a:srgbClr val="ffffff"/>
+                </a:solidFill>
+              </a:uFill>
+              <a:latin typeface="Arial"/>
             </a:endParaRPr>
           </a:p>
           <a:p>
@@ -4269,7 +4049,7 @@
               <a:buChar char=""/>
             </a:pPr>
             <a:r>
-              <a:rPr b="0" lang="en-US" sz="3200" spc="-1" strike="noStrike">
+              <a:rPr b="0" lang="en-GB" sz="2000" spc="-1" strike="noStrike">
                 <a:solidFill>
                   <a:srgbClr val="000000"/>
                 </a:solidFill>
@@ -4278,20 +4058,20 @@
                     <a:srgbClr val="ffffff"/>
                   </a:solidFill>
                 </a:uFill>
-                <a:latin typeface="Calibri"/>
+                <a:latin typeface="Arial"/>
               </a:rPr>
               <a:t>Fourth Outline Level</a:t>
             </a:r>
-            <a:endParaRPr b="0" lang="en-US" sz="3200" spc="-1" strike="noStrike">
-              <a:solidFill>
-                <a:srgbClr val="000000"/>
-              </a:solidFill>
-              <a:uFill>
-                <a:solidFill>
-                  <a:srgbClr val="ffffff"/>
-                </a:solidFill>
-              </a:uFill>
-              <a:latin typeface="Calibri"/>
+            <a:endParaRPr b="0" lang="en-GB" sz="2000" spc="-1" strike="noStrike">
+              <a:solidFill>
+                <a:srgbClr val="000000"/>
+              </a:solidFill>
+              <a:uFill>
+                <a:solidFill>
+                  <a:srgbClr val="ffffff"/>
+                </a:solidFill>
+              </a:uFill>
+              <a:latin typeface="Arial"/>
             </a:endParaRPr>
           </a:p>
           <a:p>
@@ -4304,7 +4084,7 @@
               <a:buChar char=""/>
             </a:pPr>
             <a:r>
-              <a:rPr b="0" lang="en-US" sz="3200" spc="-1" strike="noStrike">
+              <a:rPr b="0" lang="en-GB" sz="2000" spc="-1" strike="noStrike">
                 <a:solidFill>
                   <a:srgbClr val="000000"/>
                 </a:solidFill>
@@ -4313,20 +4093,20 @@
                     <a:srgbClr val="ffffff"/>
                   </a:solidFill>
                 </a:uFill>
-                <a:latin typeface="Calibri"/>
+                <a:latin typeface="Arial"/>
               </a:rPr>
               <a:t>Fifth Outline Level</a:t>
             </a:r>
-            <a:endParaRPr b="0" lang="en-US" sz="3200" spc="-1" strike="noStrike">
-              <a:solidFill>
-                <a:srgbClr val="000000"/>
-              </a:solidFill>
-              <a:uFill>
-                <a:solidFill>
-                  <a:srgbClr val="ffffff"/>
-                </a:solidFill>
-              </a:uFill>
-              <a:latin typeface="Calibri"/>
+            <a:endParaRPr b="0" lang="en-GB" sz="2000" spc="-1" strike="noStrike">
+              <a:solidFill>
+                <a:srgbClr val="000000"/>
+              </a:solidFill>
+              <a:uFill>
+                <a:solidFill>
+                  <a:srgbClr val="ffffff"/>
+                </a:solidFill>
+              </a:uFill>
+              <a:latin typeface="Arial"/>
             </a:endParaRPr>
           </a:p>
           <a:p>
@@ -4339,7 +4119,7 @@
               <a:buChar char=""/>
             </a:pPr>
             <a:r>
-              <a:rPr b="0" lang="en-US" sz="3200" spc="-1" strike="noStrike">
+              <a:rPr b="0" lang="en-GB" sz="2000" spc="-1" strike="noStrike">
                 <a:solidFill>
                   <a:srgbClr val="000000"/>
                 </a:solidFill>
@@ -4348,35 +4128,33 @@
                     <a:srgbClr val="ffffff"/>
                   </a:solidFill>
                 </a:uFill>
-                <a:latin typeface="Calibri"/>
+                <a:latin typeface="Arial"/>
               </a:rPr>
               <a:t>Sixth Outline Level</a:t>
             </a:r>
-            <a:endParaRPr b="0" lang="en-US" sz="3200" spc="-1" strike="noStrike">
-              <a:solidFill>
-                <a:srgbClr val="000000"/>
-              </a:solidFill>
-              <a:uFill>
-                <a:solidFill>
-                  <a:srgbClr val="ffffff"/>
-                </a:solidFill>
-              </a:uFill>
-              <a:latin typeface="Calibri"/>
-            </a:endParaRPr>
-          </a:p>
-          <a:p>
-            <a:pPr marL="343080" indent="-342720">
-              <a:lnSpc>
-                <a:spcPct val="100000"/>
-              </a:lnSpc>
+            <a:endParaRPr b="0" lang="en-GB" sz="2000" spc="-1" strike="noStrike">
+              <a:solidFill>
+                <a:srgbClr val="000000"/>
+              </a:solidFill>
+              <a:uFill>
+                <a:solidFill>
+                  <a:srgbClr val="ffffff"/>
+                </a:solidFill>
+              </a:uFill>
+              <a:latin typeface="Arial"/>
+            </a:endParaRPr>
+          </a:p>
+          <a:p>
+            <a:pPr lvl="6" marL="3024000" indent="-216000">
               <a:buClr>
                 <a:srgbClr val="000000"/>
               </a:buClr>
-              <a:buFont typeface="Arial"/>
-              <a:buChar char="•"/>
+              <a:buSzPct val="45000"/>
+              <a:buFont typeface="Wingdings" charset="2"/>
+              <a:buChar char=""/>
             </a:pPr>
             <a:r>
-              <a:rPr b="0" lang="en-US" sz="3200" spc="-1" strike="noStrike">
+              <a:rPr b="0" lang="en-GB" sz="2000" spc="-1" strike="noStrike">
                 <a:solidFill>
                   <a:srgbClr val="000000"/>
                 </a:solidFill>
@@ -4385,314 +4163,20 @@
                     <a:srgbClr val="ffffff"/>
                   </a:solidFill>
                 </a:uFill>
-                <a:latin typeface="Calibri"/>
+                <a:latin typeface="Arial"/>
               </a:rPr>
-              <a:t>Seventh Outline LevelClick to edit Master text styles</a:t>
+              <a:t>Seventh Outline Level</a:t>
             </a:r>
-            <a:endParaRPr b="0" lang="en-US" sz="3200" spc="-1" strike="noStrike">
-              <a:solidFill>
-                <a:srgbClr val="000000"/>
-              </a:solidFill>
-              <a:uFill>
-                <a:solidFill>
-                  <a:srgbClr val="ffffff"/>
-                </a:solidFill>
-              </a:uFill>
-              <a:latin typeface="Calibri"/>
-            </a:endParaRPr>
-          </a:p>
-          <a:p>
-            <a:pPr lvl="1" marL="743040" indent="-285480">
-              <a:lnSpc>
-                <a:spcPct val="100000"/>
-              </a:lnSpc>
-              <a:buClr>
-                <a:srgbClr val="000000"/>
-              </a:buClr>
-              <a:buFont typeface="Arial"/>
-              <a:buChar char="–"/>
-            </a:pPr>
-            <a:r>
-              <a:rPr b="0" lang="en-US" sz="2800" spc="-1" strike="noStrike">
-                <a:solidFill>
-                  <a:srgbClr val="000000"/>
-                </a:solidFill>
-                <a:uFill>
-                  <a:solidFill>
-                    <a:srgbClr val="ffffff"/>
-                  </a:solidFill>
-                </a:uFill>
-                <a:latin typeface="Calibri"/>
-              </a:rPr>
-              <a:t>Second level</a:t>
-            </a:r>
-            <a:endParaRPr b="0" lang="en-US" sz="3200" spc="-1" strike="noStrike">
-              <a:solidFill>
-                <a:srgbClr val="000000"/>
-              </a:solidFill>
-              <a:uFill>
-                <a:solidFill>
-                  <a:srgbClr val="ffffff"/>
-                </a:solidFill>
-              </a:uFill>
-              <a:latin typeface="Calibri"/>
-            </a:endParaRPr>
-          </a:p>
-          <a:p>
-            <a:pPr lvl="2" marL="1143000" indent="-228240">
-              <a:lnSpc>
-                <a:spcPct val="100000"/>
-              </a:lnSpc>
-              <a:buClr>
-                <a:srgbClr val="000000"/>
-              </a:buClr>
-              <a:buFont typeface="Arial"/>
-              <a:buChar char="•"/>
-            </a:pPr>
-            <a:r>
-              <a:rPr b="0" lang="en-US" sz="2400" spc="-1" strike="noStrike">
-                <a:solidFill>
-                  <a:srgbClr val="000000"/>
-                </a:solidFill>
-                <a:uFill>
-                  <a:solidFill>
-                    <a:srgbClr val="ffffff"/>
-                  </a:solidFill>
-                </a:uFill>
-                <a:latin typeface="Calibri"/>
-              </a:rPr>
-              <a:t>Third level</a:t>
-            </a:r>
-            <a:endParaRPr b="0" lang="en-US" sz="3200" spc="-1" strike="noStrike">
-              <a:solidFill>
-                <a:srgbClr val="000000"/>
-              </a:solidFill>
-              <a:uFill>
-                <a:solidFill>
-                  <a:srgbClr val="ffffff"/>
-                </a:solidFill>
-              </a:uFill>
-              <a:latin typeface="Calibri"/>
-            </a:endParaRPr>
-          </a:p>
-          <a:p>
-            <a:pPr lvl="3" marL="1600200" indent="-228240">
-              <a:lnSpc>
-                <a:spcPct val="100000"/>
-              </a:lnSpc>
-              <a:buClr>
-                <a:srgbClr val="000000"/>
-              </a:buClr>
-              <a:buFont typeface="Arial"/>
-              <a:buChar char="–"/>
-            </a:pPr>
-            <a:r>
-              <a:rPr b="0" lang="en-US" sz="2000" spc="-1" strike="noStrike">
-                <a:solidFill>
-                  <a:srgbClr val="000000"/>
-                </a:solidFill>
-                <a:uFill>
-                  <a:solidFill>
-                    <a:srgbClr val="ffffff"/>
-                  </a:solidFill>
-                </a:uFill>
-                <a:latin typeface="Calibri"/>
-              </a:rPr>
-              <a:t>Fourth level</a:t>
-            </a:r>
-            <a:endParaRPr b="0" lang="en-US" sz="3200" spc="-1" strike="noStrike">
-              <a:solidFill>
-                <a:srgbClr val="000000"/>
-              </a:solidFill>
-              <a:uFill>
-                <a:solidFill>
-                  <a:srgbClr val="ffffff"/>
-                </a:solidFill>
-              </a:uFill>
-              <a:latin typeface="Calibri"/>
-            </a:endParaRPr>
-          </a:p>
-          <a:p>
-            <a:pPr lvl="4" marL="2057400" indent="-228240">
-              <a:lnSpc>
-                <a:spcPct val="100000"/>
-              </a:lnSpc>
-              <a:buClr>
-                <a:srgbClr val="000000"/>
-              </a:buClr>
-              <a:buFont typeface="Arial"/>
-              <a:buChar char="»"/>
-            </a:pPr>
-            <a:r>
-              <a:rPr b="0" lang="en-US" sz="2000" spc="-1" strike="noStrike">
-                <a:solidFill>
-                  <a:srgbClr val="000000"/>
-                </a:solidFill>
-                <a:uFill>
-                  <a:solidFill>
-                    <a:srgbClr val="ffffff"/>
-                  </a:solidFill>
-                </a:uFill>
-                <a:latin typeface="Calibri"/>
-              </a:rPr>
-              <a:t>Fifth level</a:t>
-            </a:r>
-            <a:endParaRPr b="0" lang="en-US" sz="3200" spc="-1" strike="noStrike">
-              <a:solidFill>
-                <a:srgbClr val="000000"/>
-              </a:solidFill>
-              <a:uFill>
-                <a:solidFill>
-                  <a:srgbClr val="ffffff"/>
-                </a:solidFill>
-              </a:uFill>
-              <a:latin typeface="Calibri"/>
-            </a:endParaRPr>
-          </a:p>
-        </p:txBody>
-      </p:sp>
-      <p:sp>
-        <p:nvSpPr>
-          <p:cNvPr id="41" name="PlaceHolder 3"/>
-          <p:cNvSpPr>
-            <a:spLocks noGrp="1"/>
-          </p:cNvSpPr>
-          <p:nvPr>
-            <p:ph type="dt"/>
-          </p:nvPr>
-        </p:nvSpPr>
-        <p:spPr>
-          <a:xfrm>
-            <a:off x="457200" y="6356520"/>
-            <a:ext cx="2133360" cy="364680"/>
-          </a:xfrm>
-          <a:prstGeom prst="rect">
-            <a:avLst/>
-          </a:prstGeom>
-        </p:spPr>
-        <p:txBody>
-          <a:bodyPr anchor="ctr"/>
-          <a:p>
-            <a:pPr>
-              <a:lnSpc>
-                <a:spcPct val="100000"/>
-              </a:lnSpc>
-            </a:pPr>
-            <a:r>
-              <a:rPr b="0" lang="en-GB" sz="1200" spc="-1" strike="noStrike">
-                <a:solidFill>
-                  <a:srgbClr val="8b8b8b"/>
-                </a:solidFill>
-                <a:uFill>
-                  <a:solidFill>
-                    <a:srgbClr val="ffffff"/>
-                  </a:solidFill>
-                </a:uFill>
-                <a:latin typeface="Calibri"/>
-              </a:rPr>
-              <a:t>20/08/17</a:t>
-            </a:r>
-            <a:endParaRPr b="0" lang="en-GB" sz="1400" spc="-1" strike="noStrike">
-              <a:solidFill>
-                <a:srgbClr val="000000"/>
-              </a:solidFill>
-              <a:uFill>
-                <a:solidFill>
-                  <a:srgbClr val="ffffff"/>
-                </a:solidFill>
-              </a:uFill>
-              <a:latin typeface="Times New Roman"/>
-            </a:endParaRPr>
-          </a:p>
-        </p:txBody>
-      </p:sp>
-      <p:sp>
-        <p:nvSpPr>
-          <p:cNvPr id="42" name="PlaceHolder 4"/>
-          <p:cNvSpPr>
-            <a:spLocks noGrp="1"/>
-          </p:cNvSpPr>
-          <p:nvPr>
-            <p:ph type="ftr"/>
-          </p:nvPr>
-        </p:nvSpPr>
-        <p:spPr>
-          <a:xfrm>
-            <a:off x="3124080" y="6356520"/>
-            <a:ext cx="2895120" cy="364680"/>
-          </a:xfrm>
-          <a:prstGeom prst="rect">
-            <a:avLst/>
-          </a:prstGeom>
-        </p:spPr>
-        <p:txBody>
-          <a:bodyPr anchor="ctr"/>
-          <a:p>
-            <a:endParaRPr b="0" lang="en-GB" sz="2400" spc="-1" strike="noStrike">
-              <a:solidFill>
-                <a:srgbClr val="000000"/>
-              </a:solidFill>
-              <a:uFill>
-                <a:solidFill>
-                  <a:srgbClr val="ffffff"/>
-                </a:solidFill>
-              </a:uFill>
-              <a:latin typeface="Times New Roman"/>
-            </a:endParaRPr>
-          </a:p>
-        </p:txBody>
-      </p:sp>
-      <p:sp>
-        <p:nvSpPr>
-          <p:cNvPr id="43" name="PlaceHolder 5"/>
-          <p:cNvSpPr>
-            <a:spLocks noGrp="1"/>
-          </p:cNvSpPr>
-          <p:nvPr>
-            <p:ph type="sldNum"/>
-          </p:nvPr>
-        </p:nvSpPr>
-        <p:spPr>
-          <a:xfrm>
-            <a:off x="6553080" y="6356520"/>
-            <a:ext cx="2133360" cy="364680"/>
-          </a:xfrm>
-          <a:prstGeom prst="rect">
-            <a:avLst/>
-          </a:prstGeom>
-        </p:spPr>
-        <p:txBody>
-          <a:bodyPr anchor="ctr"/>
-          <a:p>
-            <a:pPr algn="r">
-              <a:lnSpc>
-                <a:spcPct val="100000"/>
-              </a:lnSpc>
-            </a:pPr>
-            <a:fld id="{A687CA16-81AD-4D2C-B315-F34940D8B25C}" type="slidenum">
-              <a:rPr b="0" lang="en-GB" sz="1200" spc="-1" strike="noStrike">
-                <a:solidFill>
-                  <a:srgbClr val="8b8b8b"/>
-                </a:solidFill>
-                <a:uFill>
-                  <a:solidFill>
-                    <a:srgbClr val="ffffff"/>
-                  </a:solidFill>
-                </a:uFill>
-                <a:latin typeface="Calibri"/>
-              </a:rPr>
-              <a:t>&lt;number&gt;</a:t>
-            </a:fld>
-            <a:endParaRPr b="0" lang="en-GB" sz="1400" spc="-1" strike="noStrike">
-              <a:solidFill>
-                <a:srgbClr val="000000"/>
-              </a:solidFill>
-              <a:uFill>
-                <a:solidFill>
-                  <a:srgbClr val="ffffff"/>
-                </a:solidFill>
-              </a:uFill>
-              <a:latin typeface="Times New Roman"/>
+            <a:endParaRPr b="0" lang="en-GB" sz="2000" spc="-1" strike="noStrike">
+              <a:solidFill>
+                <a:srgbClr val="000000"/>
+              </a:solidFill>
+              <a:uFill>
+                <a:solidFill>
+                  <a:srgbClr val="ffffff"/>
+                </a:solidFill>
+              </a:uFill>
+              <a:latin typeface="Arial"/>
             </a:endParaRPr>
           </a:p>
         </p:txBody>
@@ -4736,14 +4220,14 @@
       </p:grpSpPr>
       <p:sp>
         <p:nvSpPr>
-          <p:cNvPr id="83" name="TextShape 1"/>
-          <p:cNvSpPr txBox="1"/>
+          <p:cNvPr id="77" name="CustomShape 1"/>
+          <p:cNvSpPr/>
           <p:nvPr/>
         </p:nvSpPr>
         <p:spPr>
           <a:xfrm>
             <a:off x="611640" y="2130480"/>
-            <a:ext cx="7920360" cy="1469520"/>
+            <a:ext cx="7919640" cy="1468800"/>
           </a:xfrm>
           <a:prstGeom prst="rect">
             <a:avLst/>
@@ -4753,8 +4237,43 @@
             <a:noFill/>
           </a:ln>
         </p:spPr>
-        <p:txBody>
-          <a:bodyPr anchor="ctr"/>
+        <p:style>
+          <a:lnRef idx="0"/>
+          <a:fillRef idx="0"/>
+          <a:effectRef idx="0"/>
+          <a:fontRef idx="minor"/>
+        </p:style>
+        <p:txBody>
+          <a:bodyPr lIns="90000" rIns="90000" tIns="45000" bIns="45000" anchor="ctr"/>
+          <a:p>
+            <a:pPr algn="ctr"/>
+            <a:r>
+              <a:rPr b="0" lang="en-GB" sz="4400" spc="-1" strike="noStrike">
+                <a:solidFill>
+                  <a:srgbClr val="000000"/>
+                </a:solidFill>
+                <a:uFill>
+                  <a:solidFill>
+                    <a:srgbClr val="ffffff"/>
+                  </a:solidFill>
+                </a:uFill>
+                <a:latin typeface="Calibri"/>
+                <a:ea typeface="DejaVu Sans"/>
+              </a:rPr>
+              <a:t>The Empathy Index</a:t>
+            </a:r>
+            <a:endParaRPr b="0" lang="en-GB" sz="1800" spc="-1" strike="noStrike">
+              <a:solidFill>
+                <a:srgbClr val="000000"/>
+              </a:solidFill>
+              <a:uFill>
+                <a:solidFill>
+                  <a:srgbClr val="ffffff"/>
+                </a:solidFill>
+              </a:uFill>
+              <a:latin typeface="Arial"/>
+            </a:endParaRPr>
+          </a:p>
           <a:p>
             <a:pPr algn="ctr">
               <a:lnSpc>
@@ -4762,7 +4281,7 @@
               </a:lnSpc>
             </a:pPr>
             <a:r>
-              <a:rPr b="0" lang="en-US" sz="4400" spc="-1" strike="noStrike">
+              <a:rPr b="0" lang="en-GB" sz="4000" spc="-1" strike="noStrike">
                 <a:solidFill>
                   <a:srgbClr val="000000"/>
                 </a:solidFill>
@@ -4772,62 +4291,34 @@
                   </a:solidFill>
                 </a:uFill>
                 <a:latin typeface="Calibri"/>
-              </a:rPr>
-              <a:t>The Empathy Index</a:t>
-            </a:r>
-            <a:r>
-              <a:rPr b="0" lang="en-US" sz="4400" spc="-1" strike="noStrike">
-                <a:solidFill>
-                  <a:srgbClr val="000000"/>
-                </a:solidFill>
-                <a:uFill>
-                  <a:solidFill>
-                    <a:srgbClr val="ffffff"/>
-                  </a:solidFill>
-                </a:uFill>
-                <a:latin typeface="Calibri"/>
-              </a:rPr>
-              <a:t>
-</a:t>
-            </a:r>
-            <a:r>
-              <a:rPr b="0" lang="en-US" sz="4000" spc="-1" strike="noStrike">
-                <a:solidFill>
-                  <a:srgbClr val="000000"/>
-                </a:solidFill>
-                <a:uFill>
-                  <a:solidFill>
-                    <a:srgbClr val="ffffff"/>
-                  </a:solidFill>
-                </a:uFill>
-                <a:latin typeface="Calibri"/>
+                <a:ea typeface="DejaVu Sans"/>
               </a:rPr>
               <a:t>(formerly known as The Happiness Index)</a:t>
             </a:r>
-            <a:endParaRPr b="0" lang="en-US" sz="1800" spc="-1" strike="noStrike">
-              <a:solidFill>
-                <a:srgbClr val="000000"/>
-              </a:solidFill>
-              <a:uFill>
-                <a:solidFill>
-                  <a:srgbClr val="ffffff"/>
-                </a:solidFill>
-              </a:uFill>
-              <a:latin typeface="Calibri"/>
-            </a:endParaRPr>
-          </a:p>
-        </p:txBody>
-      </p:sp>
-      <p:sp>
-        <p:nvSpPr>
-          <p:cNvPr id="84" name="TextShape 2"/>
-          <p:cNvSpPr txBox="1"/>
+            <a:endParaRPr b="0" lang="en-GB" sz="1800" spc="-1" strike="noStrike">
+              <a:solidFill>
+                <a:srgbClr val="000000"/>
+              </a:solidFill>
+              <a:uFill>
+                <a:solidFill>
+                  <a:srgbClr val="ffffff"/>
+                </a:solidFill>
+              </a:uFill>
+              <a:latin typeface="Arial"/>
+            </a:endParaRPr>
+          </a:p>
+        </p:txBody>
+      </p:sp>
+      <p:sp>
+        <p:nvSpPr>
+          <p:cNvPr id="78" name="CustomShape 2"/>
+          <p:cNvSpPr/>
           <p:nvPr/>
         </p:nvSpPr>
         <p:spPr>
           <a:xfrm>
             <a:off x="1371600" y="3861000"/>
-            <a:ext cx="6400440" cy="1777320"/>
+            <a:ext cx="6399720" cy="1776600"/>
           </a:xfrm>
           <a:prstGeom prst="rect">
             <a:avLst/>
@@ -4837,8 +4328,14 @@
             <a:noFill/>
           </a:ln>
         </p:spPr>
-        <p:txBody>
-          <a:bodyPr/>
+        <p:style>
+          <a:lnRef idx="0"/>
+          <a:fillRef idx="0"/>
+          <a:effectRef idx="0"/>
+          <a:fontRef idx="minor"/>
+        </p:style>
+        <p:txBody>
+          <a:bodyPr lIns="90000" rIns="90000" tIns="45000" bIns="45000"/>
           <a:p>
             <a:pPr algn="ctr">
               <a:lnSpc>
@@ -4856,10 +4353,11 @@
                   </a:solidFill>
                 </a:uFill>
                 <a:latin typeface="Calibri"/>
+                <a:ea typeface="DejaVu Sans"/>
               </a:rPr>
               <a:t>Jose Maria Veganzones</a:t>
             </a:r>
-            <a:endParaRPr b="0" lang="en-GB" sz="3200" spc="-1" strike="noStrike">
+            <a:endParaRPr b="0" lang="en-GB" sz="1800" spc="-1" strike="noStrike">
               <a:solidFill>
                 <a:srgbClr val="000000"/>
               </a:solidFill>
@@ -4888,10 +4386,11 @@
                   </a:solidFill>
                 </a:uFill>
                 <a:latin typeface="Calibri"/>
+                <a:ea typeface="DejaVu Sans"/>
               </a:rPr>
               <a:t>Niti M K.C.</a:t>
             </a:r>
-            <a:endParaRPr b="0" lang="en-GB" sz="3200" spc="-1" strike="noStrike">
+            <a:endParaRPr b="0" lang="en-GB" sz="1800" spc="-1" strike="noStrike">
               <a:solidFill>
                 <a:srgbClr val="000000"/>
               </a:solidFill>
@@ -4920,10 +4419,11 @@
                   </a:solidFill>
                 </a:uFill>
                 <a:latin typeface="Calibri"/>
+                <a:ea typeface="DejaVu Sans"/>
               </a:rPr>
               <a:t>Peter Labus</a:t>
             </a:r>
-            <a:endParaRPr b="0" lang="en-GB" sz="3200" spc="-1" strike="noStrike">
+            <a:endParaRPr b="0" lang="en-GB" sz="1800" spc="-1" strike="noStrike">
               <a:solidFill>
                 <a:srgbClr val="000000"/>
               </a:solidFill>
@@ -4952,10 +4452,11 @@
                   </a:solidFill>
                 </a:uFill>
                 <a:latin typeface="Calibri"/>
+                <a:ea typeface="DejaVu Sans"/>
               </a:rPr>
               <a:t>Nasr Kasrin</a:t>
             </a:r>
-            <a:endParaRPr b="0" lang="en-GB" sz="3200" spc="-1" strike="noStrike">
+            <a:endParaRPr b="0" lang="en-GB" sz="1800" spc="-1" strike="noStrike">
               <a:solidFill>
                 <a:srgbClr val="000000"/>
               </a:solidFill>
@@ -5020,14 +4521,14 @@
       </p:grpSpPr>
       <p:sp>
         <p:nvSpPr>
-          <p:cNvPr id="113" name="TextShape 1"/>
-          <p:cNvSpPr txBox="1"/>
+          <p:cNvPr id="107" name="CustomShape 1"/>
+          <p:cNvSpPr/>
           <p:nvPr/>
         </p:nvSpPr>
         <p:spPr>
           <a:xfrm>
             <a:off x="457200" y="274680"/>
-            <a:ext cx="8229240" cy="1142640"/>
+            <a:ext cx="8228520" cy="1141920"/>
           </a:xfrm>
           <a:prstGeom prst="rect">
             <a:avLst/>
@@ -5037,8 +4538,14 @@
             <a:noFill/>
           </a:ln>
         </p:spPr>
-        <p:txBody>
-          <a:bodyPr anchor="ctr"/>
+        <p:style>
+          <a:lnRef idx="0"/>
+          <a:fillRef idx="0"/>
+          <a:effectRef idx="0"/>
+          <a:fontRef idx="minor"/>
+        </p:style>
+        <p:txBody>
+          <a:bodyPr lIns="90000" rIns="90000" tIns="45000" bIns="45000" anchor="ctr"/>
           <a:p>
             <a:pPr algn="ctr">
               <a:lnSpc>
@@ -5046,7 +4553,7 @@
               </a:lnSpc>
             </a:pPr>
             <a:r>
-              <a:rPr b="0" lang="en-US" sz="4400" spc="-1" strike="noStrike">
+              <a:rPr b="0" lang="en-GB" sz="4400" spc="-1" strike="noStrike">
                 <a:solidFill>
                   <a:srgbClr val="000000"/>
                 </a:solidFill>
@@ -5056,33 +4563,34 @@
                   </a:solidFill>
                 </a:uFill>
                 <a:latin typeface="Calibri"/>
+                <a:ea typeface="DejaVu Sans"/>
               </a:rPr>
               <a:t>Temporal Graininess</a:t>
             </a:r>
-            <a:endParaRPr b="0" lang="en-US" sz="1800" spc="-1" strike="noStrike">
-              <a:solidFill>
-                <a:srgbClr val="000000"/>
-              </a:solidFill>
-              <a:uFill>
-                <a:solidFill>
-                  <a:srgbClr val="ffffff"/>
-                </a:solidFill>
-              </a:uFill>
-              <a:latin typeface="Calibri"/>
-            </a:endParaRPr>
-          </a:p>
-        </p:txBody>
-      </p:sp>
-      <p:sp>
-        <p:nvSpPr>
-          <p:cNvPr id="114" name="TextShape 2"/>
-          <p:cNvSpPr txBox="1"/>
+            <a:endParaRPr b="0" lang="en-GB" sz="1800" spc="-1" strike="noStrike">
+              <a:solidFill>
+                <a:srgbClr val="000000"/>
+              </a:solidFill>
+              <a:uFill>
+                <a:solidFill>
+                  <a:srgbClr val="ffffff"/>
+                </a:solidFill>
+              </a:uFill>
+              <a:latin typeface="Arial"/>
+            </a:endParaRPr>
+          </a:p>
+        </p:txBody>
+      </p:sp>
+      <p:sp>
+        <p:nvSpPr>
+          <p:cNvPr id="108" name="CustomShape 2"/>
+          <p:cNvSpPr/>
           <p:nvPr/>
         </p:nvSpPr>
         <p:spPr>
           <a:xfrm>
             <a:off x="457200" y="1600200"/>
-            <a:ext cx="8229240" cy="4525560"/>
+            <a:ext cx="8228520" cy="4524840"/>
           </a:xfrm>
           <a:prstGeom prst="rect">
             <a:avLst/>
@@ -5092,26 +4600,16 @@
             <a:noFill/>
           </a:ln>
         </p:spPr>
-        <p:txBody>
-          <a:bodyPr/>
-          <a:p>
-            <a:endParaRPr b="0" lang="en-US" sz="3200" spc="-1" strike="noStrike">
-              <a:solidFill>
-                <a:srgbClr val="000000"/>
-              </a:solidFill>
-              <a:uFill>
-                <a:solidFill>
-                  <a:srgbClr val="ffffff"/>
-                </a:solidFill>
-              </a:uFill>
-              <a:latin typeface="Calibri"/>
-            </a:endParaRPr>
-          </a:p>
-        </p:txBody>
+        <p:style>
+          <a:lnRef idx="0"/>
+          <a:fillRef idx="0"/>
+          <a:effectRef idx="0"/>
+          <a:fontRef idx="minor"/>
+        </p:style>
       </p:sp>
       <p:pic>
         <p:nvPicPr>
-          <p:cNvPr id="115" name="Picture 2" descr=""/>
+          <p:cNvPr id="109" name="Picture 2" descr=""/>
           <p:cNvPicPr/>
           <p:nvPr/>
         </p:nvPicPr>
@@ -5122,7 +4620,7 @@
         <p:spPr>
           <a:xfrm>
             <a:off x="971640" y="2626920"/>
-            <a:ext cx="7352280" cy="1755720"/>
+            <a:ext cx="7351560" cy="1755000"/>
           </a:xfrm>
           <a:prstGeom prst="rect">
             <a:avLst/>
@@ -5183,14 +4681,14 @@
       </p:grpSpPr>
       <p:sp>
         <p:nvSpPr>
-          <p:cNvPr id="116" name="TextShape 1"/>
-          <p:cNvSpPr txBox="1"/>
+          <p:cNvPr id="110" name="CustomShape 1"/>
+          <p:cNvSpPr/>
           <p:nvPr/>
         </p:nvSpPr>
         <p:spPr>
           <a:xfrm>
             <a:off x="457200" y="274680"/>
-            <a:ext cx="8229240" cy="1142640"/>
+            <a:ext cx="8228520" cy="1141920"/>
           </a:xfrm>
           <a:prstGeom prst="rect">
             <a:avLst/>
@@ -5200,8 +4698,14 @@
             <a:noFill/>
           </a:ln>
         </p:spPr>
-        <p:txBody>
-          <a:bodyPr anchor="ctr"/>
+        <p:style>
+          <a:lnRef idx="0"/>
+          <a:fillRef idx="0"/>
+          <a:effectRef idx="0"/>
+          <a:fontRef idx="minor"/>
+        </p:style>
+        <p:txBody>
+          <a:bodyPr lIns="90000" rIns="90000" tIns="45000" bIns="45000" anchor="ctr"/>
           <a:p>
             <a:pPr algn="ctr">
               <a:lnSpc>
@@ -5209,7 +4713,7 @@
               </a:lnSpc>
             </a:pPr>
             <a:r>
-              <a:rPr b="0" lang="en-US" sz="4400" spc="-1" strike="noStrike">
+              <a:rPr b="0" lang="en-GB" sz="4400" spc="-1" strike="noStrike">
                 <a:solidFill>
                   <a:srgbClr val="000000"/>
                 </a:solidFill>
@@ -5219,33 +4723,34 @@
                   </a:solidFill>
                 </a:uFill>
                 <a:latin typeface="Calibri"/>
+                <a:ea typeface="DejaVu Sans"/>
               </a:rPr>
               <a:t>Future Work</a:t>
             </a:r>
-            <a:endParaRPr b="0" lang="en-US" sz="1800" spc="-1" strike="noStrike">
-              <a:solidFill>
-                <a:srgbClr val="000000"/>
-              </a:solidFill>
-              <a:uFill>
-                <a:solidFill>
-                  <a:srgbClr val="ffffff"/>
-                </a:solidFill>
-              </a:uFill>
-              <a:latin typeface="Calibri"/>
-            </a:endParaRPr>
-          </a:p>
-        </p:txBody>
-      </p:sp>
-      <p:sp>
-        <p:nvSpPr>
-          <p:cNvPr id="117" name="TextShape 2"/>
-          <p:cNvSpPr txBox="1"/>
+            <a:endParaRPr b="0" lang="en-GB" sz="1800" spc="-1" strike="noStrike">
+              <a:solidFill>
+                <a:srgbClr val="000000"/>
+              </a:solidFill>
+              <a:uFill>
+                <a:solidFill>
+                  <a:srgbClr val="ffffff"/>
+                </a:solidFill>
+              </a:uFill>
+              <a:latin typeface="Arial"/>
+            </a:endParaRPr>
+          </a:p>
+        </p:txBody>
+      </p:sp>
+      <p:sp>
+        <p:nvSpPr>
+          <p:cNvPr id="111" name="CustomShape 2"/>
+          <p:cNvSpPr/>
           <p:nvPr/>
         </p:nvSpPr>
         <p:spPr>
           <a:xfrm>
             <a:off x="457200" y="1600200"/>
-            <a:ext cx="8229240" cy="4525560"/>
+            <a:ext cx="8228520" cy="4524840"/>
           </a:xfrm>
           <a:prstGeom prst="rect">
             <a:avLst/>
@@ -5255,10 +4760,16 @@
             <a:noFill/>
           </a:ln>
         </p:spPr>
-        <p:txBody>
-          <a:bodyPr/>
-          <a:p>
-            <a:pPr marL="343080" indent="-342720">
+        <p:style>
+          <a:lnRef idx="0"/>
+          <a:fillRef idx="0"/>
+          <a:effectRef idx="0"/>
+          <a:fontRef idx="minor"/>
+        </p:style>
+        <p:txBody>
+          <a:bodyPr lIns="90000" rIns="90000" tIns="45000" bIns="45000"/>
+          <a:p>
+            <a:pPr marL="343080" indent="-342000">
               <a:lnSpc>
                 <a:spcPct val="100000"/>
               </a:lnSpc>
@@ -5269,7 +4780,7 @@
               <a:buChar char="•"/>
             </a:pPr>
             <a:r>
-              <a:rPr b="0" lang="en-US" sz="3200" spc="-1" strike="noStrike">
+              <a:rPr b="0" lang="en-GB" sz="3200" spc="-1" strike="noStrike">
                 <a:solidFill>
                   <a:srgbClr val="000000"/>
                 </a:solidFill>
@@ -5279,19 +4790,20 @@
                   </a:solidFill>
                 </a:uFill>
                 <a:latin typeface="Calibri"/>
+                <a:ea typeface="DejaVu Sans"/>
               </a:rPr>
               <a:t>Integrating social media feeds</a:t>
             </a:r>
-            <a:endParaRPr b="0" lang="en-US" sz="3200" spc="-1" strike="noStrike">
-              <a:solidFill>
-                <a:srgbClr val="000000"/>
-              </a:solidFill>
-              <a:uFill>
-                <a:solidFill>
-                  <a:srgbClr val="ffffff"/>
-                </a:solidFill>
-              </a:uFill>
-              <a:latin typeface="Calibri"/>
+            <a:endParaRPr b="0" lang="en-GB" sz="1800" spc="-1" strike="noStrike">
+              <a:solidFill>
+                <a:srgbClr val="000000"/>
+              </a:solidFill>
+              <a:uFill>
+                <a:solidFill>
+                  <a:srgbClr val="ffffff"/>
+                </a:solidFill>
+              </a:uFill>
+              <a:latin typeface="Arial"/>
             </a:endParaRPr>
           </a:p>
           <a:p>
@@ -5300,20 +4812,20 @@
                 <a:spcPct val="100000"/>
               </a:lnSpc>
             </a:pPr>
-            <a:endParaRPr b="0" lang="en-US" sz="3200" spc="-1" strike="noStrike">
-              <a:solidFill>
-                <a:srgbClr val="000000"/>
-              </a:solidFill>
-              <a:uFill>
-                <a:solidFill>
-                  <a:srgbClr val="ffffff"/>
-                </a:solidFill>
-              </a:uFill>
-              <a:latin typeface="Calibri"/>
-            </a:endParaRPr>
-          </a:p>
-          <a:p>
-            <a:pPr marL="343080" indent="-342720">
+            <a:endParaRPr b="0" lang="en-GB" sz="1800" spc="-1" strike="noStrike">
+              <a:solidFill>
+                <a:srgbClr val="000000"/>
+              </a:solidFill>
+              <a:uFill>
+                <a:solidFill>
+                  <a:srgbClr val="ffffff"/>
+                </a:solidFill>
+              </a:uFill>
+              <a:latin typeface="Arial"/>
+            </a:endParaRPr>
+          </a:p>
+          <a:p>
+            <a:pPr marL="343080" indent="-342000">
               <a:lnSpc>
                 <a:spcPct val="100000"/>
               </a:lnSpc>
@@ -5324,7 +4836,7 @@
               <a:buChar char="•"/>
             </a:pPr>
             <a:r>
-              <a:rPr b="0" lang="en-US" sz="3200" spc="-1" strike="noStrike">
+              <a:rPr b="0" lang="en-GB" sz="3200" spc="-1" strike="noStrike">
                 <a:solidFill>
                   <a:srgbClr val="000000"/>
                 </a:solidFill>
@@ -5334,23 +4846,24 @@
                   </a:solidFill>
                 </a:uFill>
                 <a:latin typeface="Calibri"/>
+                <a:ea typeface="DejaVu Sans"/>
               </a:rPr>
               <a:t>More levels of graininess</a:t>
             </a:r>
-            <a:endParaRPr b="0" lang="en-US" sz="3200" spc="-1" strike="noStrike">
-              <a:solidFill>
-                <a:srgbClr val="000000"/>
-              </a:solidFill>
-              <a:uFill>
-                <a:solidFill>
-                  <a:srgbClr val="ffffff"/>
-                </a:solidFill>
-              </a:uFill>
-              <a:latin typeface="Calibri"/>
-            </a:endParaRPr>
-          </a:p>
-          <a:p>
-            <a:pPr lvl="1" marL="743040" indent="-285480">
+            <a:endParaRPr b="0" lang="en-GB" sz="1800" spc="-1" strike="noStrike">
+              <a:solidFill>
+                <a:srgbClr val="000000"/>
+              </a:solidFill>
+              <a:uFill>
+                <a:solidFill>
+                  <a:srgbClr val="ffffff"/>
+                </a:solidFill>
+              </a:uFill>
+              <a:latin typeface="Arial"/>
+            </a:endParaRPr>
+          </a:p>
+          <a:p>
+            <a:pPr lvl="1" marL="743040" indent="-284760">
               <a:lnSpc>
                 <a:spcPct val="100000"/>
               </a:lnSpc>
@@ -5361,7 +4874,7 @@
               <a:buChar char="–"/>
             </a:pPr>
             <a:r>
-              <a:rPr b="0" lang="en-US" sz="2800" spc="-1" strike="noStrike">
+              <a:rPr b="0" lang="en-GB" sz="2800" spc="-1" strike="noStrike">
                 <a:solidFill>
                   <a:srgbClr val="000000"/>
                 </a:solidFill>
@@ -5371,23 +4884,24 @@
                   </a:solidFill>
                 </a:uFill>
                 <a:latin typeface="Calibri"/>
+                <a:ea typeface="DejaVu Sans"/>
               </a:rPr>
               <a:t>by continent, by country, by city</a:t>
             </a:r>
-            <a:endParaRPr b="0" lang="en-US" sz="2400" spc="-1" strike="noStrike">
-              <a:solidFill>
-                <a:srgbClr val="000000"/>
-              </a:solidFill>
-              <a:uFill>
-                <a:solidFill>
-                  <a:srgbClr val="ffffff"/>
-                </a:solidFill>
-              </a:uFill>
-              <a:latin typeface="Calibri"/>
-            </a:endParaRPr>
-          </a:p>
-          <a:p>
-            <a:pPr lvl="1" marL="743040" indent="-285480">
+            <a:endParaRPr b="0" lang="en-GB" sz="1800" spc="-1" strike="noStrike">
+              <a:solidFill>
+                <a:srgbClr val="000000"/>
+              </a:solidFill>
+              <a:uFill>
+                <a:solidFill>
+                  <a:srgbClr val="ffffff"/>
+                </a:solidFill>
+              </a:uFill>
+              <a:latin typeface="Arial"/>
+            </a:endParaRPr>
+          </a:p>
+          <a:p>
+            <a:pPr lvl="1" marL="743040" indent="-284760">
               <a:lnSpc>
                 <a:spcPct val="100000"/>
               </a:lnSpc>
@@ -5398,7 +4912,7 @@
               <a:buChar char="–"/>
             </a:pPr>
             <a:r>
-              <a:rPr b="0" lang="en-US" sz="2800" spc="-1" strike="noStrike">
+              <a:rPr b="0" lang="en-GB" sz="2800" spc="-1" strike="noStrike">
                 <a:solidFill>
                   <a:srgbClr val="000000"/>
                 </a:solidFill>
@@ -5408,19 +4922,20 @@
                   </a:solidFill>
                 </a:uFill>
                 <a:latin typeface="Calibri"/>
+                <a:ea typeface="DejaVu Sans"/>
               </a:rPr>
               <a:t>By day, week, month</a:t>
             </a:r>
-            <a:endParaRPr b="0" lang="en-US" sz="2400" spc="-1" strike="noStrike">
-              <a:solidFill>
-                <a:srgbClr val="000000"/>
-              </a:solidFill>
-              <a:uFill>
-                <a:solidFill>
-                  <a:srgbClr val="ffffff"/>
-                </a:solidFill>
-              </a:uFill>
-              <a:latin typeface="Calibri"/>
+            <a:endParaRPr b="0" lang="en-GB" sz="1800" spc="-1" strike="noStrike">
+              <a:solidFill>
+                <a:srgbClr val="000000"/>
+              </a:solidFill>
+              <a:uFill>
+                <a:solidFill>
+                  <a:srgbClr val="ffffff"/>
+                </a:solidFill>
+              </a:uFill>
+              <a:latin typeface="Arial"/>
             </a:endParaRPr>
           </a:p>
           <a:p>
@@ -5429,20 +4944,20 @@
                 <a:spcPct val="100000"/>
               </a:lnSpc>
             </a:pPr>
-            <a:endParaRPr b="0" lang="en-US" sz="3200" spc="-1" strike="noStrike">
-              <a:solidFill>
-                <a:srgbClr val="000000"/>
-              </a:solidFill>
-              <a:uFill>
-                <a:solidFill>
-                  <a:srgbClr val="ffffff"/>
-                </a:solidFill>
-              </a:uFill>
-              <a:latin typeface="Calibri"/>
-            </a:endParaRPr>
-          </a:p>
-          <a:p>
-            <a:pPr marL="343080" indent="-342720">
+            <a:endParaRPr b="0" lang="en-GB" sz="1800" spc="-1" strike="noStrike">
+              <a:solidFill>
+                <a:srgbClr val="000000"/>
+              </a:solidFill>
+              <a:uFill>
+                <a:solidFill>
+                  <a:srgbClr val="ffffff"/>
+                </a:solidFill>
+              </a:uFill>
+              <a:latin typeface="Arial"/>
+            </a:endParaRPr>
+          </a:p>
+          <a:p>
+            <a:pPr marL="343080" indent="-342000">
               <a:lnSpc>
                 <a:spcPct val="100000"/>
               </a:lnSpc>
@@ -5453,7 +4968,7 @@
               <a:buChar char="•"/>
             </a:pPr>
             <a:r>
-              <a:rPr b="0" lang="en-US" sz="3200" spc="-1" strike="noStrike">
+              <a:rPr b="0" lang="en-GB" sz="3200" spc="-1" strike="noStrike">
                 <a:solidFill>
                   <a:srgbClr val="000000"/>
                 </a:solidFill>
@@ -5463,19 +4978,20 @@
                   </a:solidFill>
                 </a:uFill>
                 <a:latin typeface="Calibri"/>
+                <a:ea typeface="DejaVu Sans"/>
               </a:rPr>
               <a:t>Filter by type of events</a:t>
             </a:r>
-            <a:endParaRPr b="0" lang="en-US" sz="3200" spc="-1" strike="noStrike">
-              <a:solidFill>
-                <a:srgbClr val="000000"/>
-              </a:solidFill>
-              <a:uFill>
-                <a:solidFill>
-                  <a:srgbClr val="ffffff"/>
-                </a:solidFill>
-              </a:uFill>
-              <a:latin typeface="Calibri"/>
+            <a:endParaRPr b="0" lang="en-GB" sz="1800" spc="-1" strike="noStrike">
+              <a:solidFill>
+                <a:srgbClr val="000000"/>
+              </a:solidFill>
+              <a:uFill>
+                <a:solidFill>
+                  <a:srgbClr val="ffffff"/>
+                </a:solidFill>
+              </a:uFill>
+              <a:latin typeface="Arial"/>
             </a:endParaRPr>
           </a:p>
         </p:txBody>
@@ -5531,14 +5047,14 @@
       </p:grpSpPr>
       <p:sp>
         <p:nvSpPr>
-          <p:cNvPr id="85" name="TextShape 1"/>
-          <p:cNvSpPr txBox="1"/>
+          <p:cNvPr id="79" name="CustomShape 1"/>
+          <p:cNvSpPr/>
           <p:nvPr/>
         </p:nvSpPr>
         <p:spPr>
           <a:xfrm>
             <a:off x="457200" y="274680"/>
-            <a:ext cx="8229240" cy="1142640"/>
+            <a:ext cx="8228520" cy="1141920"/>
           </a:xfrm>
           <a:prstGeom prst="rect">
             <a:avLst/>
@@ -5548,8 +5064,14 @@
             <a:noFill/>
           </a:ln>
         </p:spPr>
-        <p:txBody>
-          <a:bodyPr anchor="ctr"/>
+        <p:style>
+          <a:lnRef idx="0"/>
+          <a:fillRef idx="0"/>
+          <a:effectRef idx="0"/>
+          <a:fontRef idx="minor"/>
+        </p:style>
+        <p:txBody>
+          <a:bodyPr lIns="90000" rIns="90000" tIns="45000" bIns="45000" anchor="ctr"/>
           <a:p>
             <a:pPr algn="ctr">
               <a:lnSpc>
@@ -5557,7 +5079,7 @@
               </a:lnSpc>
             </a:pPr>
             <a:r>
-              <a:rPr b="0" lang="en-US" sz="4400" spc="-1" strike="noStrike">
+              <a:rPr b="0" lang="en-GB" sz="4400" spc="-1" strike="noStrike">
                 <a:solidFill>
                   <a:srgbClr val="000000"/>
                 </a:solidFill>
@@ -5567,33 +5089,34 @@
                   </a:solidFill>
                 </a:uFill>
                 <a:latin typeface="Calibri"/>
+                <a:ea typeface="DejaVu Sans"/>
               </a:rPr>
               <a:t>The Team</a:t>
             </a:r>
-            <a:endParaRPr b="0" lang="en-US" sz="1800" spc="-1" strike="noStrike">
-              <a:solidFill>
-                <a:srgbClr val="000000"/>
-              </a:solidFill>
-              <a:uFill>
-                <a:solidFill>
-                  <a:srgbClr val="ffffff"/>
-                </a:solidFill>
-              </a:uFill>
-              <a:latin typeface="Calibri"/>
-            </a:endParaRPr>
-          </a:p>
-        </p:txBody>
-      </p:sp>
-      <p:sp>
-        <p:nvSpPr>
-          <p:cNvPr id="86" name="CustomShape 2"/>
+            <a:endParaRPr b="0" lang="en-GB" sz="1800" spc="-1" strike="noStrike">
+              <a:solidFill>
+                <a:srgbClr val="000000"/>
+              </a:solidFill>
+              <a:uFill>
+                <a:solidFill>
+                  <a:srgbClr val="ffffff"/>
+                </a:solidFill>
+              </a:uFill>
+              <a:latin typeface="Arial"/>
+            </a:endParaRPr>
+          </a:p>
+        </p:txBody>
+      </p:sp>
+      <p:sp>
+        <p:nvSpPr>
+          <p:cNvPr id="80" name="CustomShape 2"/>
           <p:cNvSpPr/>
           <p:nvPr/>
         </p:nvSpPr>
         <p:spPr>
           <a:xfrm>
-            <a:off x="5136480" y="1800000"/>
-            <a:ext cx="1991520" cy="1723680"/>
+            <a:off x="5040000" y="1584000"/>
+            <a:ext cx="1943640" cy="2447640"/>
           </a:xfrm>
           <a:prstGeom prst="rect">
             <a:avLst/>
@@ -5623,7 +5146,7 @@
       </p:sp>
       <p:pic>
         <p:nvPicPr>
-          <p:cNvPr id="87" name="Picture 2" descr=""/>
+          <p:cNvPr id="81" name="Picture 2" descr=""/>
           <p:cNvPicPr/>
           <p:nvPr/>
         </p:nvPicPr>
@@ -5634,7 +5157,7 @@
         <p:spPr>
           <a:xfrm>
             <a:off x="764280" y="1623240"/>
-            <a:ext cx="2161440" cy="2161440"/>
+            <a:ext cx="2160720" cy="2160720"/>
           </a:xfrm>
           <a:prstGeom prst="rect">
             <a:avLst/>
@@ -5646,14 +5169,14 @@
       </p:pic>
       <p:sp>
         <p:nvSpPr>
-          <p:cNvPr id="88" name="CustomShape 3"/>
+          <p:cNvPr id="82" name="CustomShape 3"/>
           <p:cNvSpPr/>
           <p:nvPr/>
         </p:nvSpPr>
         <p:spPr>
           <a:xfrm>
             <a:off x="3069360" y="1484640"/>
-            <a:ext cx="1438920" cy="2559240"/>
+            <a:ext cx="1438200" cy="2558520"/>
           </a:xfrm>
           <a:prstGeom prst="rect">
             <a:avLst/>
@@ -5688,6 +5211,7 @@
                   </a:solidFill>
                 </a:uFill>
                 <a:latin typeface="Calibri"/>
+                <a:ea typeface="DejaVu Sans"/>
               </a:rPr>
               <a:t>Physicist, high performance computing guru</a:t>
             </a:r>
@@ -5738,6 +5262,7 @@
                   </a:solidFill>
                 </a:uFill>
                 <a:latin typeface="Calibri"/>
+                <a:ea typeface="DejaVu Sans"/>
               </a:rPr>
               <a:t>Musician, doesn‘t like the slide</a:t>
             </a:r>
@@ -5757,14 +5282,14 @@
       </p:sp>
       <p:sp>
         <p:nvSpPr>
-          <p:cNvPr id="89" name="CustomShape 4"/>
+          <p:cNvPr id="83" name="CustomShape 4"/>
           <p:cNvSpPr/>
           <p:nvPr/>
         </p:nvSpPr>
         <p:spPr>
           <a:xfrm>
             <a:off x="7318800" y="1757880"/>
-            <a:ext cx="1438920" cy="2010600"/>
+            <a:ext cx="1438200" cy="2009880"/>
           </a:xfrm>
           <a:prstGeom prst="rect">
             <a:avLst/>
@@ -5799,6 +5324,7 @@
                   </a:solidFill>
                 </a:uFill>
                 <a:latin typeface="Calibri"/>
+                <a:ea typeface="DejaVu Sans"/>
               </a:rPr>
               <a:t>multi-disciplinary  quantitative social scientist / </a:t>
             </a:r>
@@ -5813,6 +5339,7 @@
                   </a:solidFill>
                 </a:uFill>
                 <a:latin typeface="Calibri"/>
+                <a:ea typeface="DejaVu Sans"/>
               </a:rPr>
               <a:t>likes the slide but afraid</a:t>
             </a:r>
@@ -5832,14 +5359,14 @@
       </p:sp>
       <p:sp>
         <p:nvSpPr>
-          <p:cNvPr id="90" name="CustomShape 5"/>
+          <p:cNvPr id="84" name="CustomShape 5"/>
           <p:cNvSpPr/>
           <p:nvPr/>
         </p:nvSpPr>
         <p:spPr>
           <a:xfrm>
             <a:off x="3142440" y="4437000"/>
-            <a:ext cx="1438920" cy="1736280"/>
+            <a:ext cx="1438200" cy="1735560"/>
           </a:xfrm>
           <a:prstGeom prst="rect">
             <a:avLst/>
@@ -5874,6 +5401,7 @@
                   </a:solidFill>
                 </a:uFill>
                 <a:latin typeface="Calibri"/>
+                <a:ea typeface="DejaVu Sans"/>
               </a:rPr>
               <a:t>Medical Doctor / wizard</a:t>
             </a:r>
@@ -5924,6 +5452,7 @@
                   </a:solidFill>
                 </a:uFill>
                 <a:latin typeface="Calibri"/>
+                <a:ea typeface="DejaVu Sans"/>
               </a:rPr>
               <a:t>probably a spy</a:t>
             </a:r>
@@ -5943,14 +5472,14 @@
       </p:sp>
       <p:sp>
         <p:nvSpPr>
-          <p:cNvPr id="91" name="CustomShape 6"/>
+          <p:cNvPr id="85" name="CustomShape 6"/>
           <p:cNvSpPr/>
           <p:nvPr/>
         </p:nvSpPr>
         <p:spPr>
           <a:xfrm>
             <a:off x="7246080" y="4509000"/>
-            <a:ext cx="1438920" cy="1461960"/>
+            <a:ext cx="1438200" cy="1461240"/>
           </a:xfrm>
           <a:prstGeom prst="rect">
             <a:avLst/>
@@ -5985,6 +5514,7 @@
                   </a:solidFill>
                 </a:uFill>
                 <a:latin typeface="Calibri"/>
+                <a:ea typeface="DejaVu Sans"/>
               </a:rPr>
               <a:t>Atypical computer scientist / Loud guy / likes the slide</a:t>
             </a:r>
@@ -6004,7 +5534,7 @@
       </p:sp>
       <p:pic>
         <p:nvPicPr>
-          <p:cNvPr id="92" name="Picture 5" descr=""/>
+          <p:cNvPr id="86" name="Picture 5" descr=""/>
           <p:cNvPicPr/>
           <p:nvPr/>
         </p:nvPicPr>
@@ -6016,7 +5546,7 @@
         <p:spPr>
           <a:xfrm>
             <a:off x="683640" y="4298760"/>
-            <a:ext cx="2323080" cy="2030760"/>
+            <a:ext cx="2322360" cy="2030040"/>
           </a:xfrm>
           <a:prstGeom prst="rect">
             <a:avLst/>
@@ -6028,7 +5558,7 @@
       </p:pic>
       <p:pic>
         <p:nvPicPr>
-          <p:cNvPr id="93" name="Picture 6" descr=""/>
+          <p:cNvPr id="87" name="Picture 6" descr=""/>
           <p:cNvPicPr/>
           <p:nvPr/>
         </p:nvPicPr>
@@ -6040,7 +5570,7 @@
         <p:spPr>
           <a:xfrm>
             <a:off x="5013720" y="4298760"/>
-            <a:ext cx="2073600" cy="2030760"/>
+            <a:ext cx="2072880" cy="2030040"/>
           </a:xfrm>
           <a:prstGeom prst="rect">
             <a:avLst/>
@@ -6101,14 +5631,14 @@
       </p:grpSpPr>
       <p:sp>
         <p:nvSpPr>
-          <p:cNvPr id="94" name="TextShape 1"/>
-          <p:cNvSpPr txBox="1"/>
+          <p:cNvPr id="88" name="CustomShape 1"/>
+          <p:cNvSpPr/>
           <p:nvPr/>
         </p:nvSpPr>
         <p:spPr>
           <a:xfrm>
             <a:off x="457200" y="274680"/>
-            <a:ext cx="8229240" cy="1142640"/>
+            <a:ext cx="8228520" cy="1141920"/>
           </a:xfrm>
           <a:prstGeom prst="rect">
             <a:avLst/>
@@ -6118,8 +5648,14 @@
             <a:noFill/>
           </a:ln>
         </p:spPr>
-        <p:txBody>
-          <a:bodyPr anchor="ctr"/>
+        <p:style>
+          <a:lnRef idx="0"/>
+          <a:fillRef idx="0"/>
+          <a:effectRef idx="0"/>
+          <a:fontRef idx="minor"/>
+        </p:style>
+        <p:txBody>
+          <a:bodyPr lIns="90000" rIns="90000" tIns="45000" bIns="45000" anchor="ctr"/>
           <a:p>
             <a:pPr algn="ctr">
               <a:lnSpc>
@@ -6127,7 +5663,7 @@
               </a:lnSpc>
             </a:pPr>
             <a:r>
-              <a:rPr b="0" lang="en-US" sz="4400" spc="-1" strike="noStrike">
+              <a:rPr b="0" lang="en-GB" sz="4400" spc="-1" strike="noStrike">
                 <a:solidFill>
                   <a:srgbClr val="000000"/>
                 </a:solidFill>
@@ -6137,33 +5673,34 @@
                   </a:solidFill>
                 </a:uFill>
                 <a:latin typeface="Calibri"/>
+                <a:ea typeface="DejaVu Sans"/>
               </a:rPr>
               <a:t>Our Initial Idea</a:t>
             </a:r>
-            <a:endParaRPr b="0" lang="en-US" sz="1800" spc="-1" strike="noStrike">
-              <a:solidFill>
-                <a:srgbClr val="000000"/>
-              </a:solidFill>
-              <a:uFill>
-                <a:solidFill>
-                  <a:srgbClr val="ffffff"/>
-                </a:solidFill>
-              </a:uFill>
-              <a:latin typeface="Calibri"/>
-            </a:endParaRPr>
-          </a:p>
-        </p:txBody>
-      </p:sp>
-      <p:sp>
-        <p:nvSpPr>
-          <p:cNvPr id="95" name="TextShape 2"/>
-          <p:cNvSpPr txBox="1"/>
+            <a:endParaRPr b="0" lang="en-GB" sz="1800" spc="-1" strike="noStrike">
+              <a:solidFill>
+                <a:srgbClr val="000000"/>
+              </a:solidFill>
+              <a:uFill>
+                <a:solidFill>
+                  <a:srgbClr val="ffffff"/>
+                </a:solidFill>
+              </a:uFill>
+              <a:latin typeface="Arial"/>
+            </a:endParaRPr>
+          </a:p>
+        </p:txBody>
+      </p:sp>
+      <p:sp>
+        <p:nvSpPr>
+          <p:cNvPr id="89" name="CustomShape 2"/>
+          <p:cNvSpPr/>
           <p:nvPr/>
         </p:nvSpPr>
         <p:spPr>
           <a:xfrm>
             <a:off x="457200" y="1600200"/>
-            <a:ext cx="8229240" cy="4852800"/>
+            <a:ext cx="8228520" cy="4852080"/>
           </a:xfrm>
           <a:prstGeom prst="rect">
             <a:avLst/>
@@ -6173,10 +5710,16 @@
             <a:noFill/>
           </a:ln>
         </p:spPr>
-        <p:txBody>
-          <a:bodyPr/>
-          <a:p>
-            <a:pPr marL="343080" indent="-342720">
+        <p:style>
+          <a:lnRef idx="0"/>
+          <a:fillRef idx="0"/>
+          <a:effectRef idx="0"/>
+          <a:fontRef idx="minor"/>
+        </p:style>
+        <p:txBody>
+          <a:bodyPr lIns="90000" rIns="90000" tIns="45000" bIns="45000"/>
+          <a:p>
+            <a:pPr marL="343080" indent="-342000">
               <a:lnSpc>
                 <a:spcPct val="100000"/>
               </a:lnSpc>
@@ -6187,7 +5730,7 @@
               <a:buChar char="•"/>
             </a:pPr>
             <a:r>
-              <a:rPr b="0" lang="en-US" sz="3200" spc="-1" strike="noStrike">
+              <a:rPr b="0" lang="en-GB" sz="3200" spc="-1" strike="noStrike">
                 <a:solidFill>
                   <a:srgbClr val="000000"/>
                 </a:solidFill>
@@ -6197,19 +5740,20 @@
                   </a:solidFill>
                 </a:uFill>
                 <a:latin typeface="Calibri"/>
+                <a:ea typeface="DejaVu Sans"/>
               </a:rPr>
               <a:t>Patterns of music releases during post-war era</a:t>
             </a:r>
-            <a:endParaRPr b="0" lang="en-US" sz="3200" spc="-1" strike="noStrike">
-              <a:solidFill>
-                <a:srgbClr val="000000"/>
-              </a:solidFill>
-              <a:uFill>
-                <a:solidFill>
-                  <a:srgbClr val="ffffff"/>
-                </a:solidFill>
-              </a:uFill>
-              <a:latin typeface="Calibri"/>
+            <a:endParaRPr b="0" lang="en-GB" sz="1800" spc="-1" strike="noStrike">
+              <a:solidFill>
+                <a:srgbClr val="000000"/>
+              </a:solidFill>
+              <a:uFill>
+                <a:solidFill>
+                  <a:srgbClr val="ffffff"/>
+                </a:solidFill>
+              </a:uFill>
+              <a:latin typeface="Arial"/>
             </a:endParaRPr>
           </a:p>
           <a:p>
@@ -6218,16 +5762,16 @@
                 <a:spcPct val="100000"/>
               </a:lnSpc>
             </a:pPr>
-            <a:endParaRPr b="0" lang="en-US" sz="3200" spc="-1" strike="noStrike">
-              <a:solidFill>
-                <a:srgbClr val="000000"/>
-              </a:solidFill>
-              <a:uFill>
-                <a:solidFill>
-                  <a:srgbClr val="ffffff"/>
-                </a:solidFill>
-              </a:uFill>
-              <a:latin typeface="Calibri"/>
+            <a:endParaRPr b="0" lang="en-GB" sz="1800" spc="-1" strike="noStrike">
+              <a:solidFill>
+                <a:srgbClr val="000000"/>
+              </a:solidFill>
+              <a:uFill>
+                <a:solidFill>
+                  <a:srgbClr val="ffffff"/>
+                </a:solidFill>
+              </a:uFill>
+              <a:latin typeface="Arial"/>
             </a:endParaRPr>
           </a:p>
           <a:p>
@@ -6236,16 +5780,16 @@
                 <a:spcPct val="100000"/>
               </a:lnSpc>
             </a:pPr>
-            <a:endParaRPr b="0" lang="en-US" sz="3200" spc="-1" strike="noStrike">
-              <a:solidFill>
-                <a:srgbClr val="000000"/>
-              </a:solidFill>
-              <a:uFill>
-                <a:solidFill>
-                  <a:srgbClr val="ffffff"/>
-                </a:solidFill>
-              </a:uFill>
-              <a:latin typeface="Calibri"/>
+            <a:endParaRPr b="0" lang="en-GB" sz="1800" spc="-1" strike="noStrike">
+              <a:solidFill>
+                <a:srgbClr val="000000"/>
+              </a:solidFill>
+              <a:uFill>
+                <a:solidFill>
+                  <a:srgbClr val="ffffff"/>
+                </a:solidFill>
+              </a:uFill>
+              <a:latin typeface="Arial"/>
             </a:endParaRPr>
           </a:p>
           <a:p>
@@ -6254,16 +5798,16 @@
                 <a:spcPct val="100000"/>
               </a:lnSpc>
             </a:pPr>
-            <a:endParaRPr b="0" lang="en-US" sz="3200" spc="-1" strike="noStrike">
-              <a:solidFill>
-                <a:srgbClr val="000000"/>
-              </a:solidFill>
-              <a:uFill>
-                <a:solidFill>
-                  <a:srgbClr val="ffffff"/>
-                </a:solidFill>
-              </a:uFill>
-              <a:latin typeface="Calibri"/>
+            <a:endParaRPr b="0" lang="en-GB" sz="1800" spc="-1" strike="noStrike">
+              <a:solidFill>
+                <a:srgbClr val="000000"/>
+              </a:solidFill>
+              <a:uFill>
+                <a:solidFill>
+                  <a:srgbClr val="ffffff"/>
+                </a:solidFill>
+              </a:uFill>
+              <a:latin typeface="Arial"/>
             </a:endParaRPr>
           </a:p>
           <a:p>
@@ -6272,16 +5816,16 @@
                 <a:spcPct val="100000"/>
               </a:lnSpc>
             </a:pPr>
-            <a:endParaRPr b="0" lang="en-US" sz="3200" spc="-1" strike="noStrike">
-              <a:solidFill>
-                <a:srgbClr val="000000"/>
-              </a:solidFill>
-              <a:uFill>
-                <a:solidFill>
-                  <a:srgbClr val="ffffff"/>
-                </a:solidFill>
-              </a:uFill>
-              <a:latin typeface="Calibri"/>
+            <a:endParaRPr b="0" lang="en-GB" sz="1800" spc="-1" strike="noStrike">
+              <a:solidFill>
+                <a:srgbClr val="000000"/>
+              </a:solidFill>
+              <a:uFill>
+                <a:solidFill>
+                  <a:srgbClr val="ffffff"/>
+                </a:solidFill>
+              </a:uFill>
+              <a:latin typeface="Arial"/>
             </a:endParaRPr>
           </a:p>
           <a:p>
@@ -6290,16 +5834,16 @@
                 <a:spcPct val="100000"/>
               </a:lnSpc>
             </a:pPr>
-            <a:endParaRPr b="0" lang="en-US" sz="3200" spc="-1" strike="noStrike">
-              <a:solidFill>
-                <a:srgbClr val="000000"/>
-              </a:solidFill>
-              <a:uFill>
-                <a:solidFill>
-                  <a:srgbClr val="ffffff"/>
-                </a:solidFill>
-              </a:uFill>
-              <a:latin typeface="Calibri"/>
+            <a:endParaRPr b="0" lang="en-GB" sz="1800" spc="-1" strike="noStrike">
+              <a:solidFill>
+                <a:srgbClr val="000000"/>
+              </a:solidFill>
+              <a:uFill>
+                <a:solidFill>
+                  <a:srgbClr val="ffffff"/>
+                </a:solidFill>
+              </a:uFill>
+              <a:latin typeface="Arial"/>
             </a:endParaRPr>
           </a:p>
           <a:p>
@@ -6308,16 +5852,16 @@
                 <a:spcPct val="100000"/>
               </a:lnSpc>
             </a:pPr>
-            <a:endParaRPr b="0" lang="en-US" sz="3200" spc="-1" strike="noStrike">
-              <a:solidFill>
-                <a:srgbClr val="000000"/>
-              </a:solidFill>
-              <a:uFill>
-                <a:solidFill>
-                  <a:srgbClr val="ffffff"/>
-                </a:solidFill>
-              </a:uFill>
-              <a:latin typeface="Calibri"/>
+            <a:endParaRPr b="0" lang="en-GB" sz="1800" spc="-1" strike="noStrike">
+              <a:solidFill>
+                <a:srgbClr val="000000"/>
+              </a:solidFill>
+              <a:uFill>
+                <a:solidFill>
+                  <a:srgbClr val="ffffff"/>
+                </a:solidFill>
+              </a:uFill>
+              <a:latin typeface="Arial"/>
             </a:endParaRPr>
           </a:p>
           <a:p>
@@ -6326,20 +5870,20 @@
                 <a:spcPct val="100000"/>
               </a:lnSpc>
             </a:pPr>
-            <a:endParaRPr b="0" lang="en-US" sz="3200" spc="-1" strike="noStrike">
-              <a:solidFill>
-                <a:srgbClr val="000000"/>
-              </a:solidFill>
-              <a:uFill>
-                <a:solidFill>
-                  <a:srgbClr val="ffffff"/>
-                </a:solidFill>
-              </a:uFill>
-              <a:latin typeface="Calibri"/>
-            </a:endParaRPr>
-          </a:p>
-          <a:p>
-            <a:pPr marL="343080" indent="-342720">
+            <a:endParaRPr b="0" lang="en-GB" sz="1800" spc="-1" strike="noStrike">
+              <a:solidFill>
+                <a:srgbClr val="000000"/>
+              </a:solidFill>
+              <a:uFill>
+                <a:solidFill>
+                  <a:srgbClr val="ffffff"/>
+                </a:solidFill>
+              </a:uFill>
+              <a:latin typeface="Arial"/>
+            </a:endParaRPr>
+          </a:p>
+          <a:p>
+            <a:pPr marL="343080" indent="-342000">
               <a:lnSpc>
                 <a:spcPct val="100000"/>
               </a:lnSpc>
@@ -6350,7 +5894,7 @@
               <a:buChar char="•"/>
             </a:pPr>
             <a:r>
-              <a:rPr b="0" i="1" lang="en-US" sz="3200" spc="-1" strike="noStrike">
+              <a:rPr b="0" i="1" lang="en-GB" sz="3200" spc="-1" strike="noStrike">
                 <a:solidFill>
                   <a:srgbClr val="000000"/>
                 </a:solidFill>
@@ -6360,26 +5904,27 @@
                   </a:solidFill>
                 </a:uFill>
                 <a:latin typeface="Calibri"/>
+                <a:ea typeface="DejaVu Sans"/>
               </a:rPr>
               <a:t>Million Song dataset, Music Brainz dataset</a:t>
             </a:r>
-            <a:endParaRPr b="0" lang="en-US" sz="3200" spc="-1" strike="noStrike">
-              <a:solidFill>
-                <a:srgbClr val="000000"/>
-              </a:solidFill>
-              <a:uFill>
-                <a:solidFill>
-                  <a:srgbClr val="ffffff"/>
-                </a:solidFill>
-              </a:uFill>
-              <a:latin typeface="Calibri"/>
+            <a:endParaRPr b="0" lang="en-GB" sz="1800" spc="-1" strike="noStrike">
+              <a:solidFill>
+                <a:srgbClr val="000000"/>
+              </a:solidFill>
+              <a:uFill>
+                <a:solidFill>
+                  <a:srgbClr val="ffffff"/>
+                </a:solidFill>
+              </a:uFill>
+              <a:latin typeface="Arial"/>
             </a:endParaRPr>
           </a:p>
         </p:txBody>
       </p:sp>
       <p:pic>
         <p:nvPicPr>
-          <p:cNvPr id="96" name="Picture 2" descr=""/>
+          <p:cNvPr id="90" name="Picture 2" descr=""/>
           <p:cNvPicPr/>
           <p:nvPr/>
         </p:nvPicPr>
@@ -6390,7 +5935,7 @@
         <p:spPr>
           <a:xfrm>
             <a:off x="1979640" y="2154240"/>
-            <a:ext cx="5112360" cy="3434400"/>
+            <a:ext cx="5111640" cy="3433680"/>
           </a:xfrm>
           <a:prstGeom prst="rect">
             <a:avLst/>
@@ -6402,14 +5947,14 @@
       </p:pic>
       <p:sp>
         <p:nvSpPr>
-          <p:cNvPr id="97" name="CustomShape 3"/>
+          <p:cNvPr id="91" name="CustomShape 3"/>
           <p:cNvSpPr/>
           <p:nvPr/>
         </p:nvSpPr>
         <p:spPr>
           <a:xfrm>
             <a:off x="35640" y="6474960"/>
-            <a:ext cx="4176000" cy="333720"/>
+            <a:ext cx="4175280" cy="333000"/>
           </a:xfrm>
           <a:prstGeom prst="rect">
             <a:avLst/>
@@ -6444,6 +5989,7 @@
                   </a:solidFill>
                 </a:uFill>
                 <a:latin typeface="Calibri"/>
+                <a:ea typeface="DejaVu Sans"/>
               </a:rPr>
               <a:t>Image ©: Echo Nest</a:t>
             </a:r>
@@ -6512,14 +6058,14 @@
       </p:grpSpPr>
       <p:sp>
         <p:nvSpPr>
-          <p:cNvPr id="98" name="TextShape 1"/>
-          <p:cNvSpPr txBox="1"/>
+          <p:cNvPr id="92" name="CustomShape 1"/>
+          <p:cNvSpPr/>
           <p:nvPr/>
         </p:nvSpPr>
         <p:spPr>
           <a:xfrm>
             <a:off x="457200" y="274680"/>
-            <a:ext cx="8229240" cy="1142640"/>
+            <a:ext cx="8228520" cy="1141920"/>
           </a:xfrm>
           <a:prstGeom prst="rect">
             <a:avLst/>
@@ -6529,8 +6075,14 @@
             <a:noFill/>
           </a:ln>
         </p:spPr>
-        <p:txBody>
-          <a:bodyPr anchor="ctr"/>
+        <p:style>
+          <a:lnRef idx="0"/>
+          <a:fillRef idx="0"/>
+          <a:effectRef idx="0"/>
+          <a:fontRef idx="minor"/>
+        </p:style>
+        <p:txBody>
+          <a:bodyPr lIns="90000" rIns="90000" tIns="45000" bIns="45000" anchor="ctr"/>
           <a:p>
             <a:pPr algn="ctr">
               <a:lnSpc>
@@ -6538,7 +6090,7 @@
               </a:lnSpc>
             </a:pPr>
             <a:r>
-              <a:rPr b="0" lang="en-US" sz="4400" spc="-1" strike="noStrike">
+              <a:rPr b="0" lang="en-GB" sz="4400" spc="-1" strike="noStrike">
                 <a:solidFill>
                   <a:srgbClr val="000000"/>
                 </a:solidFill>
@@ -6548,33 +6100,34 @@
                   </a:solidFill>
                 </a:uFill>
                 <a:latin typeface="Calibri"/>
+                <a:ea typeface="DejaVu Sans"/>
               </a:rPr>
               <a:t>Feeling with the World</a:t>
             </a:r>
-            <a:endParaRPr b="0" lang="en-US" sz="1800" spc="-1" strike="noStrike">
-              <a:solidFill>
-                <a:srgbClr val="000000"/>
-              </a:solidFill>
-              <a:uFill>
-                <a:solidFill>
-                  <a:srgbClr val="ffffff"/>
-                </a:solidFill>
-              </a:uFill>
-              <a:latin typeface="Calibri"/>
-            </a:endParaRPr>
-          </a:p>
-        </p:txBody>
-      </p:sp>
-      <p:sp>
-        <p:nvSpPr>
-          <p:cNvPr id="99" name="TextShape 2"/>
-          <p:cNvSpPr txBox="1"/>
+            <a:endParaRPr b="0" lang="en-GB" sz="1800" spc="-1" strike="noStrike">
+              <a:solidFill>
+                <a:srgbClr val="000000"/>
+              </a:solidFill>
+              <a:uFill>
+                <a:solidFill>
+                  <a:srgbClr val="ffffff"/>
+                </a:solidFill>
+              </a:uFill>
+              <a:latin typeface="Arial"/>
+            </a:endParaRPr>
+          </a:p>
+        </p:txBody>
+      </p:sp>
+      <p:sp>
+        <p:nvSpPr>
+          <p:cNvPr id="93" name="CustomShape 2"/>
+          <p:cNvSpPr/>
           <p:nvPr/>
         </p:nvSpPr>
         <p:spPr>
           <a:xfrm>
             <a:off x="457200" y="1600200"/>
-            <a:ext cx="8229240" cy="4525560"/>
+            <a:ext cx="8228520" cy="4524840"/>
           </a:xfrm>
           <a:prstGeom prst="rect">
             <a:avLst/>
@@ -6584,10 +6137,16 @@
             <a:noFill/>
           </a:ln>
         </p:spPr>
-        <p:txBody>
-          <a:bodyPr/>
-          <a:p>
-            <a:pPr marL="343080" indent="-342720">
+        <p:style>
+          <a:lnRef idx="0"/>
+          <a:fillRef idx="0"/>
+          <a:effectRef idx="0"/>
+          <a:fontRef idx="minor"/>
+        </p:style>
+        <p:txBody>
+          <a:bodyPr lIns="90000" rIns="90000" tIns="45000" bIns="45000"/>
+          <a:p>
+            <a:pPr marL="343080" indent="-342000">
               <a:lnSpc>
                 <a:spcPct val="100000"/>
               </a:lnSpc>
@@ -6598,7 +6157,7 @@
               <a:buChar char="•"/>
             </a:pPr>
             <a:r>
-              <a:rPr b="0" lang="en-US" sz="3200" spc="-1" strike="noStrike">
+              <a:rPr b="0" lang="en-GB" sz="3200" spc="-1" strike="noStrike">
                 <a:solidFill>
                   <a:srgbClr val="000000"/>
                 </a:solidFill>
@@ -6608,19 +6167,20 @@
                   </a:solidFill>
                 </a:uFill>
                 <a:latin typeface="Calibri"/>
+                <a:ea typeface="DejaVu Sans"/>
               </a:rPr>
               <a:t>How happy (or not) are different geographical locations of the world right now?</a:t>
             </a:r>
-            <a:endParaRPr b="0" lang="en-US" sz="3200" spc="-1" strike="noStrike">
-              <a:solidFill>
-                <a:srgbClr val="000000"/>
-              </a:solidFill>
-              <a:uFill>
-                <a:solidFill>
-                  <a:srgbClr val="ffffff"/>
-                </a:solidFill>
-              </a:uFill>
-              <a:latin typeface="Calibri"/>
+            <a:endParaRPr b="0" lang="en-GB" sz="1800" spc="-1" strike="noStrike">
+              <a:solidFill>
+                <a:srgbClr val="000000"/>
+              </a:solidFill>
+              <a:uFill>
+                <a:solidFill>
+                  <a:srgbClr val="ffffff"/>
+                </a:solidFill>
+              </a:uFill>
+              <a:latin typeface="Arial"/>
             </a:endParaRPr>
           </a:p>
           <a:p>
@@ -6629,20 +6189,20 @@
                 <a:spcPct val="100000"/>
               </a:lnSpc>
             </a:pPr>
-            <a:endParaRPr b="0" lang="en-US" sz="3200" spc="-1" strike="noStrike">
-              <a:solidFill>
-                <a:srgbClr val="000000"/>
-              </a:solidFill>
-              <a:uFill>
-                <a:solidFill>
-                  <a:srgbClr val="ffffff"/>
-                </a:solidFill>
-              </a:uFill>
-              <a:latin typeface="Calibri"/>
-            </a:endParaRPr>
-          </a:p>
-          <a:p>
-            <a:pPr marL="343080" indent="-342720">
+            <a:endParaRPr b="0" lang="en-GB" sz="1800" spc="-1" strike="noStrike">
+              <a:solidFill>
+                <a:srgbClr val="000000"/>
+              </a:solidFill>
+              <a:uFill>
+                <a:solidFill>
+                  <a:srgbClr val="ffffff"/>
+                </a:solidFill>
+              </a:uFill>
+              <a:latin typeface="Arial"/>
+            </a:endParaRPr>
+          </a:p>
+          <a:p>
+            <a:pPr marL="343080" indent="-342000">
               <a:lnSpc>
                 <a:spcPct val="100000"/>
               </a:lnSpc>
@@ -6653,7 +6213,7 @@
               <a:buChar char="•"/>
             </a:pPr>
             <a:r>
-              <a:rPr b="0" lang="en-US" sz="3200" spc="-1" strike="noStrike">
+              <a:rPr b="0" lang="en-GB" sz="3200" spc="-1" strike="noStrike">
                 <a:solidFill>
                   <a:srgbClr val="000000"/>
                 </a:solidFill>
@@ -6663,19 +6223,20 @@
                   </a:solidFill>
                 </a:uFill>
                 <a:latin typeface="Calibri"/>
+                <a:ea typeface="DejaVu Sans"/>
               </a:rPr>
               <a:t>How major events spread over time and space?</a:t>
             </a:r>
-            <a:endParaRPr b="0" lang="en-US" sz="3200" spc="-1" strike="noStrike">
-              <a:solidFill>
-                <a:srgbClr val="000000"/>
-              </a:solidFill>
-              <a:uFill>
-                <a:solidFill>
-                  <a:srgbClr val="ffffff"/>
-                </a:solidFill>
-              </a:uFill>
-              <a:latin typeface="Calibri"/>
+            <a:endParaRPr b="0" lang="en-GB" sz="1800" spc="-1" strike="noStrike">
+              <a:solidFill>
+                <a:srgbClr val="000000"/>
+              </a:solidFill>
+              <a:uFill>
+                <a:solidFill>
+                  <a:srgbClr val="ffffff"/>
+                </a:solidFill>
+              </a:uFill>
+              <a:latin typeface="Arial"/>
             </a:endParaRPr>
           </a:p>
           <a:p>
@@ -6684,20 +6245,20 @@
                 <a:spcPct val="100000"/>
               </a:lnSpc>
             </a:pPr>
-            <a:endParaRPr b="0" lang="en-US" sz="3200" spc="-1" strike="noStrike">
-              <a:solidFill>
-                <a:srgbClr val="000000"/>
-              </a:solidFill>
-              <a:uFill>
-                <a:solidFill>
-                  <a:srgbClr val="ffffff"/>
-                </a:solidFill>
-              </a:uFill>
-              <a:latin typeface="Calibri"/>
-            </a:endParaRPr>
-          </a:p>
-          <a:p>
-            <a:pPr marL="343080" indent="-342720">
+            <a:endParaRPr b="0" lang="en-GB" sz="1800" spc="-1" strike="noStrike">
+              <a:solidFill>
+                <a:srgbClr val="000000"/>
+              </a:solidFill>
+              <a:uFill>
+                <a:solidFill>
+                  <a:srgbClr val="ffffff"/>
+                </a:solidFill>
+              </a:uFill>
+              <a:latin typeface="Arial"/>
+            </a:endParaRPr>
+          </a:p>
+          <a:p>
+            <a:pPr marL="343080" indent="-342000">
               <a:lnSpc>
                 <a:spcPct val="100000"/>
               </a:lnSpc>
@@ -6708,7 +6269,7 @@
               <a:buChar char="•"/>
             </a:pPr>
             <a:r>
-              <a:rPr b="0" lang="en-US" sz="3200" spc="-1" strike="noStrike">
+              <a:rPr b="0" lang="en-GB" sz="3200" spc="-1" strike="noStrike">
                 <a:solidFill>
                   <a:srgbClr val="000000"/>
                 </a:solidFill>
@@ -6718,23 +6279,24 @@
                   </a:solidFill>
                 </a:uFill>
                 <a:latin typeface="Calibri"/>
+                <a:ea typeface="DejaVu Sans"/>
               </a:rPr>
               <a:t>Different levels of graininess</a:t>
             </a:r>
-            <a:endParaRPr b="0" lang="en-US" sz="3200" spc="-1" strike="noStrike">
-              <a:solidFill>
-                <a:srgbClr val="000000"/>
-              </a:solidFill>
-              <a:uFill>
-                <a:solidFill>
-                  <a:srgbClr val="ffffff"/>
-                </a:solidFill>
-              </a:uFill>
-              <a:latin typeface="Calibri"/>
-            </a:endParaRPr>
-          </a:p>
-          <a:p>
-            <a:pPr lvl="1" marL="743040" indent="-285480">
+            <a:endParaRPr b="0" lang="en-GB" sz="1800" spc="-1" strike="noStrike">
+              <a:solidFill>
+                <a:srgbClr val="000000"/>
+              </a:solidFill>
+              <a:uFill>
+                <a:solidFill>
+                  <a:srgbClr val="ffffff"/>
+                </a:solidFill>
+              </a:uFill>
+              <a:latin typeface="Arial"/>
+            </a:endParaRPr>
+          </a:p>
+          <a:p>
+            <a:pPr lvl="1" marL="743040" indent="-284760">
               <a:lnSpc>
                 <a:spcPct val="100000"/>
               </a:lnSpc>
@@ -6745,7 +6307,7 @@
               <a:buChar char="–"/>
             </a:pPr>
             <a:r>
-              <a:rPr b="0" lang="en-US" sz="2800" spc="-1" strike="noStrike">
+              <a:rPr b="0" lang="en-GB" sz="2800" spc="-1" strike="noStrike">
                 <a:solidFill>
                   <a:srgbClr val="000000"/>
                 </a:solidFill>
@@ -6755,23 +6317,24 @@
                   </a:solidFill>
                 </a:uFill>
                 <a:latin typeface="Calibri"/>
+                <a:ea typeface="DejaVu Sans"/>
               </a:rPr>
               <a:t>Spatial: Country, continent, planet</a:t>
             </a:r>
-            <a:endParaRPr b="0" lang="en-US" sz="2400" spc="-1" strike="noStrike">
-              <a:solidFill>
-                <a:srgbClr val="000000"/>
-              </a:solidFill>
-              <a:uFill>
-                <a:solidFill>
-                  <a:srgbClr val="ffffff"/>
-                </a:solidFill>
-              </a:uFill>
-              <a:latin typeface="Calibri"/>
-            </a:endParaRPr>
-          </a:p>
-          <a:p>
-            <a:pPr lvl="1" marL="743040" indent="-285480">
+            <a:endParaRPr b="0" lang="en-GB" sz="1800" spc="-1" strike="noStrike">
+              <a:solidFill>
+                <a:srgbClr val="000000"/>
+              </a:solidFill>
+              <a:uFill>
+                <a:solidFill>
+                  <a:srgbClr val="ffffff"/>
+                </a:solidFill>
+              </a:uFill>
+              <a:latin typeface="Arial"/>
+            </a:endParaRPr>
+          </a:p>
+          <a:p>
+            <a:pPr lvl="1" marL="743040" indent="-284760">
               <a:lnSpc>
                 <a:spcPct val="100000"/>
               </a:lnSpc>
@@ -6782,7 +6345,7 @@
               <a:buChar char="–"/>
             </a:pPr>
             <a:r>
-              <a:rPr b="0" lang="en-US" sz="2800" spc="-1" strike="noStrike">
+              <a:rPr b="0" lang="en-GB" sz="2800" spc="-1" strike="noStrike">
                 <a:solidFill>
                   <a:srgbClr val="000000"/>
                 </a:solidFill>
@@ -6792,32 +6355,20 @@
                   </a:solidFill>
                 </a:uFill>
                 <a:latin typeface="Calibri"/>
+                <a:ea typeface="DejaVu Sans"/>
               </a:rPr>
               <a:t>Temporal: day, week, month</a:t>
             </a:r>
-            <a:endParaRPr b="0" lang="en-US" sz="2400" spc="-1" strike="noStrike">
-              <a:solidFill>
-                <a:srgbClr val="000000"/>
-              </a:solidFill>
-              <a:uFill>
-                <a:solidFill>
-                  <a:srgbClr val="ffffff"/>
-                </a:solidFill>
-              </a:uFill>
-              <a:latin typeface="Calibri"/>
-            </a:endParaRPr>
-          </a:p>
-          <a:p>
-            <a:endParaRPr b="0" lang="en-US" sz="3200" spc="-1" strike="noStrike">
-              <a:solidFill>
-                <a:srgbClr val="000000"/>
-              </a:solidFill>
-              <a:uFill>
-                <a:solidFill>
-                  <a:srgbClr val="ffffff"/>
-                </a:solidFill>
-              </a:uFill>
-              <a:latin typeface="Calibri"/>
+            <a:endParaRPr b="0" lang="en-GB" sz="1800" spc="-1" strike="noStrike">
+              <a:solidFill>
+                <a:srgbClr val="000000"/>
+              </a:solidFill>
+              <a:uFill>
+                <a:solidFill>
+                  <a:srgbClr val="ffffff"/>
+                </a:solidFill>
+              </a:uFill>
+              <a:latin typeface="Arial"/>
             </a:endParaRPr>
           </a:p>
           <a:p>
@@ -6826,16 +6377,16 @@
                 <a:spcPct val="100000"/>
               </a:lnSpc>
             </a:pPr>
-            <a:endParaRPr b="0" lang="en-US" sz="3200" spc="-1" strike="noStrike">
-              <a:solidFill>
-                <a:srgbClr val="000000"/>
-              </a:solidFill>
-              <a:uFill>
-                <a:solidFill>
-                  <a:srgbClr val="ffffff"/>
-                </a:solidFill>
-              </a:uFill>
-              <a:latin typeface="Calibri"/>
+            <a:endParaRPr b="0" lang="en-GB" sz="1800" spc="-1" strike="noStrike">
+              <a:solidFill>
+                <a:srgbClr val="000000"/>
+              </a:solidFill>
+              <a:uFill>
+                <a:solidFill>
+                  <a:srgbClr val="ffffff"/>
+                </a:solidFill>
+              </a:uFill>
+              <a:latin typeface="Arial"/>
             </a:endParaRPr>
           </a:p>
           <a:p>
@@ -6844,16 +6395,16 @@
                 <a:spcPct val="100000"/>
               </a:lnSpc>
             </a:pPr>
-            <a:endParaRPr b="0" lang="en-US" sz="3200" spc="-1" strike="noStrike">
-              <a:solidFill>
-                <a:srgbClr val="000000"/>
-              </a:solidFill>
-              <a:uFill>
-                <a:solidFill>
-                  <a:srgbClr val="ffffff"/>
-                </a:solidFill>
-              </a:uFill>
-              <a:latin typeface="Calibri"/>
+            <a:endParaRPr b="0" lang="en-GB" sz="1800" spc="-1" strike="noStrike">
+              <a:solidFill>
+                <a:srgbClr val="000000"/>
+              </a:solidFill>
+              <a:uFill>
+                <a:solidFill>
+                  <a:srgbClr val="ffffff"/>
+                </a:solidFill>
+              </a:uFill>
+              <a:latin typeface="Arial"/>
             </a:endParaRPr>
           </a:p>
           <a:p>
@@ -6862,16 +6413,16 @@
                 <a:spcPct val="100000"/>
               </a:lnSpc>
             </a:pPr>
-            <a:endParaRPr b="0" lang="en-US" sz="3200" spc="-1" strike="noStrike">
-              <a:solidFill>
-                <a:srgbClr val="000000"/>
-              </a:solidFill>
-              <a:uFill>
-                <a:solidFill>
-                  <a:srgbClr val="ffffff"/>
-                </a:solidFill>
-              </a:uFill>
-              <a:latin typeface="Calibri"/>
+            <a:endParaRPr b="0" lang="en-GB" sz="1800" spc="-1" strike="noStrike">
+              <a:solidFill>
+                <a:srgbClr val="000000"/>
+              </a:solidFill>
+              <a:uFill>
+                <a:solidFill>
+                  <a:srgbClr val="ffffff"/>
+                </a:solidFill>
+              </a:uFill>
+              <a:latin typeface="Arial"/>
             </a:endParaRPr>
           </a:p>
           <a:p>
@@ -6880,16 +6431,16 @@
                 <a:spcPct val="100000"/>
               </a:lnSpc>
             </a:pPr>
-            <a:endParaRPr b="0" lang="en-US" sz="3200" spc="-1" strike="noStrike">
-              <a:solidFill>
-                <a:srgbClr val="000000"/>
-              </a:solidFill>
-              <a:uFill>
-                <a:solidFill>
-                  <a:srgbClr val="ffffff"/>
-                </a:solidFill>
-              </a:uFill>
-              <a:latin typeface="Calibri"/>
+            <a:endParaRPr b="0" lang="en-GB" sz="1800" spc="-1" strike="noStrike">
+              <a:solidFill>
+                <a:srgbClr val="000000"/>
+              </a:solidFill>
+              <a:uFill>
+                <a:solidFill>
+                  <a:srgbClr val="ffffff"/>
+                </a:solidFill>
+              </a:uFill>
+              <a:latin typeface="Arial"/>
             </a:endParaRPr>
           </a:p>
           <a:p>
@@ -6898,16 +6449,16 @@
                 <a:spcPct val="100000"/>
               </a:lnSpc>
             </a:pPr>
-            <a:endParaRPr b="0" lang="en-US" sz="3200" spc="-1" strike="noStrike">
-              <a:solidFill>
-                <a:srgbClr val="000000"/>
-              </a:solidFill>
-              <a:uFill>
-                <a:solidFill>
-                  <a:srgbClr val="ffffff"/>
-                </a:solidFill>
-              </a:uFill>
-              <a:latin typeface="Calibri"/>
+            <a:endParaRPr b="0" lang="en-GB" sz="1800" spc="-1" strike="noStrike">
+              <a:solidFill>
+                <a:srgbClr val="000000"/>
+              </a:solidFill>
+              <a:uFill>
+                <a:solidFill>
+                  <a:srgbClr val="ffffff"/>
+                </a:solidFill>
+              </a:uFill>
+              <a:latin typeface="Arial"/>
             </a:endParaRPr>
           </a:p>
           <a:p>
@@ -6916,16 +6467,16 @@
                 <a:spcPct val="100000"/>
               </a:lnSpc>
             </a:pPr>
-            <a:endParaRPr b="0" lang="en-US" sz="3200" spc="-1" strike="noStrike">
-              <a:solidFill>
-                <a:srgbClr val="000000"/>
-              </a:solidFill>
-              <a:uFill>
-                <a:solidFill>
-                  <a:srgbClr val="ffffff"/>
-                </a:solidFill>
-              </a:uFill>
-              <a:latin typeface="Calibri"/>
+            <a:endParaRPr b="0" lang="en-GB" sz="1800" spc="-1" strike="noStrike">
+              <a:solidFill>
+                <a:srgbClr val="000000"/>
+              </a:solidFill>
+              <a:uFill>
+                <a:solidFill>
+                  <a:srgbClr val="ffffff"/>
+                </a:solidFill>
+              </a:uFill>
+              <a:latin typeface="Arial"/>
             </a:endParaRPr>
           </a:p>
           <a:p>
@@ -6934,16 +6485,34 @@
                 <a:spcPct val="100000"/>
               </a:lnSpc>
             </a:pPr>
-            <a:endParaRPr b="0" lang="en-US" sz="3200" spc="-1" strike="noStrike">
-              <a:solidFill>
-                <a:srgbClr val="000000"/>
-              </a:solidFill>
-              <a:uFill>
-                <a:solidFill>
-                  <a:srgbClr val="ffffff"/>
-                </a:solidFill>
-              </a:uFill>
-              <a:latin typeface="Calibri"/>
+            <a:endParaRPr b="0" lang="en-GB" sz="1800" spc="-1" strike="noStrike">
+              <a:solidFill>
+                <a:srgbClr val="000000"/>
+              </a:solidFill>
+              <a:uFill>
+                <a:solidFill>
+                  <a:srgbClr val="ffffff"/>
+                </a:solidFill>
+              </a:uFill>
+              <a:latin typeface="Arial"/>
+            </a:endParaRPr>
+          </a:p>
+          <a:p>
+            <a:pPr>
+              <a:lnSpc>
+                <a:spcPct val="100000"/>
+              </a:lnSpc>
+            </a:pPr>
+            <a:endParaRPr b="0" lang="en-GB" sz="1800" spc="-1" strike="noStrike">
+              <a:solidFill>
+                <a:srgbClr val="000000"/>
+              </a:solidFill>
+              <a:uFill>
+                <a:solidFill>
+                  <a:srgbClr val="ffffff"/>
+                </a:solidFill>
+              </a:uFill>
+              <a:latin typeface="Arial"/>
             </a:endParaRPr>
           </a:p>
         </p:txBody>
@@ -6999,14 +6568,14 @@
       </p:grpSpPr>
       <p:sp>
         <p:nvSpPr>
-          <p:cNvPr id="100" name="TextShape 1"/>
-          <p:cNvSpPr txBox="1"/>
+          <p:cNvPr id="94" name="CustomShape 1"/>
+          <p:cNvSpPr/>
           <p:nvPr/>
         </p:nvSpPr>
         <p:spPr>
           <a:xfrm>
             <a:off x="457200" y="274680"/>
-            <a:ext cx="8229240" cy="1142640"/>
+            <a:ext cx="8228520" cy="1141920"/>
           </a:xfrm>
           <a:prstGeom prst="rect">
             <a:avLst/>
@@ -7016,8 +6585,42 @@
             <a:noFill/>
           </a:ln>
         </p:spPr>
-        <p:txBody>
-          <a:bodyPr anchor="ctr"/>
+        <p:style>
+          <a:lnRef idx="0"/>
+          <a:fillRef idx="0"/>
+          <a:effectRef idx="0"/>
+          <a:fontRef idx="minor"/>
+        </p:style>
+        <p:txBody>
+          <a:bodyPr lIns="90000" rIns="90000" tIns="45000" bIns="45000" anchor="ctr"/>
+          <a:p>
+            <a:r>
+              <a:rPr b="0" lang="en-GB" sz="3600" spc="-1" strike="noStrike">
+                <a:solidFill>
+                  <a:srgbClr val="000000"/>
+                </a:solidFill>
+                <a:uFill>
+                  <a:solidFill>
+                    <a:srgbClr val="ffffff"/>
+                  </a:solidFill>
+                </a:uFill>
+                <a:latin typeface="Calibri"/>
+                <a:ea typeface="DejaVu Sans"/>
+              </a:rPr>
+              <a:t>Use-case: WannaCry ransomware attack</a:t>
+            </a:r>
+            <a:endParaRPr b="0" lang="en-GB" sz="1800" spc="-1" strike="noStrike">
+              <a:solidFill>
+                <a:srgbClr val="000000"/>
+              </a:solidFill>
+              <a:uFill>
+                <a:solidFill>
+                  <a:srgbClr val="ffffff"/>
+                </a:solidFill>
+              </a:uFill>
+              <a:latin typeface="Arial"/>
+            </a:endParaRPr>
+          </a:p>
           <a:p>
             <a:pPr algn="ctr">
               <a:lnSpc>
@@ -7025,7 +6628,7 @@
               </a:lnSpc>
             </a:pPr>
             <a:r>
-              <a:rPr b="0" lang="en-US" sz="3600" spc="-1" strike="noStrike">
+              <a:rPr b="1" lang="en-GB" sz="3600" spc="-1" strike="noStrike">
                 <a:solidFill>
                   <a:srgbClr val="000000"/>
                 </a:solidFill>
@@ -7035,62 +6638,34 @@
                   </a:solidFill>
                 </a:uFill>
                 <a:latin typeface="Calibri"/>
-              </a:rPr>
-              <a:t>Use-case: WannaCry ransomware attack</a:t>
-            </a:r>
-            <a:r>
-              <a:rPr b="0" i="1" lang="en-US" sz="3600" spc="-1" strike="noStrike">
-                <a:solidFill>
-                  <a:srgbClr val="000000"/>
-                </a:solidFill>
-                <a:uFill>
-                  <a:solidFill>
-                    <a:srgbClr val="ffffff"/>
-                  </a:solidFill>
-                </a:uFill>
-                <a:latin typeface="Calibri"/>
-              </a:rPr>
-              <a:t>
-</a:t>
-            </a:r>
-            <a:r>
-              <a:rPr b="1" lang="en-US" sz="3600" spc="-1" strike="noStrike">
-                <a:solidFill>
-                  <a:srgbClr val="000000"/>
-                </a:solidFill>
-                <a:uFill>
-                  <a:solidFill>
-                    <a:srgbClr val="ffffff"/>
-                  </a:solidFill>
-                </a:uFill>
-                <a:latin typeface="Calibri"/>
+                <a:ea typeface="DejaVu Sans"/>
               </a:rPr>
               <a:t>12 – 15 May, 2017</a:t>
             </a:r>
-            <a:endParaRPr b="0" lang="en-US" sz="1800" spc="-1" strike="noStrike">
-              <a:solidFill>
-                <a:srgbClr val="000000"/>
-              </a:solidFill>
-              <a:uFill>
-                <a:solidFill>
-                  <a:srgbClr val="ffffff"/>
-                </a:solidFill>
-              </a:uFill>
-              <a:latin typeface="Calibri"/>
-            </a:endParaRPr>
-          </a:p>
-        </p:txBody>
-      </p:sp>
-      <p:sp>
-        <p:nvSpPr>
-          <p:cNvPr id="101" name="TextShape 2"/>
-          <p:cNvSpPr txBox="1"/>
+            <a:endParaRPr b="0" lang="en-GB" sz="1800" spc="-1" strike="noStrike">
+              <a:solidFill>
+                <a:srgbClr val="000000"/>
+              </a:solidFill>
+              <a:uFill>
+                <a:solidFill>
+                  <a:srgbClr val="ffffff"/>
+                </a:solidFill>
+              </a:uFill>
+              <a:latin typeface="Arial"/>
+            </a:endParaRPr>
+          </a:p>
+        </p:txBody>
+      </p:sp>
+      <p:sp>
+        <p:nvSpPr>
+          <p:cNvPr id="95" name="CustomShape 2"/>
+          <p:cNvSpPr/>
           <p:nvPr/>
         </p:nvSpPr>
         <p:spPr>
           <a:xfrm>
             <a:off x="457200" y="1600200"/>
-            <a:ext cx="8229240" cy="4525560"/>
+            <a:ext cx="8228520" cy="4524840"/>
           </a:xfrm>
           <a:prstGeom prst="rect">
             <a:avLst/>
@@ -7100,26 +6675,16 @@
             <a:noFill/>
           </a:ln>
         </p:spPr>
-        <p:txBody>
-          <a:bodyPr/>
-          <a:p>
-            <a:endParaRPr b="0" lang="en-US" sz="3200" spc="-1" strike="noStrike">
-              <a:solidFill>
-                <a:srgbClr val="000000"/>
-              </a:solidFill>
-              <a:uFill>
-                <a:solidFill>
-                  <a:srgbClr val="ffffff"/>
-                </a:solidFill>
-              </a:uFill>
-              <a:latin typeface="Calibri"/>
-            </a:endParaRPr>
-          </a:p>
-        </p:txBody>
+        <p:style>
+          <a:lnRef idx="0"/>
+          <a:fillRef idx="0"/>
+          <a:effectRef idx="0"/>
+          <a:fontRef idx="minor"/>
+        </p:style>
       </p:sp>
       <p:pic>
         <p:nvPicPr>
-          <p:cNvPr id="102" name="Picture 2" descr=""/>
+          <p:cNvPr id="96" name="Picture 2" descr=""/>
           <p:cNvPicPr/>
           <p:nvPr/>
         </p:nvPicPr>
@@ -7130,7 +6695,7 @@
         <p:spPr>
           <a:xfrm>
             <a:off x="395640" y="1556640"/>
-            <a:ext cx="8352720" cy="4694400"/>
+            <a:ext cx="8352000" cy="4693680"/>
           </a:xfrm>
           <a:prstGeom prst="rect">
             <a:avLst/>
@@ -7142,14 +6707,14 @@
       </p:pic>
       <p:sp>
         <p:nvSpPr>
-          <p:cNvPr id="103" name="CustomShape 3"/>
+          <p:cNvPr id="97" name="CustomShape 3"/>
           <p:cNvSpPr/>
           <p:nvPr/>
         </p:nvSpPr>
         <p:spPr>
           <a:xfrm>
             <a:off x="15480" y="6516000"/>
-            <a:ext cx="2319120" cy="364680"/>
+            <a:ext cx="2318400" cy="363960"/>
           </a:xfrm>
           <a:prstGeom prst="rect">
             <a:avLst/>
@@ -7184,6 +6749,7 @@
                   </a:solidFill>
                 </a:uFill>
                 <a:latin typeface="Calibri"/>
+                <a:ea typeface="DejaVu Sans"/>
               </a:rPr>
               <a:t>© image: Malwaretech</a:t>
             </a:r>
@@ -7252,14 +6818,14 @@
       </p:grpSpPr>
       <p:sp>
         <p:nvSpPr>
-          <p:cNvPr id="104" name="TextShape 1"/>
-          <p:cNvSpPr txBox="1"/>
+          <p:cNvPr id="98" name="CustomShape 1"/>
+          <p:cNvSpPr/>
           <p:nvPr/>
         </p:nvSpPr>
         <p:spPr>
           <a:xfrm>
             <a:off x="457200" y="274680"/>
-            <a:ext cx="8229240" cy="1142640"/>
+            <a:ext cx="8228520" cy="1141920"/>
           </a:xfrm>
           <a:prstGeom prst="rect">
             <a:avLst/>
@@ -7269,8 +6835,14 @@
             <a:noFill/>
           </a:ln>
         </p:spPr>
-        <p:txBody>
-          <a:bodyPr anchor="ctr"/>
+        <p:style>
+          <a:lnRef idx="0"/>
+          <a:fillRef idx="0"/>
+          <a:effectRef idx="0"/>
+          <a:fontRef idx="minor"/>
+        </p:style>
+        <p:txBody>
+          <a:bodyPr lIns="90000" rIns="90000" tIns="45000" bIns="45000" anchor="ctr"/>
           <a:p>
             <a:pPr algn="ctr">
               <a:lnSpc>
@@ -7278,7 +6850,7 @@
               </a:lnSpc>
             </a:pPr>
             <a:r>
-              <a:rPr b="0" lang="en-US" sz="4400" spc="-1" strike="noStrike">
+              <a:rPr b="0" lang="en-GB" sz="4400" spc="-1" strike="noStrike">
                 <a:solidFill>
                   <a:srgbClr val="000000"/>
                 </a:solidFill>
@@ -7288,26 +6860,27 @@
                   </a:solidFill>
                 </a:uFill>
                 <a:latin typeface="Calibri"/>
+                <a:ea typeface="DejaVu Sans"/>
               </a:rPr>
               <a:t>Day of attack</a:t>
             </a:r>
-            <a:endParaRPr b="0" lang="en-US" sz="1800" spc="-1" strike="noStrike">
-              <a:solidFill>
-                <a:srgbClr val="000000"/>
-              </a:solidFill>
-              <a:uFill>
-                <a:solidFill>
-                  <a:srgbClr val="ffffff"/>
-                </a:solidFill>
-              </a:uFill>
-              <a:latin typeface="Calibri"/>
+            <a:endParaRPr b="0" lang="en-GB" sz="1800" spc="-1" strike="noStrike">
+              <a:solidFill>
+                <a:srgbClr val="000000"/>
+              </a:solidFill>
+              <a:uFill>
+                <a:solidFill>
+                  <a:srgbClr val="ffffff"/>
+                </a:solidFill>
+              </a:uFill>
+              <a:latin typeface="Arial"/>
             </a:endParaRPr>
           </a:p>
         </p:txBody>
       </p:sp>
       <p:pic>
         <p:nvPicPr>
-          <p:cNvPr id="105" name="" descr=""/>
+          <p:cNvPr id="99" name="" descr=""/>
           <p:cNvPicPr/>
           <p:nvPr/>
         </p:nvPicPr>
@@ -7318,7 +6891,7 @@
         <p:spPr>
           <a:xfrm>
             <a:off x="2190600" y="1296000"/>
-            <a:ext cx="4680000" cy="4680000"/>
+            <a:ext cx="4679280" cy="4679280"/>
           </a:xfrm>
           <a:prstGeom prst="rect">
             <a:avLst/>
@@ -7379,14 +6952,14 @@
       </p:grpSpPr>
       <p:sp>
         <p:nvSpPr>
-          <p:cNvPr id="106" name="TextShape 1"/>
-          <p:cNvSpPr txBox="1"/>
+          <p:cNvPr id="100" name="CustomShape 1"/>
+          <p:cNvSpPr/>
           <p:nvPr/>
         </p:nvSpPr>
         <p:spPr>
           <a:xfrm>
             <a:off x="457200" y="274680"/>
-            <a:ext cx="8229240" cy="1142640"/>
+            <a:ext cx="8228520" cy="1141920"/>
           </a:xfrm>
           <a:prstGeom prst="rect">
             <a:avLst/>
@@ -7396,8 +6969,14 @@
             <a:noFill/>
           </a:ln>
         </p:spPr>
-        <p:txBody>
-          <a:bodyPr anchor="ctr"/>
+        <p:style>
+          <a:lnRef idx="0"/>
+          <a:fillRef idx="0"/>
+          <a:effectRef idx="0"/>
+          <a:fontRef idx="minor"/>
+        </p:style>
+        <p:txBody>
+          <a:bodyPr lIns="90000" rIns="90000" tIns="45000" bIns="45000" anchor="ctr"/>
           <a:p>
             <a:pPr algn="ctr">
               <a:lnSpc>
@@ -7405,7 +6984,7 @@
               </a:lnSpc>
             </a:pPr>
             <a:r>
-              <a:rPr b="0" lang="en-US" sz="4400" spc="-1" strike="noStrike">
+              <a:rPr b="0" lang="en-GB" sz="4400" spc="-1" strike="noStrike">
                 <a:solidFill>
                   <a:srgbClr val="000000"/>
                 </a:solidFill>
@@ -7415,26 +6994,27 @@
                   </a:solidFill>
                 </a:uFill>
                 <a:latin typeface="Calibri"/>
+                <a:ea typeface="DejaVu Sans"/>
               </a:rPr>
-              <a:t>Day of attack</a:t>
+              <a:t>Days around attack </a:t>
             </a:r>
-            <a:endParaRPr b="0" lang="en-US" sz="1800" spc="-1" strike="noStrike">
-              <a:solidFill>
-                <a:srgbClr val="000000"/>
-              </a:solidFill>
-              <a:uFill>
-                <a:solidFill>
-                  <a:srgbClr val="ffffff"/>
-                </a:solidFill>
-              </a:uFill>
-              <a:latin typeface="Calibri"/>
+            <a:endParaRPr b="0" lang="en-GB" sz="1800" spc="-1" strike="noStrike">
+              <a:solidFill>
+                <a:srgbClr val="000000"/>
+              </a:solidFill>
+              <a:uFill>
+                <a:solidFill>
+                  <a:srgbClr val="ffffff"/>
+                </a:solidFill>
+              </a:uFill>
+              <a:latin typeface="Arial"/>
             </a:endParaRPr>
           </a:p>
         </p:txBody>
       </p:sp>
       <p:pic>
         <p:nvPicPr>
-          <p:cNvPr id="107" name="" descr=""/>
+          <p:cNvPr id="101" name="" descr=""/>
           <p:cNvPicPr/>
           <p:nvPr/>
         </p:nvPicPr>
@@ -7444,8 +7024,8 @@
         </p:blipFill>
         <p:spPr>
           <a:xfrm>
-            <a:off x="2190600" y="1296000"/>
-            <a:ext cx="4680000" cy="4680000"/>
+            <a:off x="2304000" y="1260360"/>
+            <a:ext cx="4571280" cy="4571280"/>
           </a:xfrm>
           <a:prstGeom prst="rect">
             <a:avLst/>
@@ -7506,14 +7086,14 @@
       </p:grpSpPr>
       <p:sp>
         <p:nvSpPr>
-          <p:cNvPr id="108" name="TextShape 1"/>
-          <p:cNvSpPr txBox="1"/>
+          <p:cNvPr id="102" name="CustomShape 1"/>
+          <p:cNvSpPr/>
           <p:nvPr/>
         </p:nvSpPr>
         <p:spPr>
           <a:xfrm>
             <a:off x="457200" y="274680"/>
-            <a:ext cx="8229240" cy="1142640"/>
+            <a:ext cx="8228520" cy="1141920"/>
           </a:xfrm>
           <a:prstGeom prst="rect">
             <a:avLst/>
@@ -7523,8 +7103,14 @@
             <a:noFill/>
           </a:ln>
         </p:spPr>
-        <p:txBody>
-          <a:bodyPr anchor="ctr"/>
+        <p:style>
+          <a:lnRef idx="0"/>
+          <a:fillRef idx="0"/>
+          <a:effectRef idx="0"/>
+          <a:fontRef idx="minor"/>
+        </p:style>
+        <p:txBody>
+          <a:bodyPr lIns="90000" rIns="90000" tIns="45000" bIns="45000" anchor="ctr"/>
           <a:p>
             <a:pPr algn="ctr">
               <a:lnSpc>
@@ -7532,7 +7118,7 @@
               </a:lnSpc>
             </a:pPr>
             <a:r>
-              <a:rPr b="0" lang="en-US" sz="4400" spc="-1" strike="noStrike">
+              <a:rPr b="0" lang="en-GB" sz="4400" spc="-1" strike="noStrike">
                 <a:solidFill>
                   <a:srgbClr val="000000"/>
                 </a:solidFill>
@@ -7542,33 +7128,34 @@
                   </a:solidFill>
                 </a:uFill>
                 <a:latin typeface="Calibri"/>
+                <a:ea typeface="DejaVu Sans"/>
               </a:rPr>
               <a:t>The Empathy Function</a:t>
             </a:r>
-            <a:endParaRPr b="0" lang="en-US" sz="1800" spc="-1" strike="noStrike">
-              <a:solidFill>
-                <a:srgbClr val="000000"/>
-              </a:solidFill>
-              <a:uFill>
-                <a:solidFill>
-                  <a:srgbClr val="ffffff"/>
-                </a:solidFill>
-              </a:uFill>
-              <a:latin typeface="Calibri"/>
-            </a:endParaRPr>
-          </a:p>
-        </p:txBody>
-      </p:sp>
-      <p:sp>
-        <p:nvSpPr>
-          <p:cNvPr id="109" name="TextShape 2"/>
-          <p:cNvSpPr txBox="1"/>
+            <a:endParaRPr b="0" lang="en-GB" sz="1800" spc="-1" strike="noStrike">
+              <a:solidFill>
+                <a:srgbClr val="000000"/>
+              </a:solidFill>
+              <a:uFill>
+                <a:solidFill>
+                  <a:srgbClr val="ffffff"/>
+                </a:solidFill>
+              </a:uFill>
+              <a:latin typeface="Arial"/>
+            </a:endParaRPr>
+          </a:p>
+        </p:txBody>
+      </p:sp>
+      <p:sp>
+        <p:nvSpPr>
+          <p:cNvPr id="103" name="CustomShape 2"/>
+          <p:cNvSpPr/>
           <p:nvPr/>
         </p:nvSpPr>
         <p:spPr>
           <a:xfrm>
             <a:off x="457200" y="1600200"/>
-            <a:ext cx="8229240" cy="4525560"/>
+            <a:ext cx="8228520" cy="4524840"/>
           </a:xfrm>
           <a:prstGeom prst="rect">
             <a:avLst/>
@@ -7578,10 +7165,16 @@
             <a:noFill/>
           </a:ln>
         </p:spPr>
-        <p:txBody>
-          <a:bodyPr/>
-          <a:p>
-            <a:pPr marL="343080" indent="-342720">
+        <p:style>
+          <a:lnRef idx="0"/>
+          <a:fillRef idx="0"/>
+          <a:effectRef idx="0"/>
+          <a:fontRef idx="minor"/>
+        </p:style>
+        <p:txBody>
+          <a:bodyPr lIns="90000" rIns="90000" tIns="45000" bIns="45000"/>
+          <a:p>
+            <a:pPr marL="343080" indent="-342000">
               <a:lnSpc>
                 <a:spcPct val="100000"/>
               </a:lnSpc>
@@ -7592,7 +7185,7 @@
               <a:buChar char="•"/>
             </a:pPr>
             <a:r>
-              <a:rPr b="0" lang="en-US" sz="3200" spc="-1" strike="noStrike">
+              <a:rPr b="0" lang="en-GB" sz="3200" spc="-1" strike="noStrike">
                 <a:solidFill>
                   <a:srgbClr val="000000"/>
                 </a:solidFill>
@@ -7602,11 +7195,12 @@
                   </a:solidFill>
                 </a:uFill>
                 <a:latin typeface="Calibri"/>
+                <a:ea typeface="DejaVu Sans"/>
               </a:rPr>
               <a:t>1st attempt: logic in </a:t>
             </a:r>
             <a:r>
-              <a:rPr b="1" lang="en-US" sz="3200" spc="-1" strike="noStrike">
+              <a:rPr b="1" lang="en-GB" sz="3200" spc="-1" strike="noStrike">
                 <a:solidFill>
                   <a:srgbClr val="000000"/>
                 </a:solidFill>
@@ -7616,11 +7210,12 @@
                   </a:solidFill>
                 </a:uFill>
                 <a:latin typeface="Calibri"/>
+                <a:ea typeface="DejaVu Sans"/>
               </a:rPr>
               <a:t>window</a:t>
             </a:r>
             <a:r>
-              <a:rPr b="0" i="1" lang="en-US" sz="3200" spc="-1" strike="noStrike">
+              <a:rPr b="0" i="1" lang="en-GB" sz="3200" spc="-1" strike="noStrike">
                 <a:solidFill>
                   <a:srgbClr val="000000"/>
                 </a:solidFill>
@@ -7630,11 +7225,12 @@
                   </a:solidFill>
                 </a:uFill>
                 <a:latin typeface="Calibri"/>
+                <a:ea typeface="DejaVu Sans"/>
               </a:rPr>
               <a:t> </a:t>
             </a:r>
             <a:r>
-              <a:rPr b="0" lang="en-US" sz="3200" spc="-1" strike="noStrike">
+              <a:rPr b="0" lang="en-GB" sz="3200" spc="-1" strike="noStrike">
                 <a:solidFill>
                   <a:srgbClr val="000000"/>
                 </a:solidFill>
@@ -7644,23 +7240,24 @@
                   </a:solidFill>
                 </a:uFill>
                 <a:latin typeface="Calibri"/>
+                <a:ea typeface="DejaVu Sans"/>
               </a:rPr>
               <a:t>function</a:t>
             </a:r>
-            <a:endParaRPr b="0" lang="en-US" sz="3200" spc="-1" strike="noStrike">
-              <a:solidFill>
-                <a:srgbClr val="000000"/>
-              </a:solidFill>
-              <a:uFill>
-                <a:solidFill>
-                  <a:srgbClr val="ffffff"/>
-                </a:solidFill>
-              </a:uFill>
-              <a:latin typeface="Calibri"/>
-            </a:endParaRPr>
-          </a:p>
-          <a:p>
-            <a:pPr lvl="1" marL="743040" indent="-285480">
+            <a:endParaRPr b="0" lang="en-GB" sz="1800" spc="-1" strike="noStrike">
+              <a:solidFill>
+                <a:srgbClr val="000000"/>
+              </a:solidFill>
+              <a:uFill>
+                <a:solidFill>
+                  <a:srgbClr val="ffffff"/>
+                </a:solidFill>
+              </a:uFill>
+              <a:latin typeface="Arial"/>
+            </a:endParaRPr>
+          </a:p>
+          <a:p>
+            <a:pPr lvl="1" marL="743040" indent="-284760">
               <a:lnSpc>
                 <a:spcPct val="100000"/>
               </a:lnSpc>
@@ -7671,7 +7268,7 @@
               <a:buChar char="–"/>
             </a:pPr>
             <a:r>
-              <a:rPr b="0" lang="en-US" sz="2800" spc="-1" strike="noStrike">
+              <a:rPr b="0" lang="en-GB" sz="2800" spc="-1" strike="noStrike">
                 <a:solidFill>
                   <a:srgbClr val="000000"/>
                 </a:solidFill>
@@ -7681,23 +7278,24 @@
                   </a:solidFill>
                 </a:uFill>
                 <a:latin typeface="Calibri"/>
+                <a:ea typeface="DejaVu Sans"/>
               </a:rPr>
               <a:t>Pros: was easier to implement</a:t>
             </a:r>
-            <a:endParaRPr b="0" lang="en-US" sz="2400" spc="-1" strike="noStrike">
-              <a:solidFill>
-                <a:srgbClr val="000000"/>
-              </a:solidFill>
-              <a:uFill>
-                <a:solidFill>
-                  <a:srgbClr val="ffffff"/>
-                </a:solidFill>
-              </a:uFill>
-              <a:latin typeface="Calibri"/>
-            </a:endParaRPr>
-          </a:p>
-          <a:p>
-            <a:pPr lvl="1" marL="743040" indent="-285480">
+            <a:endParaRPr b="0" lang="en-GB" sz="1800" spc="-1" strike="noStrike">
+              <a:solidFill>
+                <a:srgbClr val="000000"/>
+              </a:solidFill>
+              <a:uFill>
+                <a:solidFill>
+                  <a:srgbClr val="ffffff"/>
+                </a:solidFill>
+              </a:uFill>
+              <a:latin typeface="Arial"/>
+            </a:endParaRPr>
+          </a:p>
+          <a:p>
+            <a:pPr lvl="1" marL="743040" indent="-284760">
               <a:lnSpc>
                 <a:spcPct val="100000"/>
               </a:lnSpc>
@@ -7708,7 +7306,7 @@
               <a:buChar char="–"/>
             </a:pPr>
             <a:r>
-              <a:rPr b="0" lang="en-US" sz="2800" spc="-1" strike="noStrike">
+              <a:rPr b="0" lang="en-GB" sz="2800" spc="-1" strike="noStrike">
                 <a:solidFill>
                   <a:srgbClr val="000000"/>
                 </a:solidFill>
@@ -7718,36 +7316,42 @@
                   </a:solidFill>
                 </a:uFill>
                 <a:latin typeface="Calibri"/>
+                <a:ea typeface="DejaVu Sans"/>
               </a:rPr>
               <a:t>Cons: memory heavy </a:t>
             </a:r>
-            <a:endParaRPr b="0" lang="en-US" sz="2400" spc="-1" strike="noStrike">
-              <a:solidFill>
-                <a:srgbClr val="000000"/>
-              </a:solidFill>
-              <a:uFill>
-                <a:solidFill>
-                  <a:srgbClr val="ffffff"/>
-                </a:solidFill>
-              </a:uFill>
-              <a:latin typeface="Calibri"/>
-            </a:endParaRPr>
-          </a:p>
-          <a:p>
-            <a:endParaRPr b="0" lang="en-US" sz="3200" spc="-1" strike="noStrike">
-              <a:solidFill>
-                <a:srgbClr val="000000"/>
-              </a:solidFill>
-              <a:uFill>
-                <a:solidFill>
-                  <a:srgbClr val="ffffff"/>
-                </a:solidFill>
-              </a:uFill>
-              <a:latin typeface="Calibri"/>
-            </a:endParaRPr>
-          </a:p>
-          <a:p>
-            <a:pPr marL="343080" indent="-342720">
+            <a:endParaRPr b="0" lang="en-GB" sz="1800" spc="-1" strike="noStrike">
+              <a:solidFill>
+                <a:srgbClr val="000000"/>
+              </a:solidFill>
+              <a:uFill>
+                <a:solidFill>
+                  <a:srgbClr val="ffffff"/>
+                </a:solidFill>
+              </a:uFill>
+              <a:latin typeface="Arial"/>
+            </a:endParaRPr>
+          </a:p>
+          <a:p>
+            <a:pPr>
+              <a:lnSpc>
+                <a:spcPct val="100000"/>
+              </a:lnSpc>
+            </a:pPr>
+            <a:endParaRPr b="0" lang="en-GB" sz="1800" spc="-1" strike="noStrike">
+              <a:solidFill>
+                <a:srgbClr val="000000"/>
+              </a:solidFill>
+              <a:uFill>
+                <a:solidFill>
+                  <a:srgbClr val="ffffff"/>
+                </a:solidFill>
+              </a:uFill>
+              <a:latin typeface="Arial"/>
+            </a:endParaRPr>
+          </a:p>
+          <a:p>
+            <a:pPr marL="343080" indent="-342000">
               <a:lnSpc>
                 <a:spcPct val="100000"/>
               </a:lnSpc>
@@ -7758,7 +7362,7 @@
               <a:buChar char="•"/>
             </a:pPr>
             <a:r>
-              <a:rPr b="0" lang="en-US" sz="3200" spc="-1" strike="noStrike">
+              <a:rPr b="0" lang="en-GB" sz="3200" spc="-1" strike="noStrike">
                 <a:solidFill>
                   <a:srgbClr val="000000"/>
                 </a:solidFill>
@@ -7768,11 +7372,12 @@
                   </a:solidFill>
                 </a:uFill>
                 <a:latin typeface="Calibri"/>
+                <a:ea typeface="DejaVu Sans"/>
               </a:rPr>
               <a:t>2nd attempt: logic in the </a:t>
             </a:r>
             <a:r>
-              <a:rPr b="1" lang="en-US" sz="3200" spc="-1" strike="noStrike">
+              <a:rPr b="1" lang="en-GB" sz="3200" spc="-1" strike="noStrike">
                 <a:solidFill>
                   <a:srgbClr val="000000"/>
                 </a:solidFill>
@@ -7782,11 +7387,12 @@
                   </a:solidFill>
                 </a:uFill>
                 <a:latin typeface="Calibri"/>
+                <a:ea typeface="DejaVu Sans"/>
               </a:rPr>
               <a:t>fold</a:t>
             </a:r>
             <a:r>
-              <a:rPr b="0" i="1" lang="en-US" sz="3200" spc="-1" strike="noStrike">
+              <a:rPr b="0" i="1" lang="en-GB" sz="3200" spc="-1" strike="noStrike">
                 <a:solidFill>
                   <a:srgbClr val="000000"/>
                 </a:solidFill>
@@ -7796,11 +7402,12 @@
                   </a:solidFill>
                 </a:uFill>
                 <a:latin typeface="Calibri"/>
+                <a:ea typeface="DejaVu Sans"/>
               </a:rPr>
               <a:t> </a:t>
             </a:r>
             <a:r>
-              <a:rPr b="0" lang="en-US" sz="3200" spc="-1" strike="noStrike">
+              <a:rPr b="0" lang="en-GB" sz="3200" spc="-1" strike="noStrike">
                 <a:solidFill>
                   <a:srgbClr val="000000"/>
                 </a:solidFill>
@@ -7810,23 +7417,24 @@
                   </a:solidFill>
                 </a:uFill>
                 <a:latin typeface="Calibri"/>
+                <a:ea typeface="DejaVu Sans"/>
               </a:rPr>
               <a:t>function for better performance</a:t>
             </a:r>
-            <a:endParaRPr b="0" lang="en-US" sz="3200" spc="-1" strike="noStrike">
-              <a:solidFill>
-                <a:srgbClr val="000000"/>
-              </a:solidFill>
-              <a:uFill>
-                <a:solidFill>
-                  <a:srgbClr val="ffffff"/>
-                </a:solidFill>
-              </a:uFill>
-              <a:latin typeface="Calibri"/>
-            </a:endParaRPr>
-          </a:p>
-          <a:p>
-            <a:pPr lvl="1" marL="743040" indent="-285480">
+            <a:endParaRPr b="0" lang="en-GB" sz="1800" spc="-1" strike="noStrike">
+              <a:solidFill>
+                <a:srgbClr val="000000"/>
+              </a:solidFill>
+              <a:uFill>
+                <a:solidFill>
+                  <a:srgbClr val="ffffff"/>
+                </a:solidFill>
+              </a:uFill>
+              <a:latin typeface="Arial"/>
+            </a:endParaRPr>
+          </a:p>
+          <a:p>
+            <a:pPr lvl="1" marL="743040" indent="-284760">
               <a:lnSpc>
                 <a:spcPct val="100000"/>
               </a:lnSpc>
@@ -7837,7 +7445,7 @@
               <a:buChar char="–"/>
             </a:pPr>
             <a:r>
-              <a:rPr b="0" lang="en-US" sz="2800" spc="-1" strike="noStrike">
+              <a:rPr b="0" lang="en-GB" sz="2800" spc="-1" strike="noStrike">
                 <a:solidFill>
                   <a:srgbClr val="000000"/>
                 </a:solidFill>
@@ -7847,23 +7455,24 @@
                   </a:solidFill>
                 </a:uFill>
                 <a:latin typeface="Calibri"/>
+                <a:ea typeface="DejaVu Sans"/>
               </a:rPr>
               <a:t>Pros: was harder to conceive</a:t>
             </a:r>
-            <a:endParaRPr b="0" lang="en-US" sz="2400" spc="-1" strike="noStrike">
-              <a:solidFill>
-                <a:srgbClr val="000000"/>
-              </a:solidFill>
-              <a:uFill>
-                <a:solidFill>
-                  <a:srgbClr val="ffffff"/>
-                </a:solidFill>
-              </a:uFill>
-              <a:latin typeface="Calibri"/>
-            </a:endParaRPr>
-          </a:p>
-          <a:p>
-            <a:pPr lvl="1" marL="743040" indent="-285480">
+            <a:endParaRPr b="0" lang="en-GB" sz="1800" spc="-1" strike="noStrike">
+              <a:solidFill>
+                <a:srgbClr val="000000"/>
+              </a:solidFill>
+              <a:uFill>
+                <a:solidFill>
+                  <a:srgbClr val="ffffff"/>
+                </a:solidFill>
+              </a:uFill>
+              <a:latin typeface="Arial"/>
+            </a:endParaRPr>
+          </a:p>
+          <a:p>
+            <a:pPr lvl="1" marL="743040" indent="-284760">
               <a:lnSpc>
                 <a:spcPct val="100000"/>
               </a:lnSpc>
@@ -7874,7 +7483,7 @@
               <a:buChar char="–"/>
             </a:pPr>
             <a:r>
-              <a:rPr b="0" lang="en-US" sz="2800" spc="-1" strike="noStrike">
+              <a:rPr b="0" lang="en-GB" sz="2800" spc="-1" strike="noStrike">
                 <a:solidFill>
                   <a:srgbClr val="000000"/>
                 </a:solidFill>
@@ -7884,19 +7493,20 @@
                   </a:solidFill>
                 </a:uFill>
                 <a:latin typeface="Calibri"/>
+                <a:ea typeface="DejaVu Sans"/>
               </a:rPr>
               <a:t>Cons: better performance </a:t>
             </a:r>
-            <a:endParaRPr b="0" lang="en-US" sz="2400" spc="-1" strike="noStrike">
-              <a:solidFill>
-                <a:srgbClr val="000000"/>
-              </a:solidFill>
-              <a:uFill>
-                <a:solidFill>
-                  <a:srgbClr val="ffffff"/>
-                </a:solidFill>
-              </a:uFill>
-              <a:latin typeface="Calibri"/>
+            <a:endParaRPr b="0" lang="en-GB" sz="1800" spc="-1" strike="noStrike">
+              <a:solidFill>
+                <a:srgbClr val="000000"/>
+              </a:solidFill>
+              <a:uFill>
+                <a:solidFill>
+                  <a:srgbClr val="ffffff"/>
+                </a:solidFill>
+              </a:uFill>
+              <a:latin typeface="Arial"/>
             </a:endParaRPr>
           </a:p>
         </p:txBody>
@@ -7952,14 +7562,14 @@
       </p:grpSpPr>
       <p:sp>
         <p:nvSpPr>
-          <p:cNvPr id="110" name="TextShape 1"/>
-          <p:cNvSpPr txBox="1"/>
+          <p:cNvPr id="104" name="CustomShape 1"/>
+          <p:cNvSpPr/>
           <p:nvPr/>
         </p:nvSpPr>
         <p:spPr>
           <a:xfrm>
             <a:off x="457200" y="274680"/>
-            <a:ext cx="8229240" cy="1142640"/>
+            <a:ext cx="8228520" cy="1141920"/>
           </a:xfrm>
           <a:prstGeom prst="rect">
             <a:avLst/>
@@ -7969,8 +7579,14 @@
             <a:noFill/>
           </a:ln>
         </p:spPr>
-        <p:txBody>
-          <a:bodyPr anchor="ctr"/>
+        <p:style>
+          <a:lnRef idx="0"/>
+          <a:fillRef idx="0"/>
+          <a:effectRef idx="0"/>
+          <a:fontRef idx="minor"/>
+        </p:style>
+        <p:txBody>
+          <a:bodyPr lIns="90000" rIns="90000" tIns="45000" bIns="45000" anchor="ctr"/>
           <a:p>
             <a:pPr algn="ctr">
               <a:lnSpc>
@@ -7978,7 +7594,7 @@
               </a:lnSpc>
             </a:pPr>
             <a:r>
-              <a:rPr b="0" lang="en-US" sz="4400" spc="-1" strike="noStrike">
+              <a:rPr b="0" lang="en-GB" sz="4400" spc="-1" strike="noStrike">
                 <a:solidFill>
                   <a:srgbClr val="000000"/>
                 </a:solidFill>
@@ -7988,33 +7604,34 @@
                   </a:solidFill>
                 </a:uFill>
                 <a:latin typeface="Calibri"/>
+                <a:ea typeface="DejaVu Sans"/>
               </a:rPr>
               <a:t>Spatial Graininess</a:t>
             </a:r>
-            <a:endParaRPr b="0" lang="en-US" sz="1800" spc="-1" strike="noStrike">
-              <a:solidFill>
-                <a:srgbClr val="000000"/>
-              </a:solidFill>
-              <a:uFill>
-                <a:solidFill>
-                  <a:srgbClr val="ffffff"/>
-                </a:solidFill>
-              </a:uFill>
-              <a:latin typeface="Calibri"/>
-            </a:endParaRPr>
-          </a:p>
-        </p:txBody>
-      </p:sp>
-      <p:sp>
-        <p:nvSpPr>
-          <p:cNvPr id="111" name="TextShape 2"/>
-          <p:cNvSpPr txBox="1"/>
+            <a:endParaRPr b="0" lang="en-GB" sz="1800" spc="-1" strike="noStrike">
+              <a:solidFill>
+                <a:srgbClr val="000000"/>
+              </a:solidFill>
+              <a:uFill>
+                <a:solidFill>
+                  <a:srgbClr val="ffffff"/>
+                </a:solidFill>
+              </a:uFill>
+              <a:latin typeface="Arial"/>
+            </a:endParaRPr>
+          </a:p>
+        </p:txBody>
+      </p:sp>
+      <p:sp>
+        <p:nvSpPr>
+          <p:cNvPr id="105" name="CustomShape 2"/>
+          <p:cNvSpPr/>
           <p:nvPr/>
         </p:nvSpPr>
         <p:spPr>
           <a:xfrm>
             <a:off x="457200" y="1600200"/>
-            <a:ext cx="8229240" cy="4525560"/>
+            <a:ext cx="8228520" cy="4524840"/>
           </a:xfrm>
           <a:prstGeom prst="rect">
             <a:avLst/>
@@ -8024,10 +7641,16 @@
             <a:noFill/>
           </a:ln>
         </p:spPr>
-        <p:txBody>
-          <a:bodyPr/>
-          <a:p>
-            <a:pPr marL="343080" indent="-342720">
+        <p:style>
+          <a:lnRef idx="0"/>
+          <a:fillRef idx="0"/>
+          <a:effectRef idx="0"/>
+          <a:fontRef idx="minor"/>
+        </p:style>
+        <p:txBody>
+          <a:bodyPr lIns="90000" rIns="90000" tIns="45000" bIns="45000"/>
+          <a:p>
+            <a:pPr marL="343080" indent="-342000">
               <a:lnSpc>
                 <a:spcPct val="100000"/>
               </a:lnSpc>
@@ -8038,7 +7661,7 @@
               <a:buChar char="•"/>
             </a:pPr>
             <a:r>
-              <a:rPr b="0" lang="en-US" sz="3200" spc="-1" strike="noStrike">
+              <a:rPr b="0" lang="en-GB" sz="3200" spc="-1" strike="noStrike">
                 <a:solidFill>
                   <a:srgbClr val="000000"/>
                 </a:solidFill>
@@ -8048,11 +7671,12 @@
                   </a:solidFill>
                 </a:uFill>
                 <a:latin typeface="Calibri"/>
+                <a:ea typeface="DejaVu Sans"/>
               </a:rPr>
               <a:t>Achieved simply by a helper function that is called from within the </a:t>
             </a:r>
             <a:r>
-              <a:rPr b="1" lang="en-US" sz="3200" spc="-1" strike="noStrike">
+              <a:rPr b="1" lang="en-GB" sz="3200" spc="-1" strike="noStrike">
                 <a:solidFill>
                   <a:srgbClr val="000000"/>
                 </a:solidFill>
@@ -8062,23 +7686,24 @@
                   </a:solidFill>
                 </a:uFill>
                 <a:latin typeface="Calibri"/>
+                <a:ea typeface="DejaVu Sans"/>
               </a:rPr>
               <a:t>getKey</a:t>
             </a:r>
-            <a:endParaRPr b="0" lang="en-US" sz="3200" spc="-1" strike="noStrike">
-              <a:solidFill>
-                <a:srgbClr val="000000"/>
-              </a:solidFill>
-              <a:uFill>
-                <a:solidFill>
-                  <a:srgbClr val="ffffff"/>
-                </a:solidFill>
-              </a:uFill>
-              <a:latin typeface="Calibri"/>
-            </a:endParaRPr>
-          </a:p>
-          <a:p>
-            <a:pPr lvl="1" marL="743040" indent="-285480">
+            <a:endParaRPr b="0" lang="en-GB" sz="1800" spc="-1" strike="noStrike">
+              <a:solidFill>
+                <a:srgbClr val="000000"/>
+              </a:solidFill>
+              <a:uFill>
+                <a:solidFill>
+                  <a:srgbClr val="ffffff"/>
+                </a:solidFill>
+              </a:uFill>
+              <a:latin typeface="Arial"/>
+            </a:endParaRPr>
+          </a:p>
+          <a:p>
+            <a:pPr lvl="1" marL="743040" indent="-284760">
               <a:lnSpc>
                 <a:spcPct val="100000"/>
               </a:lnSpc>
@@ -8089,7 +7714,7 @@
               <a:buChar char="–"/>
             </a:pPr>
             <a:r>
-              <a:rPr b="0" lang="en-US" sz="2800" spc="-1" strike="noStrike">
+              <a:rPr b="0" lang="en-GB" sz="2800" spc="-1" strike="noStrike">
                 <a:solidFill>
                   <a:srgbClr val="000000"/>
                 </a:solidFill>
@@ -8099,23 +7724,24 @@
                   </a:solidFill>
                 </a:uFill>
                 <a:latin typeface="Calibri"/>
+                <a:ea typeface="DejaVu Sans"/>
               </a:rPr>
               <a:t>On a country level we key by country code</a:t>
             </a:r>
-            <a:endParaRPr b="0" lang="en-US" sz="2400" spc="-1" strike="noStrike">
-              <a:solidFill>
-                <a:srgbClr val="000000"/>
-              </a:solidFill>
-              <a:uFill>
-                <a:solidFill>
-                  <a:srgbClr val="ffffff"/>
-                </a:solidFill>
-              </a:uFill>
-              <a:latin typeface="Calibri"/>
-            </a:endParaRPr>
-          </a:p>
-          <a:p>
-            <a:pPr lvl="1" marL="743040" indent="-285480">
+            <a:endParaRPr b="0" lang="en-GB" sz="1800" spc="-1" strike="noStrike">
+              <a:solidFill>
+                <a:srgbClr val="000000"/>
+              </a:solidFill>
+              <a:uFill>
+                <a:solidFill>
+                  <a:srgbClr val="ffffff"/>
+                </a:solidFill>
+              </a:uFill>
+              <a:latin typeface="Arial"/>
+            </a:endParaRPr>
+          </a:p>
+          <a:p>
+            <a:pPr lvl="1" marL="743040" indent="-284760">
               <a:lnSpc>
                 <a:spcPct val="100000"/>
               </a:lnSpc>
@@ -8126,7 +7752,7 @@
               <a:buChar char="–"/>
             </a:pPr>
             <a:r>
-              <a:rPr b="0" lang="en-US" sz="2800" spc="-1" strike="noStrike">
+              <a:rPr b="0" lang="en-GB" sz="2800" spc="-1" strike="noStrike">
                 <a:solidFill>
                   <a:srgbClr val="000000"/>
                 </a:solidFill>
@@ -8136,11 +7762,12 @@
                   </a:solidFill>
                 </a:uFill>
                 <a:latin typeface="Calibri"/>
+                <a:ea typeface="DejaVu Sans"/>
               </a:rPr>
               <a:t>On a continental level the helper </a:t>
             </a:r>
             <a:r>
-              <a:rPr b="0" i="1" lang="en-US" sz="2800" spc="-1" strike="noStrike">
+              <a:rPr b="0" i="1" lang="en-GB" sz="2800" spc="-1" strike="noStrike">
                 <a:solidFill>
                   <a:srgbClr val="000000"/>
                 </a:solidFill>
@@ -8150,11 +7777,12 @@
                   </a:solidFill>
                 </a:uFill>
                 <a:latin typeface="Calibri"/>
+                <a:ea typeface="DejaVu Sans"/>
               </a:rPr>
               <a:t>maps the </a:t>
             </a:r>
             <a:r>
-              <a:rPr b="0" lang="en-US" sz="2800" spc="-1" strike="noStrike">
+              <a:rPr b="0" lang="en-GB" sz="2800" spc="-1" strike="noStrike">
                 <a:solidFill>
                   <a:srgbClr val="000000"/>
                 </a:solidFill>
@@ -8164,23 +7792,24 @@
                   </a:solidFill>
                 </a:uFill>
                 <a:latin typeface="Calibri"/>
+                <a:ea typeface="DejaVu Sans"/>
               </a:rPr>
               <a:t>country code to the continent code</a:t>
             </a:r>
-            <a:endParaRPr b="0" lang="en-US" sz="2400" spc="-1" strike="noStrike">
-              <a:solidFill>
-                <a:srgbClr val="000000"/>
-              </a:solidFill>
-              <a:uFill>
-                <a:solidFill>
-                  <a:srgbClr val="ffffff"/>
-                </a:solidFill>
-              </a:uFill>
-              <a:latin typeface="Calibri"/>
-            </a:endParaRPr>
-          </a:p>
-          <a:p>
-            <a:pPr lvl="1" marL="743040" indent="-285480">
+            <a:endParaRPr b="0" lang="en-GB" sz="1800" spc="-1" strike="noStrike">
+              <a:solidFill>
+                <a:srgbClr val="000000"/>
+              </a:solidFill>
+              <a:uFill>
+                <a:solidFill>
+                  <a:srgbClr val="ffffff"/>
+                </a:solidFill>
+              </a:uFill>
+              <a:latin typeface="Arial"/>
+            </a:endParaRPr>
+          </a:p>
+          <a:p>
+            <a:pPr lvl="1" marL="743040" indent="-284760">
               <a:lnSpc>
                 <a:spcPct val="100000"/>
               </a:lnSpc>
@@ -8191,7 +7820,7 @@
               <a:buChar char="–"/>
             </a:pPr>
             <a:r>
-              <a:rPr b="0" lang="en-US" sz="2800" spc="-1" strike="noStrike">
+              <a:rPr b="0" lang="en-GB" sz="2800" spc="-1" strike="noStrike">
                 <a:solidFill>
                   <a:srgbClr val="000000"/>
                 </a:solidFill>
@@ -8201,11 +7830,12 @@
                   </a:solidFill>
                 </a:uFill>
                 <a:latin typeface="Calibri"/>
+                <a:ea typeface="DejaVu Sans"/>
               </a:rPr>
               <a:t>On a world level we map everything all keys to </a:t>
             </a:r>
             <a:r>
-              <a:rPr b="1" lang="en-US" sz="2800" spc="-1" strike="noStrike">
+              <a:rPr b="1" lang="en-GB" sz="2800" spc="-1" strike="noStrike">
                 <a:solidFill>
                   <a:srgbClr val="000000"/>
                 </a:solidFill>
@@ -8215,39 +7845,45 @@
                   </a:solidFill>
                 </a:uFill>
                 <a:latin typeface="Calibri"/>
+                <a:ea typeface="DejaVu Sans"/>
               </a:rPr>
               <a:t>earth</a:t>
             </a:r>
-            <a:endParaRPr b="0" lang="en-US" sz="2400" spc="-1" strike="noStrike">
-              <a:solidFill>
-                <a:srgbClr val="000000"/>
-              </a:solidFill>
-              <a:uFill>
-                <a:solidFill>
-                  <a:srgbClr val="ffffff"/>
-                </a:solidFill>
-              </a:uFill>
-              <a:latin typeface="Calibri"/>
-            </a:endParaRPr>
-          </a:p>
-          <a:p>
-            <a:endParaRPr b="0" lang="en-US" sz="3200" spc="-1" strike="noStrike">
-              <a:solidFill>
-                <a:srgbClr val="000000"/>
-              </a:solidFill>
-              <a:uFill>
-                <a:solidFill>
-                  <a:srgbClr val="ffffff"/>
-                </a:solidFill>
-              </a:uFill>
-              <a:latin typeface="Calibri"/>
+            <a:endParaRPr b="0" lang="en-GB" sz="1800" spc="-1" strike="noStrike">
+              <a:solidFill>
+                <a:srgbClr val="000000"/>
+              </a:solidFill>
+              <a:uFill>
+                <a:solidFill>
+                  <a:srgbClr val="ffffff"/>
+                </a:solidFill>
+              </a:uFill>
+              <a:latin typeface="Arial"/>
+            </a:endParaRPr>
+          </a:p>
+          <a:p>
+            <a:pPr>
+              <a:lnSpc>
+                <a:spcPct val="100000"/>
+              </a:lnSpc>
+            </a:pPr>
+            <a:endParaRPr b="0" lang="en-GB" sz="1800" spc="-1" strike="noStrike">
+              <a:solidFill>
+                <a:srgbClr val="000000"/>
+              </a:solidFill>
+              <a:uFill>
+                <a:solidFill>
+                  <a:srgbClr val="ffffff"/>
+                </a:solidFill>
+              </a:uFill>
+              <a:latin typeface="Arial"/>
             </a:endParaRPr>
           </a:p>
         </p:txBody>
       </p:sp>
       <p:pic>
         <p:nvPicPr>
-          <p:cNvPr id="112" name="Picture 1" descr=""/>
+          <p:cNvPr id="106" name="Picture 1" descr=""/>
           <p:cNvPicPr/>
           <p:nvPr/>
         </p:nvPicPr>
@@ -8258,7 +7894,7 @@
         <p:spPr>
           <a:xfrm>
             <a:off x="179640" y="5301360"/>
-            <a:ext cx="8820000" cy="808920"/>
+            <a:ext cx="8819280" cy="808200"/>
           </a:xfrm>
           <a:prstGeom prst="rect">
             <a:avLst/>
